--- a/Batisseur_de_requete_SQL_1.pptx
+++ b/Batisseur_de_requete_SQL_1.pptx
@@ -3,17 +3,20 @@
 <p:presentation xmlns:a="http://schemas.openxmlformats.org/drawingml/2006/main" xmlns:r="http://schemas.openxmlformats.org/officeDocument/2006/relationships" xmlns:p="http://schemas.openxmlformats.org/presentationml/2006/main">
   <p:sldMasterIdLst>
     <p:sldMasterId id="2147483648" r:id="rId1"/>
-    <p:sldMasterId id="2147483660" r:id="rId3"/>
+    <p:sldMasterId id="2147483660" r:id="rId2"/>
   </p:sldMasterIdLst>
   <p:sldIdLst>
-    <p:sldId id="256" r:id="rId4"/>
-    <p:sldId id="257" r:id="rId5"/>
-    <p:sldId id="264" r:id="rId6"/>
-    <p:sldId id="258" r:id="rId7"/>
-    <p:sldId id="259" r:id="rId8"/>
-    <p:sldId id="260" r:id="rId9"/>
-    <p:sldId id="261" r:id="rId10"/>
-    <p:sldId id="262" r:id="rId11"/>
+    <p:sldId id="256" r:id="rId3"/>
+    <p:sldId id="257" r:id="rId4"/>
+    <p:sldId id="264" r:id="rId5"/>
+    <p:sldId id="258" r:id="rId6"/>
+    <p:sldId id="259" r:id="rId7"/>
+    <p:sldId id="260" r:id="rId8"/>
+    <p:sldId id="261" r:id="rId9"/>
+    <p:sldId id="262" r:id="rId10"/>
+    <p:sldId id="267" r:id="rId11"/>
+    <p:sldId id="265" r:id="rId12"/>
+    <p:sldId id="266" r:id="rId13"/>
   </p:sldIdLst>
   <p:sldSz cx="12192000" cy="6858000"/>
   <p:notesSz cx="6858000" cy="9144000"/>
@@ -112,6 +115,11 @@
       </a:defRPr>
     </a:lvl9pPr>
   </p:defaultTextStyle>
+  <p:extLst>
+    <p:ext uri="{EFAFB233-063F-42B5-8137-9DF3F51BA10A}">
+      <p15:sldGuideLst xmlns:p15="http://schemas.microsoft.com/office/powerpoint/2012/main"/>
+    </p:ext>
+  </p:extLst>
 </p:presentation>
 </file>
 
@@ -1037,7 +1045,7 @@
 </file>
 
 <file path=ppt/diagrams/colors2.xml><?xml version="1.0" encoding="utf-8"?>
-<dgm:colorsDef xmlns:dgm="http://schemas.openxmlformats.org/drawingml/2006/diagram" xmlns:a="http://schemas.openxmlformats.org/drawingml/2006/main" uniqueId="urn:microsoft.com/office/officeart/2005/8/colors/accent1_2">
+<dgm:colorsDef xmlns:dgm="http://schemas.openxmlformats.org/drawingml/2006/diagram" xmlns:a="http://schemas.openxmlformats.org/drawingml/2006/main" uniqueId="urn:microsoft.com/office/officeart/2005/8/colors/accent1_2#1">
   <dgm:title val=""/>
   <dgm:desc val=""/>
   <dgm:catLst>
@@ -1787,7 +1795,7 @@
 <dgm:dataModel xmlns:dgm="http://schemas.openxmlformats.org/drawingml/2006/diagram" xmlns:a="http://schemas.openxmlformats.org/drawingml/2006/main">
   <dgm:ptLst>
     <dgm:pt modelId="{2A3168D5-E1D9-48D5-9754-04412CD9AF1B}" type="doc">
-      <dgm:prSet loTypeId="urn:microsoft.com/office/officeart/2018/2/layout/IconLabelList" loCatId="icon" qsTypeId="urn:microsoft.com/office/officeart/2005/8/quickstyle/simple1" qsCatId="simple" csTypeId="urn:microsoft.com/office/officeart/2018/5/colors/Iconchunking_neutralbg_colorful1" csCatId="colorful" phldr="1"/>
+      <dgm:prSet loTypeId="urn:microsoft.com/office/officeart/2018/2/layout/IconLabelList" loCatId="icon" qsTypeId="urn:microsoft.com/office/officeart/2005/8/quickstyle/simple1#1" qsCatId="simple" csTypeId="urn:microsoft.com/office/officeart/2018/5/colors/Iconchunking_neutralbg_colorful1" csCatId="colorful" phldr="1"/>
       <dgm:spPr/>
       <dgm:t>
         <a:bodyPr/>
@@ -1812,7 +1820,7 @@
         </a:p>
       </dgm:t>
     </dgm:pt>
-    <dgm:pt modelId="{A241189E-DE75-48E0-9836-C53FCE196444}" cxnId="{85BCC720-2A4F-4525-AD64-DBDB6E03F676}" type="parTrans">
+    <dgm:pt modelId="{A241189E-DE75-48E0-9836-C53FCE196444}" type="parTrans" cxnId="{85BCC720-2A4F-4525-AD64-DBDB6E03F676}">
       <dgm:prSet/>
       <dgm:spPr/>
       <dgm:t>
@@ -1823,7 +1831,7 @@
         </a:p>
       </dgm:t>
     </dgm:pt>
-    <dgm:pt modelId="{62022C3A-0ED7-452A-A94A-5BC8538F0A98}" cxnId="{85BCC720-2A4F-4525-AD64-DBDB6E03F676}" type="sibTrans">
+    <dgm:pt modelId="{62022C3A-0ED7-452A-A94A-5BC8538F0A98}" type="sibTrans" cxnId="{85BCC720-2A4F-4525-AD64-DBDB6E03F676}">
       <dgm:prSet/>
       <dgm:spPr/>
       <dgm:t>
@@ -1849,7 +1857,7 @@
         </a:p>
       </dgm:t>
     </dgm:pt>
-    <dgm:pt modelId="{717D02AB-64C6-454D-BED4-13F42B018C79}" cxnId="{04FE3621-BBC3-4850-A152-2B4C7C06F8FE}" type="parTrans">
+    <dgm:pt modelId="{717D02AB-64C6-454D-BED4-13F42B018C79}" type="parTrans" cxnId="{04FE3621-BBC3-4850-A152-2B4C7C06F8FE}">
       <dgm:prSet/>
       <dgm:spPr/>
       <dgm:t>
@@ -1860,7 +1868,7 @@
         </a:p>
       </dgm:t>
     </dgm:pt>
-    <dgm:pt modelId="{CE01F827-F1B8-4AB7-99B1-93546B50E1E6}" cxnId="{04FE3621-BBC3-4850-A152-2B4C7C06F8FE}" type="sibTrans">
+    <dgm:pt modelId="{CE01F827-F1B8-4AB7-99B1-93546B50E1E6}" type="sibTrans" cxnId="{04FE3621-BBC3-4850-A152-2B4C7C06F8FE}">
       <dgm:prSet/>
       <dgm:spPr/>
       <dgm:t>
@@ -1886,7 +1894,7 @@
         </a:p>
       </dgm:t>
     </dgm:pt>
-    <dgm:pt modelId="{C13A5F93-4158-4658-AA1D-E6D3645C13E1}" cxnId="{01EB0E86-8109-494E-B45B-426114C00BD8}" type="parTrans">
+    <dgm:pt modelId="{C13A5F93-4158-4658-AA1D-E6D3645C13E1}" type="parTrans" cxnId="{01EB0E86-8109-494E-B45B-426114C00BD8}">
       <dgm:prSet/>
       <dgm:spPr/>
       <dgm:t>
@@ -1897,7 +1905,7 @@
         </a:p>
       </dgm:t>
     </dgm:pt>
-    <dgm:pt modelId="{B398038B-AFF0-4670-B088-DE89F9B1202D}" cxnId="{01EB0E86-8109-494E-B45B-426114C00BD8}" type="sibTrans">
+    <dgm:pt modelId="{B398038B-AFF0-4670-B088-DE89F9B1202D}" type="sibTrans" cxnId="{01EB0E86-8109-494E-B45B-426114C00BD8}">
       <dgm:prSet/>
       <dgm:spPr/>
       <dgm:t>
@@ -2073,7 +2081,7 @@
   <dgm:whole/>
   <dgm:extLst>
     <a:ext uri="http://schemas.microsoft.com/office/drawing/2008/diagram">
-      <dsp:dataModelExt xmlns:dsp="http://schemas.microsoft.com/office/drawing/2008/diagram" relId="rId5" minVer="http://schemas.openxmlformats.org/drawingml/2006/diagram"/>
+      <dsp:dataModelExt xmlns:dsp="http://schemas.microsoft.com/office/drawing/2008/diagram" relId="rId6" minVer="http://schemas.openxmlformats.org/drawingml/2006/diagram"/>
     </a:ext>
   </dgm:extLst>
 </dgm:dataModel>
@@ -2083,7 +2091,7 @@
 <dgm:dataModel xmlns:dgm="http://schemas.openxmlformats.org/drawingml/2006/diagram" xmlns:a="http://schemas.openxmlformats.org/drawingml/2006/main">
   <dgm:ptLst>
     <dgm:pt modelId="{01926800-1006-485C-AD16-85AAE663D770}" type="doc">
-      <dgm:prSet loTypeId="urn:microsoft.com/office/officeart/2008/layout/LinedList" loCatId="list" qsTypeId="urn:microsoft.com/office/officeart/2005/8/quickstyle/simple1" qsCatId="simple" csTypeId="urn:microsoft.com/office/officeart/2005/8/colors/accent1_2" csCatId="accent1" phldr="1"/>
+      <dgm:prSet loTypeId="urn:microsoft.com/office/officeart/2008/layout/LinedList" loCatId="list" qsTypeId="urn:microsoft.com/office/officeart/2005/8/quickstyle/simple1#2" qsCatId="simple" csTypeId="urn:microsoft.com/office/officeart/2005/8/colors/accent1_2#1" csCatId="accent1" phldr="1"/>
       <dgm:spPr/>
       <dgm:t>
         <a:bodyPr/>
@@ -2107,7 +2115,7 @@
         </a:p>
       </dgm:t>
     </dgm:pt>
-    <dgm:pt modelId="{02E6E3CD-BA73-4670-8891-24A0DCC71DCC}" cxnId="{678B1C20-6E83-4D49-8A63-968457E011D8}" type="parTrans">
+    <dgm:pt modelId="{02E6E3CD-BA73-4670-8891-24A0DCC71DCC}" type="parTrans" cxnId="{678B1C20-6E83-4D49-8A63-968457E011D8}">
       <dgm:prSet/>
       <dgm:spPr/>
       <dgm:t>
@@ -2118,7 +2126,7 @@
         </a:p>
       </dgm:t>
     </dgm:pt>
-    <dgm:pt modelId="{565B5FF2-F484-49FF-96D2-28C078F5CBE9}" cxnId="{678B1C20-6E83-4D49-8A63-968457E011D8}" type="sibTrans">
+    <dgm:pt modelId="{565B5FF2-F484-49FF-96D2-28C078F5CBE9}" type="sibTrans" cxnId="{678B1C20-6E83-4D49-8A63-968457E011D8}">
       <dgm:prSet/>
       <dgm:spPr/>
       <dgm:t>
@@ -2143,7 +2151,7 @@
         </a:p>
       </dgm:t>
     </dgm:pt>
-    <dgm:pt modelId="{2A70943D-19BC-43AD-8341-21BE2E2CBDE7}" cxnId="{4EFD8DD6-D346-4B74-89EF-5139649B3C17}" type="parTrans">
+    <dgm:pt modelId="{2A70943D-19BC-43AD-8341-21BE2E2CBDE7}" type="parTrans" cxnId="{4EFD8DD6-D346-4B74-89EF-5139649B3C17}">
       <dgm:prSet/>
       <dgm:spPr/>
       <dgm:t>
@@ -2154,7 +2162,7 @@
         </a:p>
       </dgm:t>
     </dgm:pt>
-    <dgm:pt modelId="{D7C1A4D1-B2C2-4444-92EA-BEB6372366E3}" cxnId="{4EFD8DD6-D346-4B74-89EF-5139649B3C17}" type="sibTrans">
+    <dgm:pt modelId="{D7C1A4D1-B2C2-4444-92EA-BEB6372366E3}" type="sibTrans" cxnId="{4EFD8DD6-D346-4B74-89EF-5139649B3C17}">
       <dgm:prSet/>
       <dgm:spPr/>
       <dgm:t>
@@ -2179,7 +2187,7 @@
         </a:p>
       </dgm:t>
     </dgm:pt>
-    <dgm:pt modelId="{B8069F61-63CD-412E-A99F-DC29EB36AD96}" cxnId="{3406E3B9-E99C-4193-9E25-B0BF8F064F3D}" type="parTrans">
+    <dgm:pt modelId="{B8069F61-63CD-412E-A99F-DC29EB36AD96}" type="parTrans" cxnId="{3406E3B9-E99C-4193-9E25-B0BF8F064F3D}">
       <dgm:prSet/>
       <dgm:spPr/>
       <dgm:t>
@@ -2190,7 +2198,7 @@
         </a:p>
       </dgm:t>
     </dgm:pt>
-    <dgm:pt modelId="{9B288644-987A-4C1D-9044-CFEC1566626A}" cxnId="{3406E3B9-E99C-4193-9E25-B0BF8F064F3D}" type="sibTrans">
+    <dgm:pt modelId="{9B288644-987A-4C1D-9044-CFEC1566626A}" type="sibTrans" cxnId="{3406E3B9-E99C-4193-9E25-B0BF8F064F3D}">
       <dgm:prSet/>
       <dgm:spPr/>
       <dgm:t>
@@ -2215,7 +2223,7 @@
         </a:p>
       </dgm:t>
     </dgm:pt>
-    <dgm:pt modelId="{40E423A5-AC1E-48B6-BD6C-FC628304211F}" cxnId="{E7B92BB4-FA98-44F7-8A33-F333DE78BB2A}" type="parTrans">
+    <dgm:pt modelId="{40E423A5-AC1E-48B6-BD6C-FC628304211F}" type="parTrans" cxnId="{E7B92BB4-FA98-44F7-8A33-F333DE78BB2A}">
       <dgm:prSet/>
       <dgm:spPr/>
       <dgm:t>
@@ -2226,7 +2234,7 @@
         </a:p>
       </dgm:t>
     </dgm:pt>
-    <dgm:pt modelId="{D9C1A381-6EDC-4F33-A02B-35631D160E07}" cxnId="{E7B92BB4-FA98-44F7-8A33-F333DE78BB2A}" type="sibTrans">
+    <dgm:pt modelId="{D9C1A381-6EDC-4F33-A02B-35631D160E07}" type="sibTrans" cxnId="{E7B92BB4-FA98-44F7-8A33-F333DE78BB2A}">
       <dgm:prSet/>
       <dgm:spPr/>
       <dgm:t>
@@ -2251,7 +2259,7 @@
         </a:p>
       </dgm:t>
     </dgm:pt>
-    <dgm:pt modelId="{7A32ADE0-3939-4BD6-B293-A142C5E017AB}" cxnId="{D182C46C-64BC-4C8E-8863-EA1654FBB266}" type="parTrans">
+    <dgm:pt modelId="{7A32ADE0-3939-4BD6-B293-A142C5E017AB}" type="parTrans" cxnId="{D182C46C-64BC-4C8E-8863-EA1654FBB266}">
       <dgm:prSet/>
       <dgm:spPr/>
       <dgm:t>
@@ -2262,7 +2270,7 @@
         </a:p>
       </dgm:t>
     </dgm:pt>
-    <dgm:pt modelId="{0F3802C6-CC42-4842-86A5-A77C5B07CDEF}" cxnId="{D182C46C-64BC-4C8E-8863-EA1654FBB266}" type="sibTrans">
+    <dgm:pt modelId="{0F3802C6-CC42-4842-86A5-A77C5B07CDEF}" type="sibTrans" cxnId="{D182C46C-64BC-4C8E-8863-EA1654FBB266}">
       <dgm:prSet/>
       <dgm:spPr/>
       <dgm:t>
@@ -2401,7 +2409,7 @@
   <dgm:whole/>
   <dgm:extLst>
     <a:ext uri="http://schemas.microsoft.com/office/drawing/2008/diagram">
-      <dsp:dataModelExt xmlns:dsp="http://schemas.microsoft.com/office/drawing/2008/diagram" relId="rId5" minVer="http://schemas.openxmlformats.org/drawingml/2006/diagram"/>
+      <dsp:dataModelExt xmlns:dsp="http://schemas.microsoft.com/office/drawing/2008/diagram" relId="rId6" minVer="http://schemas.openxmlformats.org/drawingml/2006/diagram"/>
     </a:ext>
   </dgm:extLst>
 </dgm:dataModel>
@@ -3960,7 +3968,7 @@
 </file>
 
 <file path=ppt/diagrams/quickStyle1.xml><?xml version="1.0" encoding="utf-8"?>
-<dgm:styleDef xmlns:dgm="http://schemas.openxmlformats.org/drawingml/2006/diagram" xmlns:a="http://schemas.openxmlformats.org/drawingml/2006/main" uniqueId="urn:microsoft.com/office/officeart/2005/8/quickstyle/simple1">
+<dgm:styleDef xmlns:dgm="http://schemas.openxmlformats.org/drawingml/2006/diagram" xmlns:a="http://schemas.openxmlformats.org/drawingml/2006/main" uniqueId="urn:microsoft.com/office/officeart/2005/8/quickstyle/simple1#1">
   <dgm:title val=""/>
   <dgm:desc val=""/>
   <dgm:catLst>
@@ -3975,6 +3983,7 @@
       <a:camera prst="orthographicFront"/>
       <a:lightRig rig="threePt" dir="t"/>
     </dgm:scene3d>
+    <dgm:sp3d/>
     <dgm:txPr/>
     <dgm:style>
       <a:lnRef idx="2">
@@ -3994,6 +4003,7 @@
       <a:camera prst="orthographicFront"/>
       <a:lightRig rig="threePt" dir="t"/>
     </dgm:scene3d>
+    <dgm:sp3d/>
     <dgm:txPr/>
     <dgm:style>
       <a:lnRef idx="2">
@@ -4013,6 +4023,7 @@
       <a:camera prst="orthographicFront"/>
       <a:lightRig rig="threePt" dir="t"/>
     </dgm:scene3d>
+    <dgm:sp3d/>
     <dgm:txPr/>
     <dgm:style>
       <a:lnRef idx="2">
@@ -4032,6 +4043,7 @@
       <a:camera prst="orthographicFront"/>
       <a:lightRig rig="threePt" dir="t"/>
     </dgm:scene3d>
+    <dgm:sp3d/>
     <dgm:txPr/>
     <dgm:style>
       <a:lnRef idx="2">
@@ -4053,6 +4065,7 @@
       <a:camera prst="orthographicFront"/>
       <a:lightRig rig="threePt" dir="t"/>
     </dgm:scene3d>
+    <dgm:sp3d/>
     <dgm:txPr/>
     <dgm:style>
       <a:lnRef idx="2">
@@ -4074,6 +4087,7 @@
       <a:camera prst="orthographicFront"/>
       <a:lightRig rig="threePt" dir="t"/>
     </dgm:scene3d>
+    <dgm:sp3d/>
     <dgm:txPr/>
     <dgm:style>
       <a:lnRef idx="2">
@@ -4095,6 +4109,7 @@
       <a:camera prst="orthographicFront"/>
       <a:lightRig rig="threePt" dir="t"/>
     </dgm:scene3d>
+    <dgm:sp3d/>
     <dgm:txPr/>
     <dgm:style>
       <a:lnRef idx="2">
@@ -4116,6 +4131,7 @@
       <a:camera prst="orthographicFront"/>
       <a:lightRig rig="threePt" dir="t"/>
     </dgm:scene3d>
+    <dgm:sp3d/>
     <dgm:txPr/>
     <dgm:style>
       <a:lnRef idx="2">
@@ -4137,6 +4153,7 @@
       <a:camera prst="orthographicFront"/>
       <a:lightRig rig="threePt" dir="t"/>
     </dgm:scene3d>
+    <dgm:sp3d/>
     <dgm:txPr/>
     <dgm:style>
       <a:lnRef idx="2">
@@ -4158,6 +4175,7 @@
       <a:camera prst="orthographicFront"/>
       <a:lightRig rig="threePt" dir="t"/>
     </dgm:scene3d>
+    <dgm:sp3d/>
     <dgm:txPr/>
     <dgm:style>
       <a:lnRef idx="2">
@@ -4177,6 +4195,7 @@
       <a:camera prst="orthographicFront"/>
       <a:lightRig rig="threePt" dir="t"/>
     </dgm:scene3d>
+    <dgm:sp3d/>
     <dgm:txPr/>
     <dgm:style>
       <a:lnRef idx="2">
@@ -4196,6 +4215,7 @@
       <a:camera prst="orthographicFront"/>
       <a:lightRig rig="threePt" dir="t"/>
     </dgm:scene3d>
+    <dgm:sp3d/>
     <dgm:txPr/>
     <dgm:style>
       <a:lnRef idx="2">
@@ -4215,6 +4235,7 @@
       <a:camera prst="orthographicFront"/>
       <a:lightRig rig="threePt" dir="t"/>
     </dgm:scene3d>
+    <dgm:sp3d/>
     <dgm:txPr/>
     <dgm:style>
       <a:lnRef idx="0">
@@ -4234,6 +4255,7 @@
       <a:camera prst="orthographicFront"/>
       <a:lightRig rig="threePt" dir="t"/>
     </dgm:scene3d>
+    <dgm:sp3d/>
     <dgm:txPr/>
     <dgm:style>
       <a:lnRef idx="0">
@@ -4255,6 +4277,7 @@
       <a:camera prst="orthographicFront"/>
       <a:lightRig rig="threePt" dir="t"/>
     </dgm:scene3d>
+    <dgm:sp3d/>
     <dgm:txPr/>
     <dgm:style>
       <a:lnRef idx="2">
@@ -4274,6 +4297,7 @@
       <a:camera prst="orthographicFront"/>
       <a:lightRig rig="threePt" dir="t"/>
     </dgm:scene3d>
+    <dgm:sp3d/>
     <dgm:txPr/>
     <dgm:style>
       <a:lnRef idx="2">
@@ -4293,6 +4317,7 @@
       <a:camera prst="orthographicFront"/>
       <a:lightRig rig="threePt" dir="t"/>
     </dgm:scene3d>
+    <dgm:sp3d/>
     <dgm:txPr/>
     <dgm:style>
       <a:lnRef idx="0">
@@ -4312,6 +4337,7 @@
       <a:camera prst="orthographicFront"/>
       <a:lightRig rig="threePt" dir="t"/>
     </dgm:scene3d>
+    <dgm:sp3d/>
     <dgm:txPr/>
     <dgm:style>
       <a:lnRef idx="2">
@@ -4331,6 +4357,7 @@
       <a:camera prst="orthographicFront"/>
       <a:lightRig rig="threePt" dir="t"/>
     </dgm:scene3d>
+    <dgm:sp3d/>
     <dgm:txPr/>
     <dgm:style>
       <a:lnRef idx="2">
@@ -4350,6 +4377,7 @@
       <a:camera prst="orthographicFront"/>
       <a:lightRig rig="threePt" dir="t"/>
     </dgm:scene3d>
+    <dgm:sp3d/>
     <dgm:txPr/>
     <dgm:style>
       <a:lnRef idx="2">
@@ -4369,6 +4397,7 @@
       <a:camera prst="orthographicFront"/>
       <a:lightRig rig="threePt" dir="t"/>
     </dgm:scene3d>
+    <dgm:sp3d/>
     <dgm:txPr/>
     <dgm:style>
       <a:lnRef idx="2">
@@ -4388,6 +4417,7 @@
       <a:camera prst="orthographicFront"/>
       <a:lightRig rig="threePt" dir="t"/>
     </dgm:scene3d>
+    <dgm:sp3d/>
     <dgm:txPr/>
     <dgm:style>
       <a:lnRef idx="2">
@@ -4407,6 +4437,7 @@
       <a:camera prst="orthographicFront"/>
       <a:lightRig rig="threePt" dir="t"/>
     </dgm:scene3d>
+    <dgm:sp3d/>
     <dgm:txPr/>
     <dgm:style>
       <a:lnRef idx="2">
@@ -4426,6 +4457,7 @@
       <a:camera prst="orthographicFront"/>
       <a:lightRig rig="threePt" dir="t"/>
     </dgm:scene3d>
+    <dgm:sp3d/>
     <dgm:txPr/>
     <dgm:style>
       <a:lnRef idx="2">
@@ -4445,6 +4477,7 @@
       <a:camera prst="orthographicFront"/>
       <a:lightRig rig="threePt" dir="t"/>
     </dgm:scene3d>
+    <dgm:sp3d/>
     <dgm:txPr/>
     <dgm:style>
       <a:lnRef idx="2">
@@ -4464,6 +4497,7 @@
       <a:camera prst="orthographicFront"/>
       <a:lightRig rig="threePt" dir="t"/>
     </dgm:scene3d>
+    <dgm:sp3d/>
     <dgm:txPr/>
     <dgm:style>
       <a:lnRef idx="0">
@@ -4485,6 +4519,7 @@
       <a:camera prst="orthographicFront"/>
       <a:lightRig rig="threePt" dir="t"/>
     </dgm:scene3d>
+    <dgm:sp3d/>
     <dgm:txPr/>
     <dgm:style>
       <a:lnRef idx="2">
@@ -4506,6 +4541,7 @@
       <a:camera prst="orthographicFront"/>
       <a:lightRig rig="threePt" dir="t"/>
     </dgm:scene3d>
+    <dgm:sp3d/>
     <dgm:txPr/>
     <dgm:style>
       <a:lnRef idx="2">
@@ -4527,6 +4563,7 @@
       <a:camera prst="orthographicFront"/>
       <a:lightRig rig="threePt" dir="t"/>
     </dgm:scene3d>
+    <dgm:sp3d/>
     <dgm:txPr/>
     <dgm:style>
       <a:lnRef idx="2">
@@ -4548,6 +4585,7 @@
       <a:camera prst="orthographicFront"/>
       <a:lightRig rig="threePt" dir="t"/>
     </dgm:scene3d>
+    <dgm:sp3d/>
     <dgm:txPr/>
     <dgm:style>
       <a:lnRef idx="2">
@@ -4569,6 +4607,7 @@
       <a:camera prst="orthographicFront"/>
       <a:lightRig rig="threePt" dir="t"/>
     </dgm:scene3d>
+    <dgm:sp3d/>
     <dgm:txPr/>
     <dgm:style>
       <a:lnRef idx="2">
@@ -4590,6 +4629,7 @@
       <a:camera prst="orthographicFront"/>
       <a:lightRig rig="threePt" dir="t"/>
     </dgm:scene3d>
+    <dgm:sp3d/>
     <dgm:txPr/>
     <dgm:style>
       <a:lnRef idx="2">
@@ -4611,6 +4651,7 @@
       <a:camera prst="orthographicFront"/>
       <a:lightRig rig="threePt" dir="t"/>
     </dgm:scene3d>
+    <dgm:sp3d/>
     <dgm:txPr/>
     <dgm:style>
       <a:lnRef idx="2">
@@ -4630,6 +4671,7 @@
       <a:camera prst="orthographicFront"/>
       <a:lightRig rig="threePt" dir="t"/>
     </dgm:scene3d>
+    <dgm:sp3d/>
     <dgm:txPr/>
     <dgm:style>
       <a:lnRef idx="2">
@@ -4649,6 +4691,7 @@
       <a:camera prst="orthographicFront"/>
       <a:lightRig rig="threePt" dir="t"/>
     </dgm:scene3d>
+    <dgm:sp3d/>
     <dgm:txPr/>
     <dgm:style>
       <a:lnRef idx="2">
@@ -4668,6 +4711,7 @@
       <a:camera prst="orthographicFront"/>
       <a:lightRig rig="threePt" dir="t"/>
     </dgm:scene3d>
+    <dgm:sp3d/>
     <dgm:txPr/>
     <dgm:style>
       <a:lnRef idx="2">
@@ -4687,6 +4731,7 @@
       <a:camera prst="orthographicFront"/>
       <a:lightRig rig="threePt" dir="t"/>
     </dgm:scene3d>
+    <dgm:sp3d/>
     <dgm:txPr/>
     <dgm:style>
       <a:lnRef idx="2">
@@ -4708,6 +4753,7 @@
       <a:camera prst="orthographicFront"/>
       <a:lightRig rig="threePt" dir="t"/>
     </dgm:scene3d>
+    <dgm:sp3d/>
     <dgm:txPr/>
     <dgm:style>
       <a:lnRef idx="2">
@@ -4729,6 +4775,7 @@
       <a:camera prst="orthographicFront"/>
       <a:lightRig rig="threePt" dir="t"/>
     </dgm:scene3d>
+    <dgm:sp3d/>
     <dgm:txPr/>
     <dgm:style>
       <a:lnRef idx="2">
@@ -4750,6 +4797,7 @@
       <a:camera prst="orthographicFront"/>
       <a:lightRig rig="threePt" dir="t"/>
     </dgm:scene3d>
+    <dgm:sp3d/>
     <dgm:txPr/>
     <dgm:style>
       <a:lnRef idx="2">
@@ -4771,6 +4819,7 @@
       <a:camera prst="orthographicFront"/>
       <a:lightRig rig="threePt" dir="t"/>
     </dgm:scene3d>
+    <dgm:sp3d/>
     <dgm:txPr/>
     <dgm:style>
       <a:lnRef idx="0">
@@ -4790,6 +4839,7 @@
       <a:camera prst="orthographicFront"/>
       <a:lightRig rig="threePt" dir="t"/>
     </dgm:scene3d>
+    <dgm:sp3d/>
     <dgm:txPr/>
     <dgm:style>
       <a:lnRef idx="1">
@@ -4809,6 +4859,7 @@
       <a:camera prst="orthographicFront"/>
       <a:lightRig rig="threePt" dir="t"/>
     </dgm:scene3d>
+    <dgm:sp3d/>
     <dgm:txPr/>
     <dgm:style>
       <a:lnRef idx="0">
@@ -4830,6 +4881,7 @@
       <a:camera prst="orthographicFront"/>
       <a:lightRig rig="threePt" dir="t"/>
     </dgm:scene3d>
+    <dgm:sp3d/>
     <dgm:txPr/>
     <dgm:style>
       <a:lnRef idx="2">
@@ -4849,6 +4901,7 @@
       <a:camera prst="orthographicFront"/>
       <a:lightRig rig="threePt" dir="t"/>
     </dgm:scene3d>
+    <dgm:sp3d/>
     <dgm:txPr/>
     <dgm:style>
       <a:lnRef idx="2">
@@ -4868,6 +4921,7 @@
       <a:camera prst="orthographicFront"/>
       <a:lightRig rig="threePt" dir="t"/>
     </dgm:scene3d>
+    <dgm:sp3d/>
     <dgm:txPr/>
     <dgm:style>
       <a:lnRef idx="2">
@@ -4887,6 +4941,7 @@
       <a:camera prst="orthographicFront"/>
       <a:lightRig rig="threePt" dir="t"/>
     </dgm:scene3d>
+    <dgm:sp3d/>
     <dgm:txPr/>
     <dgm:style>
       <a:lnRef idx="1">
@@ -4906,6 +4961,7 @@
       <a:camera prst="orthographicFront"/>
       <a:lightRig rig="threePt" dir="t"/>
     </dgm:scene3d>
+    <dgm:sp3d/>
     <dgm:txPr/>
     <dgm:style>
       <a:lnRef idx="0">
@@ -4925,6 +4981,7 @@
       <a:camera prst="orthographicFront"/>
       <a:lightRig rig="threePt" dir="t"/>
     </dgm:scene3d>
+    <dgm:sp3d/>
     <dgm:txPr/>
     <dgm:style>
       <a:lnRef idx="2">
@@ -4945,7 +5002,7 @@
 </file>
 
 <file path=ppt/diagrams/quickStyle2.xml><?xml version="1.0" encoding="utf-8"?>
-<dgm:styleDef xmlns:dgm="http://schemas.openxmlformats.org/drawingml/2006/diagram" xmlns:a="http://schemas.openxmlformats.org/drawingml/2006/main" uniqueId="urn:microsoft.com/office/officeart/2005/8/quickstyle/simple1">
+<dgm:styleDef xmlns:dgm="http://schemas.openxmlformats.org/drawingml/2006/diagram" xmlns:a="http://schemas.openxmlformats.org/drawingml/2006/main" uniqueId="urn:microsoft.com/office/officeart/2005/8/quickstyle/simple1#2">
   <dgm:title val=""/>
   <dgm:desc val=""/>
   <dgm:catLst>
@@ -4960,6 +5017,7 @@
       <a:camera prst="orthographicFront"/>
       <a:lightRig rig="threePt" dir="t"/>
     </dgm:scene3d>
+    <dgm:sp3d/>
     <dgm:txPr/>
     <dgm:style>
       <a:lnRef idx="2">
@@ -4979,6 +5037,7 @@
       <a:camera prst="orthographicFront"/>
       <a:lightRig rig="threePt" dir="t"/>
     </dgm:scene3d>
+    <dgm:sp3d/>
     <dgm:txPr/>
     <dgm:style>
       <a:lnRef idx="2">
@@ -4998,6 +5057,7 @@
       <a:camera prst="orthographicFront"/>
       <a:lightRig rig="threePt" dir="t"/>
     </dgm:scene3d>
+    <dgm:sp3d/>
     <dgm:txPr/>
     <dgm:style>
       <a:lnRef idx="2">
@@ -5017,6 +5077,7 @@
       <a:camera prst="orthographicFront"/>
       <a:lightRig rig="threePt" dir="t"/>
     </dgm:scene3d>
+    <dgm:sp3d/>
     <dgm:txPr/>
     <dgm:style>
       <a:lnRef idx="2">
@@ -5038,6 +5099,7 @@
       <a:camera prst="orthographicFront"/>
       <a:lightRig rig="threePt" dir="t"/>
     </dgm:scene3d>
+    <dgm:sp3d/>
     <dgm:txPr/>
     <dgm:style>
       <a:lnRef idx="2">
@@ -5059,6 +5121,7 @@
       <a:camera prst="orthographicFront"/>
       <a:lightRig rig="threePt" dir="t"/>
     </dgm:scene3d>
+    <dgm:sp3d/>
     <dgm:txPr/>
     <dgm:style>
       <a:lnRef idx="2">
@@ -5080,6 +5143,7 @@
       <a:camera prst="orthographicFront"/>
       <a:lightRig rig="threePt" dir="t"/>
     </dgm:scene3d>
+    <dgm:sp3d/>
     <dgm:txPr/>
     <dgm:style>
       <a:lnRef idx="2">
@@ -5101,6 +5165,7 @@
       <a:camera prst="orthographicFront"/>
       <a:lightRig rig="threePt" dir="t"/>
     </dgm:scene3d>
+    <dgm:sp3d/>
     <dgm:txPr/>
     <dgm:style>
       <a:lnRef idx="2">
@@ -5122,6 +5187,7 @@
       <a:camera prst="orthographicFront"/>
       <a:lightRig rig="threePt" dir="t"/>
     </dgm:scene3d>
+    <dgm:sp3d/>
     <dgm:txPr/>
     <dgm:style>
       <a:lnRef idx="2">
@@ -5143,6 +5209,7 @@
       <a:camera prst="orthographicFront"/>
       <a:lightRig rig="threePt" dir="t"/>
     </dgm:scene3d>
+    <dgm:sp3d/>
     <dgm:txPr/>
     <dgm:style>
       <a:lnRef idx="2">
@@ -5162,6 +5229,7 @@
       <a:camera prst="orthographicFront"/>
       <a:lightRig rig="threePt" dir="t"/>
     </dgm:scene3d>
+    <dgm:sp3d/>
     <dgm:txPr/>
     <dgm:style>
       <a:lnRef idx="2">
@@ -5181,6 +5249,7 @@
       <a:camera prst="orthographicFront"/>
       <a:lightRig rig="threePt" dir="t"/>
     </dgm:scene3d>
+    <dgm:sp3d/>
     <dgm:txPr/>
     <dgm:style>
       <a:lnRef idx="2">
@@ -5200,6 +5269,7 @@
       <a:camera prst="orthographicFront"/>
       <a:lightRig rig="threePt" dir="t"/>
     </dgm:scene3d>
+    <dgm:sp3d/>
     <dgm:txPr/>
     <dgm:style>
       <a:lnRef idx="0">
@@ -5219,6 +5289,7 @@
       <a:camera prst="orthographicFront"/>
       <a:lightRig rig="threePt" dir="t"/>
     </dgm:scene3d>
+    <dgm:sp3d/>
     <dgm:txPr/>
     <dgm:style>
       <a:lnRef idx="0">
@@ -5240,6 +5311,7 @@
       <a:camera prst="orthographicFront"/>
       <a:lightRig rig="threePt" dir="t"/>
     </dgm:scene3d>
+    <dgm:sp3d/>
     <dgm:txPr/>
     <dgm:style>
       <a:lnRef idx="2">
@@ -5259,6 +5331,7 @@
       <a:camera prst="orthographicFront"/>
       <a:lightRig rig="threePt" dir="t"/>
     </dgm:scene3d>
+    <dgm:sp3d/>
     <dgm:txPr/>
     <dgm:style>
       <a:lnRef idx="2">
@@ -5278,6 +5351,7 @@
       <a:camera prst="orthographicFront"/>
       <a:lightRig rig="threePt" dir="t"/>
     </dgm:scene3d>
+    <dgm:sp3d/>
     <dgm:txPr/>
     <dgm:style>
       <a:lnRef idx="0">
@@ -5297,6 +5371,7 @@
       <a:camera prst="orthographicFront"/>
       <a:lightRig rig="threePt" dir="t"/>
     </dgm:scene3d>
+    <dgm:sp3d/>
     <dgm:txPr/>
     <dgm:style>
       <a:lnRef idx="2">
@@ -5316,6 +5391,7 @@
       <a:camera prst="orthographicFront"/>
       <a:lightRig rig="threePt" dir="t"/>
     </dgm:scene3d>
+    <dgm:sp3d/>
     <dgm:txPr/>
     <dgm:style>
       <a:lnRef idx="2">
@@ -5335,6 +5411,7 @@
       <a:camera prst="orthographicFront"/>
       <a:lightRig rig="threePt" dir="t"/>
     </dgm:scene3d>
+    <dgm:sp3d/>
     <dgm:txPr/>
     <dgm:style>
       <a:lnRef idx="2">
@@ -5354,6 +5431,7 @@
       <a:camera prst="orthographicFront"/>
       <a:lightRig rig="threePt" dir="t"/>
     </dgm:scene3d>
+    <dgm:sp3d/>
     <dgm:txPr/>
     <dgm:style>
       <a:lnRef idx="2">
@@ -5373,6 +5451,7 @@
       <a:camera prst="orthographicFront"/>
       <a:lightRig rig="threePt" dir="t"/>
     </dgm:scene3d>
+    <dgm:sp3d/>
     <dgm:txPr/>
     <dgm:style>
       <a:lnRef idx="2">
@@ -5392,6 +5471,7 @@
       <a:camera prst="orthographicFront"/>
       <a:lightRig rig="threePt" dir="t"/>
     </dgm:scene3d>
+    <dgm:sp3d/>
     <dgm:txPr/>
     <dgm:style>
       <a:lnRef idx="2">
@@ -5411,6 +5491,7 @@
       <a:camera prst="orthographicFront"/>
       <a:lightRig rig="threePt" dir="t"/>
     </dgm:scene3d>
+    <dgm:sp3d/>
     <dgm:txPr/>
     <dgm:style>
       <a:lnRef idx="2">
@@ -5430,6 +5511,7 @@
       <a:camera prst="orthographicFront"/>
       <a:lightRig rig="threePt" dir="t"/>
     </dgm:scene3d>
+    <dgm:sp3d/>
     <dgm:txPr/>
     <dgm:style>
       <a:lnRef idx="2">
@@ -5449,6 +5531,7 @@
       <a:camera prst="orthographicFront"/>
       <a:lightRig rig="threePt" dir="t"/>
     </dgm:scene3d>
+    <dgm:sp3d/>
     <dgm:txPr/>
     <dgm:style>
       <a:lnRef idx="0">
@@ -5470,6 +5553,7 @@
       <a:camera prst="orthographicFront"/>
       <a:lightRig rig="threePt" dir="t"/>
     </dgm:scene3d>
+    <dgm:sp3d/>
     <dgm:txPr/>
     <dgm:style>
       <a:lnRef idx="2">
@@ -5491,6 +5575,7 @@
       <a:camera prst="orthographicFront"/>
       <a:lightRig rig="threePt" dir="t"/>
     </dgm:scene3d>
+    <dgm:sp3d/>
     <dgm:txPr/>
     <dgm:style>
       <a:lnRef idx="2">
@@ -5512,6 +5597,7 @@
       <a:camera prst="orthographicFront"/>
       <a:lightRig rig="threePt" dir="t"/>
     </dgm:scene3d>
+    <dgm:sp3d/>
     <dgm:txPr/>
     <dgm:style>
       <a:lnRef idx="2">
@@ -5533,6 +5619,7 @@
       <a:camera prst="orthographicFront"/>
       <a:lightRig rig="threePt" dir="t"/>
     </dgm:scene3d>
+    <dgm:sp3d/>
     <dgm:txPr/>
     <dgm:style>
       <a:lnRef idx="2">
@@ -5554,6 +5641,7 @@
       <a:camera prst="orthographicFront"/>
       <a:lightRig rig="threePt" dir="t"/>
     </dgm:scene3d>
+    <dgm:sp3d/>
     <dgm:txPr/>
     <dgm:style>
       <a:lnRef idx="2">
@@ -5575,6 +5663,7 @@
       <a:camera prst="orthographicFront"/>
       <a:lightRig rig="threePt" dir="t"/>
     </dgm:scene3d>
+    <dgm:sp3d/>
     <dgm:txPr/>
     <dgm:style>
       <a:lnRef idx="2">
@@ -5596,6 +5685,7 @@
       <a:camera prst="orthographicFront"/>
       <a:lightRig rig="threePt" dir="t"/>
     </dgm:scene3d>
+    <dgm:sp3d/>
     <dgm:txPr/>
     <dgm:style>
       <a:lnRef idx="2">
@@ -5615,6 +5705,7 @@
       <a:camera prst="orthographicFront"/>
       <a:lightRig rig="threePt" dir="t"/>
     </dgm:scene3d>
+    <dgm:sp3d/>
     <dgm:txPr/>
     <dgm:style>
       <a:lnRef idx="2">
@@ -5634,6 +5725,7 @@
       <a:camera prst="orthographicFront"/>
       <a:lightRig rig="threePt" dir="t"/>
     </dgm:scene3d>
+    <dgm:sp3d/>
     <dgm:txPr/>
     <dgm:style>
       <a:lnRef idx="2">
@@ -5653,6 +5745,7 @@
       <a:camera prst="orthographicFront"/>
       <a:lightRig rig="threePt" dir="t"/>
     </dgm:scene3d>
+    <dgm:sp3d/>
     <dgm:txPr/>
     <dgm:style>
       <a:lnRef idx="2">
@@ -5672,6 +5765,7 @@
       <a:camera prst="orthographicFront"/>
       <a:lightRig rig="threePt" dir="t"/>
     </dgm:scene3d>
+    <dgm:sp3d/>
     <dgm:txPr/>
     <dgm:style>
       <a:lnRef idx="2">
@@ -5693,6 +5787,7 @@
       <a:camera prst="orthographicFront"/>
       <a:lightRig rig="threePt" dir="t"/>
     </dgm:scene3d>
+    <dgm:sp3d/>
     <dgm:txPr/>
     <dgm:style>
       <a:lnRef idx="2">
@@ -5714,6 +5809,7 @@
       <a:camera prst="orthographicFront"/>
       <a:lightRig rig="threePt" dir="t"/>
     </dgm:scene3d>
+    <dgm:sp3d/>
     <dgm:txPr/>
     <dgm:style>
       <a:lnRef idx="2">
@@ -5735,6 +5831,7 @@
       <a:camera prst="orthographicFront"/>
       <a:lightRig rig="threePt" dir="t"/>
     </dgm:scene3d>
+    <dgm:sp3d/>
     <dgm:txPr/>
     <dgm:style>
       <a:lnRef idx="2">
@@ -5756,6 +5853,7 @@
       <a:camera prst="orthographicFront"/>
       <a:lightRig rig="threePt" dir="t"/>
     </dgm:scene3d>
+    <dgm:sp3d/>
     <dgm:txPr/>
     <dgm:style>
       <a:lnRef idx="0">
@@ -5775,6 +5873,7 @@
       <a:camera prst="orthographicFront"/>
       <a:lightRig rig="threePt" dir="t"/>
     </dgm:scene3d>
+    <dgm:sp3d/>
     <dgm:txPr/>
     <dgm:style>
       <a:lnRef idx="1">
@@ -5794,6 +5893,7 @@
       <a:camera prst="orthographicFront"/>
       <a:lightRig rig="threePt" dir="t"/>
     </dgm:scene3d>
+    <dgm:sp3d/>
     <dgm:txPr/>
     <dgm:style>
       <a:lnRef idx="0">
@@ -5815,6 +5915,7 @@
       <a:camera prst="orthographicFront"/>
       <a:lightRig rig="threePt" dir="t"/>
     </dgm:scene3d>
+    <dgm:sp3d/>
     <dgm:txPr/>
     <dgm:style>
       <a:lnRef idx="2">
@@ -5834,6 +5935,7 @@
       <a:camera prst="orthographicFront"/>
       <a:lightRig rig="threePt" dir="t"/>
     </dgm:scene3d>
+    <dgm:sp3d/>
     <dgm:txPr/>
     <dgm:style>
       <a:lnRef idx="2">
@@ -5853,6 +5955,7 @@
       <a:camera prst="orthographicFront"/>
       <a:lightRig rig="threePt" dir="t"/>
     </dgm:scene3d>
+    <dgm:sp3d/>
     <dgm:txPr/>
     <dgm:style>
       <a:lnRef idx="2">
@@ -5872,6 +5975,7 @@
       <a:camera prst="orthographicFront"/>
       <a:lightRig rig="threePt" dir="t"/>
     </dgm:scene3d>
+    <dgm:sp3d/>
     <dgm:txPr/>
     <dgm:style>
       <a:lnRef idx="1">
@@ -5891,6 +5995,7 @@
       <a:camera prst="orthographicFront"/>
       <a:lightRig rig="threePt" dir="t"/>
     </dgm:scene3d>
+    <dgm:sp3d/>
     <dgm:txPr/>
     <dgm:style>
       <a:lnRef idx="0">
@@ -5910,6 +6015,7 @@
       <a:camera prst="orthographicFront"/>
       <a:lightRig rig="threePt" dir="t"/>
     </dgm:scene3d>
+    <dgm:sp3d/>
     <dgm:txPr/>
     <dgm:style>
       <a:lnRef idx="2">
@@ -6060,6 +6166,7 @@
           <a:p>
             <a:fld id="{40C2C89E-4632-4AA9-89CF-DDE0D1613744}" type="datetimeFigureOut">
               <a:rPr lang="en-US" smtClean="0"/>
+              <a:t>4/16/2022</a:t>
             </a:fld>
             <a:endParaRPr lang="en-US"/>
           </a:p>
@@ -6101,6 +6208,7 @@
           <a:p>
             <a:fld id="{F0456E12-4B3E-4095-BD4D-B8A477E46B0F}" type="slidenum">
               <a:rPr lang="en-US" smtClean="0"/>
+              <a:t>‹N°›</a:t>
             </a:fld>
             <a:endParaRPr lang="en-US"/>
           </a:p>
@@ -6174,7 +6282,6 @@
               <a:rPr lang="fr-FR"/>
               <a:t>Modifier les styles du texte du masque</a:t>
             </a:r>
-            <a:endParaRPr lang="fr-FR"/>
           </a:p>
           <a:p>
             <a:pPr lvl="1"/>
@@ -6182,7 +6289,6 @@
               <a:rPr lang="fr-FR"/>
               <a:t>Deuxième niveau</a:t>
             </a:r>
-            <a:endParaRPr lang="fr-FR"/>
           </a:p>
           <a:p>
             <a:pPr lvl="2"/>
@@ -6190,7 +6296,6 @@
               <a:rPr lang="fr-FR"/>
               <a:t>Troisième niveau</a:t>
             </a:r>
-            <a:endParaRPr lang="fr-FR"/>
           </a:p>
           <a:p>
             <a:pPr lvl="3"/>
@@ -6198,7 +6303,6 @@
               <a:rPr lang="fr-FR"/>
               <a:t>Quatrième niveau</a:t>
             </a:r>
-            <a:endParaRPr lang="fr-FR"/>
           </a:p>
           <a:p>
             <a:pPr lvl="4"/>
@@ -6227,6 +6331,7 @@
           <a:p>
             <a:fld id="{40C2C89E-4632-4AA9-89CF-DDE0D1613744}" type="datetimeFigureOut">
               <a:rPr lang="en-US" smtClean="0"/>
+              <a:t>4/16/2022</a:t>
             </a:fld>
             <a:endParaRPr lang="en-US"/>
           </a:p>
@@ -6268,6 +6373,7 @@
           <a:p>
             <a:fld id="{F0456E12-4B3E-4095-BD4D-B8A477E46B0F}" type="slidenum">
               <a:rPr lang="en-US" smtClean="0"/>
+              <a:t>‹N°›</a:t>
             </a:fld>
             <a:endParaRPr lang="en-US"/>
           </a:p>
@@ -6351,7 +6457,6 @@
               <a:rPr lang="fr-FR"/>
               <a:t>Modifier les styles du texte du masque</a:t>
             </a:r>
-            <a:endParaRPr lang="fr-FR"/>
           </a:p>
           <a:p>
             <a:pPr lvl="1"/>
@@ -6359,7 +6464,6 @@
               <a:rPr lang="fr-FR"/>
               <a:t>Deuxième niveau</a:t>
             </a:r>
-            <a:endParaRPr lang="fr-FR"/>
           </a:p>
           <a:p>
             <a:pPr lvl="2"/>
@@ -6367,7 +6471,6 @@
               <a:rPr lang="fr-FR"/>
               <a:t>Troisième niveau</a:t>
             </a:r>
-            <a:endParaRPr lang="fr-FR"/>
           </a:p>
           <a:p>
             <a:pPr lvl="3"/>
@@ -6375,7 +6478,6 @@
               <a:rPr lang="fr-FR"/>
               <a:t>Quatrième niveau</a:t>
             </a:r>
-            <a:endParaRPr lang="fr-FR"/>
           </a:p>
           <a:p>
             <a:pPr lvl="4"/>
@@ -6404,6 +6506,7 @@
           <a:p>
             <a:fld id="{40C2C89E-4632-4AA9-89CF-DDE0D1613744}" type="datetimeFigureOut">
               <a:rPr lang="en-US" smtClean="0"/>
+              <a:t>4/16/2022</a:t>
             </a:fld>
             <a:endParaRPr lang="en-US"/>
           </a:p>
@@ -6445,6 +6548,7 @@
           <a:p>
             <a:fld id="{F0456E12-4B3E-4095-BD4D-B8A477E46B0F}" type="slidenum">
               <a:rPr lang="en-US" smtClean="0"/>
+              <a:t>‹N°›</a:t>
             </a:fld>
             <a:endParaRPr lang="en-US"/>
           </a:p>
@@ -6589,6 +6693,7 @@
           <a:p>
             <a:fld id="{40C2C89E-4632-4AA9-89CF-DDE0D1613744}" type="datetimeFigureOut">
               <a:rPr lang="en-US" smtClean="0"/>
+              <a:t>4/16/2022</a:t>
             </a:fld>
             <a:endParaRPr lang="en-US"/>
           </a:p>
@@ -6630,6 +6735,7 @@
           <a:p>
             <a:fld id="{F0456E12-4B3E-4095-BD4D-B8A477E46B0F}" type="slidenum">
               <a:rPr lang="en-US" smtClean="0"/>
+              <a:t>‹N°›</a:t>
             </a:fld>
             <a:endParaRPr lang="en-US"/>
           </a:p>
@@ -6703,7 +6809,6 @@
               <a:rPr lang="fr-FR"/>
               <a:t>Modifier les styles du texte du masque</a:t>
             </a:r>
-            <a:endParaRPr lang="fr-FR"/>
           </a:p>
           <a:p>
             <a:pPr lvl="1"/>
@@ -6711,7 +6816,6 @@
               <a:rPr lang="fr-FR"/>
               <a:t>Deuxième niveau</a:t>
             </a:r>
-            <a:endParaRPr lang="fr-FR"/>
           </a:p>
           <a:p>
             <a:pPr lvl="2"/>
@@ -6719,7 +6823,6 @@
               <a:rPr lang="fr-FR"/>
               <a:t>Troisième niveau</a:t>
             </a:r>
-            <a:endParaRPr lang="fr-FR"/>
           </a:p>
           <a:p>
             <a:pPr lvl="3"/>
@@ -6727,7 +6830,6 @@
               <a:rPr lang="fr-FR"/>
               <a:t>Quatrième niveau</a:t>
             </a:r>
-            <a:endParaRPr lang="fr-FR"/>
           </a:p>
           <a:p>
             <a:pPr lvl="4"/>
@@ -6756,6 +6858,7 @@
           <a:p>
             <a:fld id="{40C2C89E-4632-4AA9-89CF-DDE0D1613744}" type="datetimeFigureOut">
               <a:rPr lang="en-US" smtClean="0"/>
+              <a:t>4/16/2022</a:t>
             </a:fld>
             <a:endParaRPr lang="en-US"/>
           </a:p>
@@ -6797,6 +6900,7 @@
           <a:p>
             <a:fld id="{F0456E12-4B3E-4095-BD4D-B8A477E46B0F}" type="slidenum">
               <a:rPr lang="en-US" smtClean="0"/>
+              <a:t>‹N°›</a:t>
             </a:fld>
             <a:endParaRPr lang="en-US"/>
           </a:p>
@@ -6975,7 +7079,6 @@
               <a:rPr lang="fr-FR"/>
               <a:t>Modifier les styles du texte du masque</a:t>
             </a:r>
-            <a:endParaRPr lang="fr-FR"/>
           </a:p>
         </p:txBody>
       </p:sp>
@@ -6996,6 +7099,7 @@
           <a:p>
             <a:fld id="{40C2C89E-4632-4AA9-89CF-DDE0D1613744}" type="datetimeFigureOut">
               <a:rPr lang="en-US" smtClean="0"/>
+              <a:t>4/16/2022</a:t>
             </a:fld>
             <a:endParaRPr lang="en-US"/>
           </a:p>
@@ -7037,6 +7141,7 @@
           <a:p>
             <a:fld id="{F0456E12-4B3E-4095-BD4D-B8A477E46B0F}" type="slidenum">
               <a:rPr lang="en-US" smtClean="0"/>
+              <a:t>‹N°›</a:t>
             </a:fld>
             <a:endParaRPr lang="en-US"/>
           </a:p>
@@ -7115,7 +7220,6 @@
               <a:rPr lang="fr-FR"/>
               <a:t>Modifier les styles du texte du masque</a:t>
             </a:r>
-            <a:endParaRPr lang="fr-FR"/>
           </a:p>
           <a:p>
             <a:pPr lvl="1"/>
@@ -7123,7 +7227,6 @@
               <a:rPr lang="fr-FR"/>
               <a:t>Deuxième niveau</a:t>
             </a:r>
-            <a:endParaRPr lang="fr-FR"/>
           </a:p>
           <a:p>
             <a:pPr lvl="2"/>
@@ -7131,7 +7234,6 @@
               <a:rPr lang="fr-FR"/>
               <a:t>Troisième niveau</a:t>
             </a:r>
-            <a:endParaRPr lang="fr-FR"/>
           </a:p>
           <a:p>
             <a:pPr lvl="3"/>
@@ -7139,7 +7241,6 @@
               <a:rPr lang="fr-FR"/>
               <a:t>Quatrième niveau</a:t>
             </a:r>
-            <a:endParaRPr lang="fr-FR"/>
           </a:p>
           <a:p>
             <a:pPr lvl="4"/>
@@ -7176,7 +7277,6 @@
               <a:rPr lang="fr-FR"/>
               <a:t>Modifier les styles du texte du masque</a:t>
             </a:r>
-            <a:endParaRPr lang="fr-FR"/>
           </a:p>
           <a:p>
             <a:pPr lvl="1"/>
@@ -7184,7 +7284,6 @@
               <a:rPr lang="fr-FR"/>
               <a:t>Deuxième niveau</a:t>
             </a:r>
-            <a:endParaRPr lang="fr-FR"/>
           </a:p>
           <a:p>
             <a:pPr lvl="2"/>
@@ -7192,7 +7291,6 @@
               <a:rPr lang="fr-FR"/>
               <a:t>Troisième niveau</a:t>
             </a:r>
-            <a:endParaRPr lang="fr-FR"/>
           </a:p>
           <a:p>
             <a:pPr lvl="3"/>
@@ -7200,7 +7298,6 @@
               <a:rPr lang="fr-FR"/>
               <a:t>Quatrième niveau</a:t>
             </a:r>
-            <a:endParaRPr lang="fr-FR"/>
           </a:p>
           <a:p>
             <a:pPr lvl="4"/>
@@ -7229,6 +7326,7 @@
           <a:p>
             <a:fld id="{40C2C89E-4632-4AA9-89CF-DDE0D1613744}" type="datetimeFigureOut">
               <a:rPr lang="en-US" smtClean="0"/>
+              <a:t>4/16/2022</a:t>
             </a:fld>
             <a:endParaRPr lang="en-US"/>
           </a:p>
@@ -7270,6 +7368,7 @@
           <a:p>
             <a:fld id="{F0456E12-4B3E-4095-BD4D-B8A477E46B0F}" type="slidenum">
               <a:rPr lang="en-US" smtClean="0"/>
+              <a:t>‹N°›</a:t>
             </a:fld>
             <a:endParaRPr lang="en-US"/>
           </a:p>
@@ -7390,7 +7489,6 @@
               <a:rPr lang="fr-FR"/>
               <a:t>Modifier les styles du texte du masque</a:t>
             </a:r>
-            <a:endParaRPr lang="fr-FR"/>
           </a:p>
         </p:txBody>
       </p:sp>
@@ -7419,7 +7517,6 @@
               <a:rPr lang="fr-FR"/>
               <a:t>Modifier les styles du texte du masque</a:t>
             </a:r>
-            <a:endParaRPr lang="fr-FR"/>
           </a:p>
           <a:p>
             <a:pPr lvl="1"/>
@@ -7427,7 +7524,6 @@
               <a:rPr lang="fr-FR"/>
               <a:t>Deuxième niveau</a:t>
             </a:r>
-            <a:endParaRPr lang="fr-FR"/>
           </a:p>
           <a:p>
             <a:pPr lvl="2"/>
@@ -7435,7 +7531,6 @@
               <a:rPr lang="fr-FR"/>
               <a:t>Troisième niveau</a:t>
             </a:r>
-            <a:endParaRPr lang="fr-FR"/>
           </a:p>
           <a:p>
             <a:pPr lvl="3"/>
@@ -7443,7 +7538,6 @@
               <a:rPr lang="fr-FR"/>
               <a:t>Quatrième niveau</a:t>
             </a:r>
-            <a:endParaRPr lang="fr-FR"/>
           </a:p>
           <a:p>
             <a:pPr lvl="4"/>
@@ -7517,7 +7611,6 @@
               <a:rPr lang="fr-FR"/>
               <a:t>Modifier les styles du texte du masque</a:t>
             </a:r>
-            <a:endParaRPr lang="fr-FR"/>
           </a:p>
         </p:txBody>
       </p:sp>
@@ -7546,7 +7639,6 @@
               <a:rPr lang="fr-FR"/>
               <a:t>Modifier les styles du texte du masque</a:t>
             </a:r>
-            <a:endParaRPr lang="fr-FR"/>
           </a:p>
           <a:p>
             <a:pPr lvl="1"/>
@@ -7554,7 +7646,6 @@
               <a:rPr lang="fr-FR"/>
               <a:t>Deuxième niveau</a:t>
             </a:r>
-            <a:endParaRPr lang="fr-FR"/>
           </a:p>
           <a:p>
             <a:pPr lvl="2"/>
@@ -7562,7 +7653,6 @@
               <a:rPr lang="fr-FR"/>
               <a:t>Troisième niveau</a:t>
             </a:r>
-            <a:endParaRPr lang="fr-FR"/>
           </a:p>
           <a:p>
             <a:pPr lvl="3"/>
@@ -7570,7 +7660,6 @@
               <a:rPr lang="fr-FR"/>
               <a:t>Quatrième niveau</a:t>
             </a:r>
-            <a:endParaRPr lang="fr-FR"/>
           </a:p>
           <a:p>
             <a:pPr lvl="4"/>
@@ -7599,6 +7688,7 @@
           <a:p>
             <a:fld id="{40C2C89E-4632-4AA9-89CF-DDE0D1613744}" type="datetimeFigureOut">
               <a:rPr lang="en-US" smtClean="0"/>
+              <a:t>4/16/2022</a:t>
             </a:fld>
             <a:endParaRPr lang="en-US"/>
           </a:p>
@@ -7640,6 +7730,7 @@
           <a:p>
             <a:fld id="{F0456E12-4B3E-4095-BD4D-B8A477E46B0F}" type="slidenum">
               <a:rPr lang="en-US" smtClean="0"/>
+              <a:t>‹N°›</a:t>
             </a:fld>
             <a:endParaRPr lang="en-US"/>
           </a:p>
@@ -7710,6 +7801,7 @@
           <a:p>
             <a:fld id="{40C2C89E-4632-4AA9-89CF-DDE0D1613744}" type="datetimeFigureOut">
               <a:rPr lang="en-US" smtClean="0"/>
+              <a:t>4/16/2022</a:t>
             </a:fld>
             <a:endParaRPr lang="en-US"/>
           </a:p>
@@ -7751,6 +7843,7 @@
           <a:p>
             <a:fld id="{F0456E12-4B3E-4095-BD4D-B8A477E46B0F}" type="slidenum">
               <a:rPr lang="en-US" smtClean="0"/>
+              <a:t>‹N°›</a:t>
             </a:fld>
             <a:endParaRPr lang="en-US"/>
           </a:p>
@@ -7798,6 +7891,7 @@
           <a:p>
             <a:fld id="{40C2C89E-4632-4AA9-89CF-DDE0D1613744}" type="datetimeFigureOut">
               <a:rPr lang="en-US" smtClean="0"/>
+              <a:t>4/16/2022</a:t>
             </a:fld>
             <a:endParaRPr lang="en-US"/>
           </a:p>
@@ -7839,6 +7933,7 @@
           <a:p>
             <a:fld id="{F0456E12-4B3E-4095-BD4D-B8A477E46B0F}" type="slidenum">
               <a:rPr lang="en-US" smtClean="0"/>
+              <a:t>‹N°›</a:t>
             </a:fld>
             <a:endParaRPr lang="en-US"/>
           </a:p>
@@ -7954,7 +8049,6 @@
               <a:rPr lang="fr-FR"/>
               <a:t>Modifier les styles du texte du masque</a:t>
             </a:r>
-            <a:endParaRPr lang="fr-FR"/>
           </a:p>
           <a:p>
             <a:pPr lvl="1"/>
@@ -7962,7 +8056,6 @@
               <a:rPr lang="fr-FR"/>
               <a:t>Deuxième niveau</a:t>
             </a:r>
-            <a:endParaRPr lang="fr-FR"/>
           </a:p>
           <a:p>
             <a:pPr lvl="2"/>
@@ -7970,7 +8063,6 @@
               <a:rPr lang="fr-FR"/>
               <a:t>Troisième niveau</a:t>
             </a:r>
-            <a:endParaRPr lang="fr-FR"/>
           </a:p>
           <a:p>
             <a:pPr lvl="3"/>
@@ -7978,7 +8070,6 @@
               <a:rPr lang="fr-FR"/>
               <a:t>Quatrième niveau</a:t>
             </a:r>
-            <a:endParaRPr lang="fr-FR"/>
           </a:p>
           <a:p>
             <a:pPr lvl="4"/>
@@ -8052,7 +8143,6 @@
               <a:rPr lang="fr-FR"/>
               <a:t>Modifier les styles du texte du masque</a:t>
             </a:r>
-            <a:endParaRPr lang="fr-FR"/>
           </a:p>
         </p:txBody>
       </p:sp>
@@ -8073,6 +8163,7 @@
           <a:p>
             <a:fld id="{40C2C89E-4632-4AA9-89CF-DDE0D1613744}" type="datetimeFigureOut">
               <a:rPr lang="en-US" smtClean="0"/>
+              <a:t>4/16/2022</a:t>
             </a:fld>
             <a:endParaRPr lang="en-US"/>
           </a:p>
@@ -8114,6 +8205,7 @@
           <a:p>
             <a:fld id="{F0456E12-4B3E-4095-BD4D-B8A477E46B0F}" type="slidenum">
               <a:rPr lang="en-US" smtClean="0"/>
+              <a:t>‹N°›</a:t>
             </a:fld>
             <a:endParaRPr lang="en-US"/>
           </a:p>
@@ -8187,7 +8279,6 @@
               <a:rPr lang="fr-FR"/>
               <a:t>Modifier les styles du texte du masque</a:t>
             </a:r>
-            <a:endParaRPr lang="fr-FR"/>
           </a:p>
           <a:p>
             <a:pPr lvl="1"/>
@@ -8195,7 +8286,6 @@
               <a:rPr lang="fr-FR"/>
               <a:t>Deuxième niveau</a:t>
             </a:r>
-            <a:endParaRPr lang="fr-FR"/>
           </a:p>
           <a:p>
             <a:pPr lvl="2"/>
@@ -8203,7 +8293,6 @@
               <a:rPr lang="fr-FR"/>
               <a:t>Troisième niveau</a:t>
             </a:r>
-            <a:endParaRPr lang="fr-FR"/>
           </a:p>
           <a:p>
             <a:pPr lvl="3"/>
@@ -8211,7 +8300,6 @@
               <a:rPr lang="fr-FR"/>
               <a:t>Quatrième niveau</a:t>
             </a:r>
-            <a:endParaRPr lang="fr-FR"/>
           </a:p>
           <a:p>
             <a:pPr lvl="4"/>
@@ -8240,6 +8328,7 @@
           <a:p>
             <a:fld id="{40C2C89E-4632-4AA9-89CF-DDE0D1613744}" type="datetimeFigureOut">
               <a:rPr lang="en-US" smtClean="0"/>
+              <a:t>4/16/2022</a:t>
             </a:fld>
             <a:endParaRPr lang="en-US"/>
           </a:p>
@@ -8281,6 +8370,7 @@
           <a:p>
             <a:fld id="{F0456E12-4B3E-4095-BD4D-B8A477E46B0F}" type="slidenum">
               <a:rPr lang="en-US" smtClean="0"/>
+              <a:t>‹N°›</a:t>
             </a:fld>
             <a:endParaRPr lang="en-US"/>
           </a:p>
@@ -8466,7 +8556,6 @@
               <a:rPr lang="fr-FR"/>
               <a:t>Modifier les styles du texte du masque</a:t>
             </a:r>
-            <a:endParaRPr lang="fr-FR"/>
           </a:p>
         </p:txBody>
       </p:sp>
@@ -8487,6 +8576,7 @@
           <a:p>
             <a:fld id="{40C2C89E-4632-4AA9-89CF-DDE0D1613744}" type="datetimeFigureOut">
               <a:rPr lang="en-US" smtClean="0"/>
+              <a:t>4/16/2022</a:t>
             </a:fld>
             <a:endParaRPr lang="en-US"/>
           </a:p>
@@ -8528,6 +8618,7 @@
           <a:p>
             <a:fld id="{F0456E12-4B3E-4095-BD4D-B8A477E46B0F}" type="slidenum">
               <a:rPr lang="en-US" smtClean="0"/>
+              <a:t>‹N°›</a:t>
             </a:fld>
             <a:endParaRPr lang="en-US"/>
           </a:p>
@@ -8601,7 +8692,6 @@
               <a:rPr lang="fr-FR"/>
               <a:t>Modifier les styles du texte du masque</a:t>
             </a:r>
-            <a:endParaRPr lang="fr-FR"/>
           </a:p>
           <a:p>
             <a:pPr lvl="1"/>
@@ -8609,7 +8699,6 @@
               <a:rPr lang="fr-FR"/>
               <a:t>Deuxième niveau</a:t>
             </a:r>
-            <a:endParaRPr lang="fr-FR"/>
           </a:p>
           <a:p>
             <a:pPr lvl="2"/>
@@ -8617,7 +8706,6 @@
               <a:rPr lang="fr-FR"/>
               <a:t>Troisième niveau</a:t>
             </a:r>
-            <a:endParaRPr lang="fr-FR"/>
           </a:p>
           <a:p>
             <a:pPr lvl="3"/>
@@ -8625,7 +8713,6 @@
               <a:rPr lang="fr-FR"/>
               <a:t>Quatrième niveau</a:t>
             </a:r>
-            <a:endParaRPr lang="fr-FR"/>
           </a:p>
           <a:p>
             <a:pPr lvl="4"/>
@@ -8654,6 +8741,7 @@
           <a:p>
             <a:fld id="{40C2C89E-4632-4AA9-89CF-DDE0D1613744}" type="datetimeFigureOut">
               <a:rPr lang="en-US" smtClean="0"/>
+              <a:t>4/16/2022</a:t>
             </a:fld>
             <a:endParaRPr lang="en-US"/>
           </a:p>
@@ -8695,6 +8783,7 @@
           <a:p>
             <a:fld id="{F0456E12-4B3E-4095-BD4D-B8A477E46B0F}" type="slidenum">
               <a:rPr lang="en-US" smtClean="0"/>
+              <a:t>‹N°›</a:t>
             </a:fld>
             <a:endParaRPr lang="en-US"/>
           </a:p>
@@ -8778,7 +8867,6 @@
               <a:rPr lang="fr-FR"/>
               <a:t>Modifier les styles du texte du masque</a:t>
             </a:r>
-            <a:endParaRPr lang="fr-FR"/>
           </a:p>
           <a:p>
             <a:pPr lvl="1"/>
@@ -8786,7 +8874,6 @@
               <a:rPr lang="fr-FR"/>
               <a:t>Deuxième niveau</a:t>
             </a:r>
-            <a:endParaRPr lang="fr-FR"/>
           </a:p>
           <a:p>
             <a:pPr lvl="2"/>
@@ -8794,7 +8881,6 @@
               <a:rPr lang="fr-FR"/>
               <a:t>Troisième niveau</a:t>
             </a:r>
-            <a:endParaRPr lang="fr-FR"/>
           </a:p>
           <a:p>
             <a:pPr lvl="3"/>
@@ -8802,7 +8888,6 @@
               <a:rPr lang="fr-FR"/>
               <a:t>Quatrième niveau</a:t>
             </a:r>
-            <a:endParaRPr lang="fr-FR"/>
           </a:p>
           <a:p>
             <a:pPr lvl="4"/>
@@ -8831,6 +8916,7 @@
           <a:p>
             <a:fld id="{40C2C89E-4632-4AA9-89CF-DDE0D1613744}" type="datetimeFigureOut">
               <a:rPr lang="en-US" smtClean="0"/>
+              <a:t>4/16/2022</a:t>
             </a:fld>
             <a:endParaRPr lang="en-US"/>
           </a:p>
@@ -8872,6 +8958,7 @@
           <a:p>
             <a:fld id="{F0456E12-4B3E-4095-BD4D-B8A477E46B0F}" type="slidenum">
               <a:rPr lang="en-US" smtClean="0"/>
+              <a:t>‹N°›</a:t>
             </a:fld>
             <a:endParaRPr lang="en-US"/>
           </a:p>
@@ -9050,7 +9137,6 @@
               <a:rPr lang="fr-FR"/>
               <a:t>Modifier les styles du texte du masque</a:t>
             </a:r>
-            <a:endParaRPr lang="fr-FR"/>
           </a:p>
         </p:txBody>
       </p:sp>
@@ -9071,6 +9157,7 @@
           <a:p>
             <a:fld id="{40C2C89E-4632-4AA9-89CF-DDE0D1613744}" type="datetimeFigureOut">
               <a:rPr lang="en-US" smtClean="0"/>
+              <a:t>4/16/2022</a:t>
             </a:fld>
             <a:endParaRPr lang="en-US"/>
           </a:p>
@@ -9112,6 +9199,7 @@
           <a:p>
             <a:fld id="{F0456E12-4B3E-4095-BD4D-B8A477E46B0F}" type="slidenum">
               <a:rPr lang="en-US" smtClean="0"/>
+              <a:t>‹N°›</a:t>
             </a:fld>
             <a:endParaRPr lang="en-US"/>
           </a:p>
@@ -9190,7 +9278,6 @@
               <a:rPr lang="fr-FR"/>
               <a:t>Modifier les styles du texte du masque</a:t>
             </a:r>
-            <a:endParaRPr lang="fr-FR"/>
           </a:p>
           <a:p>
             <a:pPr lvl="1"/>
@@ -9198,7 +9285,6 @@
               <a:rPr lang="fr-FR"/>
               <a:t>Deuxième niveau</a:t>
             </a:r>
-            <a:endParaRPr lang="fr-FR"/>
           </a:p>
           <a:p>
             <a:pPr lvl="2"/>
@@ -9206,7 +9292,6 @@
               <a:rPr lang="fr-FR"/>
               <a:t>Troisième niveau</a:t>
             </a:r>
-            <a:endParaRPr lang="fr-FR"/>
           </a:p>
           <a:p>
             <a:pPr lvl="3"/>
@@ -9214,7 +9299,6 @@
               <a:rPr lang="fr-FR"/>
               <a:t>Quatrième niveau</a:t>
             </a:r>
-            <a:endParaRPr lang="fr-FR"/>
           </a:p>
           <a:p>
             <a:pPr lvl="4"/>
@@ -9251,7 +9335,6 @@
               <a:rPr lang="fr-FR"/>
               <a:t>Modifier les styles du texte du masque</a:t>
             </a:r>
-            <a:endParaRPr lang="fr-FR"/>
           </a:p>
           <a:p>
             <a:pPr lvl="1"/>
@@ -9259,7 +9342,6 @@
               <a:rPr lang="fr-FR"/>
               <a:t>Deuxième niveau</a:t>
             </a:r>
-            <a:endParaRPr lang="fr-FR"/>
           </a:p>
           <a:p>
             <a:pPr lvl="2"/>
@@ -9267,7 +9349,6 @@
               <a:rPr lang="fr-FR"/>
               <a:t>Troisième niveau</a:t>
             </a:r>
-            <a:endParaRPr lang="fr-FR"/>
           </a:p>
           <a:p>
             <a:pPr lvl="3"/>
@@ -9275,7 +9356,6 @@
               <a:rPr lang="fr-FR"/>
               <a:t>Quatrième niveau</a:t>
             </a:r>
-            <a:endParaRPr lang="fr-FR"/>
           </a:p>
           <a:p>
             <a:pPr lvl="4"/>
@@ -9304,6 +9384,7 @@
           <a:p>
             <a:fld id="{40C2C89E-4632-4AA9-89CF-DDE0D1613744}" type="datetimeFigureOut">
               <a:rPr lang="en-US" smtClean="0"/>
+              <a:t>4/16/2022</a:t>
             </a:fld>
             <a:endParaRPr lang="en-US"/>
           </a:p>
@@ -9345,6 +9426,7 @@
           <a:p>
             <a:fld id="{F0456E12-4B3E-4095-BD4D-B8A477E46B0F}" type="slidenum">
               <a:rPr lang="en-US" smtClean="0"/>
+              <a:t>‹N°›</a:t>
             </a:fld>
             <a:endParaRPr lang="en-US"/>
           </a:p>
@@ -9465,7 +9547,6 @@
               <a:rPr lang="fr-FR"/>
               <a:t>Modifier les styles du texte du masque</a:t>
             </a:r>
-            <a:endParaRPr lang="fr-FR"/>
           </a:p>
         </p:txBody>
       </p:sp>
@@ -9494,7 +9575,6 @@
               <a:rPr lang="fr-FR"/>
               <a:t>Modifier les styles du texte du masque</a:t>
             </a:r>
-            <a:endParaRPr lang="fr-FR"/>
           </a:p>
           <a:p>
             <a:pPr lvl="1"/>
@@ -9502,7 +9582,6 @@
               <a:rPr lang="fr-FR"/>
               <a:t>Deuxième niveau</a:t>
             </a:r>
-            <a:endParaRPr lang="fr-FR"/>
           </a:p>
           <a:p>
             <a:pPr lvl="2"/>
@@ -9510,7 +9589,6 @@
               <a:rPr lang="fr-FR"/>
               <a:t>Troisième niveau</a:t>
             </a:r>
-            <a:endParaRPr lang="fr-FR"/>
           </a:p>
           <a:p>
             <a:pPr lvl="3"/>
@@ -9518,7 +9596,6 @@
               <a:rPr lang="fr-FR"/>
               <a:t>Quatrième niveau</a:t>
             </a:r>
-            <a:endParaRPr lang="fr-FR"/>
           </a:p>
           <a:p>
             <a:pPr lvl="4"/>
@@ -9592,7 +9669,6 @@
               <a:rPr lang="fr-FR"/>
               <a:t>Modifier les styles du texte du masque</a:t>
             </a:r>
-            <a:endParaRPr lang="fr-FR"/>
           </a:p>
         </p:txBody>
       </p:sp>
@@ -9621,7 +9697,6 @@
               <a:rPr lang="fr-FR"/>
               <a:t>Modifier les styles du texte du masque</a:t>
             </a:r>
-            <a:endParaRPr lang="fr-FR"/>
           </a:p>
           <a:p>
             <a:pPr lvl="1"/>
@@ -9629,7 +9704,6 @@
               <a:rPr lang="fr-FR"/>
               <a:t>Deuxième niveau</a:t>
             </a:r>
-            <a:endParaRPr lang="fr-FR"/>
           </a:p>
           <a:p>
             <a:pPr lvl="2"/>
@@ -9637,7 +9711,6 @@
               <a:rPr lang="fr-FR"/>
               <a:t>Troisième niveau</a:t>
             </a:r>
-            <a:endParaRPr lang="fr-FR"/>
           </a:p>
           <a:p>
             <a:pPr lvl="3"/>
@@ -9645,7 +9718,6 @@
               <a:rPr lang="fr-FR"/>
               <a:t>Quatrième niveau</a:t>
             </a:r>
-            <a:endParaRPr lang="fr-FR"/>
           </a:p>
           <a:p>
             <a:pPr lvl="4"/>
@@ -9674,6 +9746,7 @@
           <a:p>
             <a:fld id="{40C2C89E-4632-4AA9-89CF-DDE0D1613744}" type="datetimeFigureOut">
               <a:rPr lang="en-US" smtClean="0"/>
+              <a:t>4/16/2022</a:t>
             </a:fld>
             <a:endParaRPr lang="en-US"/>
           </a:p>
@@ -9715,6 +9788,7 @@
           <a:p>
             <a:fld id="{F0456E12-4B3E-4095-BD4D-B8A477E46B0F}" type="slidenum">
               <a:rPr lang="en-US" smtClean="0"/>
+              <a:t>‹N°›</a:t>
             </a:fld>
             <a:endParaRPr lang="en-US"/>
           </a:p>
@@ -9785,6 +9859,7 @@
           <a:p>
             <a:fld id="{40C2C89E-4632-4AA9-89CF-DDE0D1613744}" type="datetimeFigureOut">
               <a:rPr lang="en-US" smtClean="0"/>
+              <a:t>4/16/2022</a:t>
             </a:fld>
             <a:endParaRPr lang="en-US"/>
           </a:p>
@@ -9826,6 +9901,7 @@
           <a:p>
             <a:fld id="{F0456E12-4B3E-4095-BD4D-B8A477E46B0F}" type="slidenum">
               <a:rPr lang="en-US" smtClean="0"/>
+              <a:t>‹N°›</a:t>
             </a:fld>
             <a:endParaRPr lang="en-US"/>
           </a:p>
@@ -9873,6 +9949,7 @@
           <a:p>
             <a:fld id="{40C2C89E-4632-4AA9-89CF-DDE0D1613744}" type="datetimeFigureOut">
               <a:rPr lang="en-US" smtClean="0"/>
+              <a:t>4/16/2022</a:t>
             </a:fld>
             <a:endParaRPr lang="en-US"/>
           </a:p>
@@ -9914,6 +9991,7 @@
           <a:p>
             <a:fld id="{F0456E12-4B3E-4095-BD4D-B8A477E46B0F}" type="slidenum">
               <a:rPr lang="en-US" smtClean="0"/>
+              <a:t>‹N°›</a:t>
             </a:fld>
             <a:endParaRPr lang="en-US"/>
           </a:p>
@@ -10029,7 +10107,6 @@
               <a:rPr lang="fr-FR"/>
               <a:t>Modifier les styles du texte du masque</a:t>
             </a:r>
-            <a:endParaRPr lang="fr-FR"/>
           </a:p>
           <a:p>
             <a:pPr lvl="1"/>
@@ -10037,7 +10114,6 @@
               <a:rPr lang="fr-FR"/>
               <a:t>Deuxième niveau</a:t>
             </a:r>
-            <a:endParaRPr lang="fr-FR"/>
           </a:p>
           <a:p>
             <a:pPr lvl="2"/>
@@ -10045,7 +10121,6 @@
               <a:rPr lang="fr-FR"/>
               <a:t>Troisième niveau</a:t>
             </a:r>
-            <a:endParaRPr lang="fr-FR"/>
           </a:p>
           <a:p>
             <a:pPr lvl="3"/>
@@ -10053,7 +10128,6 @@
               <a:rPr lang="fr-FR"/>
               <a:t>Quatrième niveau</a:t>
             </a:r>
-            <a:endParaRPr lang="fr-FR"/>
           </a:p>
           <a:p>
             <a:pPr lvl="4"/>
@@ -10127,7 +10201,6 @@
               <a:rPr lang="fr-FR"/>
               <a:t>Modifier les styles du texte du masque</a:t>
             </a:r>
-            <a:endParaRPr lang="fr-FR"/>
           </a:p>
         </p:txBody>
       </p:sp>
@@ -10148,6 +10221,7 @@
           <a:p>
             <a:fld id="{40C2C89E-4632-4AA9-89CF-DDE0D1613744}" type="datetimeFigureOut">
               <a:rPr lang="en-US" smtClean="0"/>
+              <a:t>4/16/2022</a:t>
             </a:fld>
             <a:endParaRPr lang="en-US"/>
           </a:p>
@@ -10189,6 +10263,7 @@
           <a:p>
             <a:fld id="{F0456E12-4B3E-4095-BD4D-B8A477E46B0F}" type="slidenum">
               <a:rPr lang="en-US" smtClean="0"/>
+              <a:t>‹N°›</a:t>
             </a:fld>
             <a:endParaRPr lang="en-US"/>
           </a:p>
@@ -10374,7 +10449,6 @@
               <a:rPr lang="fr-FR"/>
               <a:t>Modifier les styles du texte du masque</a:t>
             </a:r>
-            <a:endParaRPr lang="fr-FR"/>
           </a:p>
         </p:txBody>
       </p:sp>
@@ -10395,6 +10469,7 @@
           <a:p>
             <a:fld id="{40C2C89E-4632-4AA9-89CF-DDE0D1613744}" type="datetimeFigureOut">
               <a:rPr lang="en-US" smtClean="0"/>
+              <a:t>4/16/2022</a:t>
             </a:fld>
             <a:endParaRPr lang="en-US"/>
           </a:p>
@@ -10436,6 +10511,7 @@
           <a:p>
             <a:fld id="{F0456E12-4B3E-4095-BD4D-B8A477E46B0F}" type="slidenum">
               <a:rPr lang="en-US" smtClean="0"/>
+              <a:t>‹N°›</a:t>
             </a:fld>
             <a:endParaRPr lang="en-US"/>
           </a:p>
@@ -10534,7 +10610,6 @@
               <a:rPr lang="fr-FR"/>
               <a:t>Modifier les styles du texte du masque</a:t>
             </a:r>
-            <a:endParaRPr lang="fr-FR"/>
           </a:p>
           <a:p>
             <a:pPr lvl="1"/>
@@ -10542,7 +10617,6 @@
               <a:rPr lang="fr-FR"/>
               <a:t>Deuxième niveau</a:t>
             </a:r>
-            <a:endParaRPr lang="fr-FR"/>
           </a:p>
           <a:p>
             <a:pPr lvl="2"/>
@@ -10550,7 +10624,6 @@
               <a:rPr lang="fr-FR"/>
               <a:t>Troisième niveau</a:t>
             </a:r>
-            <a:endParaRPr lang="fr-FR"/>
           </a:p>
           <a:p>
             <a:pPr lvl="3"/>
@@ -10558,7 +10631,6 @@
               <a:rPr lang="fr-FR"/>
               <a:t>Quatrième niveau</a:t>
             </a:r>
-            <a:endParaRPr lang="fr-FR"/>
           </a:p>
           <a:p>
             <a:pPr lvl="4"/>
@@ -10605,6 +10677,7 @@
           <a:p>
             <a:fld id="{40C2C89E-4632-4AA9-89CF-DDE0D1613744}" type="datetimeFigureOut">
               <a:rPr lang="en-US" smtClean="0"/>
+              <a:t>4/16/2022</a:t>
             </a:fld>
             <a:endParaRPr lang="en-US"/>
           </a:p>
@@ -10682,6 +10755,7 @@
           <a:p>
             <a:fld id="{F0456E12-4B3E-4095-BD4D-B8A477E46B0F}" type="slidenum">
               <a:rPr lang="en-US" smtClean="0"/>
+              <a:t>‹N°›</a:t>
             </a:fld>
             <a:endParaRPr lang="en-US"/>
           </a:p>
@@ -11071,7 +11145,6 @@
               <a:rPr lang="fr-FR"/>
               <a:t>Modifier les styles du texte du masque</a:t>
             </a:r>
-            <a:endParaRPr lang="fr-FR"/>
           </a:p>
           <a:p>
             <a:pPr lvl="1"/>
@@ -11079,7 +11152,6 @@
               <a:rPr lang="fr-FR"/>
               <a:t>Deuxième niveau</a:t>
             </a:r>
-            <a:endParaRPr lang="fr-FR"/>
           </a:p>
           <a:p>
             <a:pPr lvl="2"/>
@@ -11087,7 +11159,6 @@
               <a:rPr lang="fr-FR"/>
               <a:t>Troisième niveau</a:t>
             </a:r>
-            <a:endParaRPr lang="fr-FR"/>
           </a:p>
           <a:p>
             <a:pPr lvl="3"/>
@@ -11095,7 +11166,6 @@
               <a:rPr lang="fr-FR"/>
               <a:t>Quatrième niveau</a:t>
             </a:r>
-            <a:endParaRPr lang="fr-FR"/>
           </a:p>
           <a:p>
             <a:pPr lvl="4"/>
@@ -11142,6 +11212,7 @@
           <a:p>
             <a:fld id="{40C2C89E-4632-4AA9-89CF-DDE0D1613744}" type="datetimeFigureOut">
               <a:rPr lang="en-US" smtClean="0"/>
+              <a:t>4/16/2022</a:t>
             </a:fld>
             <a:endParaRPr lang="en-US"/>
           </a:p>
@@ -11219,6 +11290,7 @@
           <a:p>
             <a:fld id="{F0456E12-4B3E-4095-BD4D-B8A477E46B0F}" type="slidenum">
               <a:rPr lang="en-US" smtClean="0"/>
+              <a:t>‹N°›</a:t>
             </a:fld>
             <a:endParaRPr lang="en-US"/>
           </a:p>
@@ -12122,7 +12194,7 @@
 </p:sld>
 </file>
 
-<file path=ppt/slides/slide2.xml><?xml version="1.0" encoding="utf-8"?>
+<file path=ppt/slides/slide10.xml><?xml version="1.0" encoding="utf-8"?>
 <p:sld xmlns:a="http://schemas.openxmlformats.org/drawingml/2006/main" xmlns:r="http://schemas.openxmlformats.org/officeDocument/2006/relationships" xmlns:p="http://schemas.openxmlformats.org/presentationml/2006/main">
   <p:cSld>
     <p:bg>
@@ -12149,15 +12221,30 @@
       </p:grpSpPr>
       <p:sp useBgFill="1">
         <p:nvSpPr>
-          <p:cNvPr id="9" name="Rectangle 8"/>
+          <p:cNvPr id="23" name="Rectangle 22">
+            <a:extLst>
+              <a:ext uri="{FF2B5EF4-FFF2-40B4-BE49-F238E27FC236}">
+                <a16:creationId xmlns:a16="http://schemas.microsoft.com/office/drawing/2014/main" id="{B712E947-0734-45F9-9C4F-41114EC3A33E}"/>
+              </a:ext>
+              <a:ext uri="{C183D7F6-B498-43B3-948B-1728B52AA6E4}">
+                <adec:decorative xmlns:adec="http://schemas.microsoft.com/office/drawing/2017/decorative" val="1"/>
+              </a:ext>
+            </a:extLst>
+          </p:cNvPr>
           <p:cNvSpPr>
             <a:spLocks noGrp="1" noRot="1" noChangeAspect="1" noMove="1" noResize="1" noEditPoints="1" noAdjustHandles="1" noChangeArrowheads="1" noChangeShapeType="1" noTextEdit="1"/>
           </p:cNvSpPr>
-          <p:nvPr/>
+          <p:nvPr>
+            <p:extLst>
+              <p:ext uri="{386F3935-93C4-4BCD-93E2-E3B085C9AB24}">
+                <p16:designElem xmlns:p16="http://schemas.microsoft.com/office/powerpoint/2015/main" val="1"/>
+              </p:ext>
+            </p:extLst>
+          </p:nvPr>
         </p:nvSpPr>
         <p:spPr>
           <a:xfrm>
-            <a:off x="0" y="0"/>
+            <a:off x="14285" y="0"/>
             <a:ext cx="12192000" cy="6858000"/>
           </a:xfrm>
           <a:prstGeom prst="rect">
@@ -12171,7 +12258,7 @@
           <a:effectLst/>
           <a:extLst>
             <a:ext uri="{91240B29-F687-4F45-9708-019B960494DF}">
-              <a14:hiddenLine xmlns:a14="http://schemas.microsoft.com/office/drawing/2010/main" w="12700">
+              <a14:hiddenLine xmlns:a14="http://schemas.microsoft.com/office/drawing/2010/main" w="12700" cap="flat" cmpd="sng" algn="ctr">
                 <a:solidFill>
                   <a:schemeClr val="accent1">
                     <a:shade val="50000"/>
@@ -12179,8 +12266,6 @@
                 </a:solidFill>
                 <a:prstDash val="solid"/>
                 <a:miter lim="800000"/>
-                <a:headEnd/>
-                <a:tailEnd/>
               </a14:hiddenLine>
             </a:ext>
           </a:extLst>
@@ -12210,190 +12295,267 @@
           </a:p>
         </p:txBody>
       </p:sp>
+      <p:grpSp>
+        <p:nvGrpSpPr>
+          <p:cNvPr id="25" name="Group 24">
+            <a:extLst>
+              <a:ext uri="{FF2B5EF4-FFF2-40B4-BE49-F238E27FC236}">
+                <a16:creationId xmlns:a16="http://schemas.microsoft.com/office/drawing/2014/main" id="{12B3290A-D3BF-4B87-B55B-FD9A98B49727}"/>
+              </a:ext>
+              <a:ext uri="{C183D7F6-B498-43B3-948B-1728B52AA6E4}">
+                <adec:decorative xmlns:adec="http://schemas.microsoft.com/office/drawing/2017/decorative" val="1"/>
+              </a:ext>
+            </a:extLst>
+          </p:cNvPr>
+          <p:cNvGrpSpPr>
+            <a:grpSpLocks noGrp="1" noUngrp="1" noRot="1" noChangeAspect="1" noMove="1" noResize="1"/>
+          </p:cNvGrpSpPr>
+          <p:nvPr>
+            <p:extLst>
+              <p:ext uri="{386F3935-93C4-4BCD-93E2-E3B085C9AB24}">
+                <p16:designElem xmlns:p16="http://schemas.microsoft.com/office/powerpoint/2015/main" val="1"/>
+              </p:ext>
+            </p:extLst>
+          </p:nvPr>
+        </p:nvGrpSpPr>
+        <p:grpSpPr>
+          <a:xfrm>
+            <a:off x="0" y="0"/>
+            <a:ext cx="12199030" cy="1576446"/>
+            <a:chOff x="0" y="0"/>
+            <a:chExt cx="12192002" cy="1576446"/>
+          </a:xfrm>
+        </p:grpSpPr>
+        <p:sp>
+          <p:nvSpPr>
+            <p:cNvPr id="26" name="Rectangle 25">
+              <a:extLst>
+                <a:ext uri="{FF2B5EF4-FFF2-40B4-BE49-F238E27FC236}">
+                  <a16:creationId xmlns:a16="http://schemas.microsoft.com/office/drawing/2014/main" id="{033A715A-0686-440A-8F40-441B42A6605C}"/>
+                </a:ext>
+                <a:ext uri="{C183D7F6-B498-43B3-948B-1728B52AA6E4}">
+                  <adec:decorative xmlns:adec="http://schemas.microsoft.com/office/drawing/2017/decorative" val="1"/>
+                </a:ext>
+              </a:extLst>
+            </p:cNvPr>
+            <p:cNvSpPr/>
+            <p:nvPr>
+              <p:extLst>
+                <p:ext uri="{386F3935-93C4-4BCD-93E2-E3B085C9AB24}">
+                  <p16:designElem xmlns:p16="http://schemas.microsoft.com/office/powerpoint/2015/main" val="1"/>
+                </p:ext>
+              </p:extLst>
+            </p:nvPr>
+          </p:nvSpPr>
+          <p:spPr>
+            <a:xfrm rot="10800000" flipH="1">
+              <a:off x="2" y="0"/>
+              <a:ext cx="12191998" cy="1575955"/>
+            </a:xfrm>
+            <a:prstGeom prst="rect">
+              <a:avLst/>
+            </a:prstGeom>
+            <a:gradFill>
+              <a:gsLst>
+                <a:gs pos="0">
+                  <a:srgbClr val="000000">
+                    <a:alpha val="96000"/>
+                  </a:srgbClr>
+                </a:gs>
+                <a:gs pos="100000">
+                  <a:schemeClr val="accent1">
+                    <a:lumMod val="75000"/>
+                  </a:schemeClr>
+                </a:gs>
+              </a:gsLst>
+              <a:lin ang="8400000" scaled="0"/>
+            </a:gradFill>
+            <a:ln>
+              <a:noFill/>
+            </a:ln>
+          </p:spPr>
+          <p:style>
+            <a:lnRef idx="2">
+              <a:schemeClr val="accent1">
+                <a:shade val="50000"/>
+              </a:schemeClr>
+            </a:lnRef>
+            <a:fillRef idx="1">
+              <a:schemeClr val="accent1"/>
+            </a:fillRef>
+            <a:effectRef idx="0">
+              <a:schemeClr val="accent1"/>
+            </a:effectRef>
+            <a:fontRef idx="minor">
+              <a:schemeClr val="lt1"/>
+            </a:fontRef>
+          </p:style>
+          <p:txBody>
+            <a:bodyPr rtlCol="0" anchor="ctr"/>
+            <a:lstStyle/>
+            <a:p>
+              <a:pPr algn="ctr"/>
+              <a:endParaRPr lang="en-US"/>
+            </a:p>
+          </p:txBody>
+        </p:sp>
+        <p:sp>
+          <p:nvSpPr>
+            <p:cNvPr id="27" name="Rectangle 26">
+              <a:extLst>
+                <a:ext uri="{FF2B5EF4-FFF2-40B4-BE49-F238E27FC236}">
+                  <a16:creationId xmlns:a16="http://schemas.microsoft.com/office/drawing/2014/main" id="{4761657F-19F2-425B-B7E9-0118CD13C334}"/>
+                </a:ext>
+                <a:ext uri="{C183D7F6-B498-43B3-948B-1728B52AA6E4}">
+                  <adec:decorative xmlns:adec="http://schemas.microsoft.com/office/drawing/2017/decorative" val="1"/>
+                </a:ext>
+              </a:extLst>
+            </p:cNvPr>
+            <p:cNvSpPr/>
+            <p:nvPr>
+              <p:extLst>
+                <p:ext uri="{386F3935-93C4-4BCD-93E2-E3B085C9AB24}">
+                  <p16:designElem xmlns:p16="http://schemas.microsoft.com/office/powerpoint/2015/main" val="1"/>
+                </p:ext>
+              </p:extLst>
+            </p:nvPr>
+          </p:nvSpPr>
+          <p:spPr>
+            <a:xfrm rot="16200000">
+              <a:off x="5307778" y="-5307778"/>
+              <a:ext cx="1576446" cy="12192002"/>
+            </a:xfrm>
+            <a:prstGeom prst="rect">
+              <a:avLst/>
+            </a:prstGeom>
+            <a:gradFill>
+              <a:gsLst>
+                <a:gs pos="45000">
+                  <a:schemeClr val="accent1">
+                    <a:alpha val="0"/>
+                  </a:schemeClr>
+                </a:gs>
+                <a:gs pos="99000">
+                  <a:srgbClr val="000000">
+                    <a:alpha val="74000"/>
+                  </a:srgbClr>
+                </a:gs>
+              </a:gsLst>
+              <a:lin ang="11400000" scaled="0"/>
+            </a:gradFill>
+            <a:ln>
+              <a:noFill/>
+            </a:ln>
+          </p:spPr>
+          <p:style>
+            <a:lnRef idx="2">
+              <a:schemeClr val="accent1">
+                <a:shade val="50000"/>
+              </a:schemeClr>
+            </a:lnRef>
+            <a:fillRef idx="1">
+              <a:schemeClr val="accent1"/>
+            </a:fillRef>
+            <a:effectRef idx="0">
+              <a:schemeClr val="accent1"/>
+            </a:effectRef>
+            <a:fontRef idx="minor">
+              <a:schemeClr val="lt1"/>
+            </a:fontRef>
+          </p:style>
+          <p:txBody>
+            <a:bodyPr rtlCol="0" anchor="ctr"/>
+            <a:lstStyle/>
+            <a:p>
+              <a:pPr algn="ctr"/>
+              <a:endParaRPr lang="en-US" dirty="0"/>
+            </a:p>
+          </p:txBody>
+        </p:sp>
+        <p:sp>
+          <p:nvSpPr>
+            <p:cNvPr id="28" name="Rectangle 27">
+              <a:extLst>
+                <a:ext uri="{FF2B5EF4-FFF2-40B4-BE49-F238E27FC236}">
+                  <a16:creationId xmlns:a16="http://schemas.microsoft.com/office/drawing/2014/main" id="{E27B6634-79D3-4EDD-A77A-1065D6F3A4F2}"/>
+                </a:ext>
+                <a:ext uri="{C183D7F6-B498-43B3-948B-1728B52AA6E4}">
+                  <adec:decorative xmlns:adec="http://schemas.microsoft.com/office/drawing/2017/decorative" val="1"/>
+                </a:ext>
+              </a:extLst>
+            </p:cNvPr>
+            <p:cNvSpPr/>
+            <p:nvPr>
+              <p:extLst>
+                <p:ext uri="{386F3935-93C4-4BCD-93E2-E3B085C9AB24}">
+                  <p16:designElem xmlns:p16="http://schemas.microsoft.com/office/powerpoint/2015/main" val="1"/>
+                </p:ext>
+              </p:extLst>
+            </p:nvPr>
+          </p:nvSpPr>
+          <p:spPr>
+            <a:xfrm>
+              <a:off x="3825434" y="0"/>
+              <a:ext cx="4303422" cy="1575461"/>
+            </a:xfrm>
+            <a:prstGeom prst="rect">
+              <a:avLst/>
+            </a:prstGeom>
+            <a:gradFill>
+              <a:gsLst>
+                <a:gs pos="0">
+                  <a:schemeClr val="accent1">
+                    <a:alpha val="17000"/>
+                  </a:schemeClr>
+                </a:gs>
+                <a:gs pos="74000">
+                  <a:schemeClr val="accent1">
+                    <a:lumMod val="50000"/>
+                    <a:alpha val="0"/>
+                  </a:schemeClr>
+                </a:gs>
+              </a:gsLst>
+              <a:lin ang="14400000" scaled="0"/>
+            </a:gradFill>
+            <a:ln>
+              <a:noFill/>
+            </a:ln>
+          </p:spPr>
+          <p:style>
+            <a:lnRef idx="2">
+              <a:schemeClr val="accent1">
+                <a:shade val="50000"/>
+              </a:schemeClr>
+            </a:lnRef>
+            <a:fillRef idx="1">
+              <a:schemeClr val="accent1"/>
+            </a:fillRef>
+            <a:effectRef idx="0">
+              <a:schemeClr val="accent1"/>
+            </a:effectRef>
+            <a:fontRef idx="minor">
+              <a:schemeClr val="lt1"/>
+            </a:fontRef>
+          </p:style>
+          <p:txBody>
+            <a:bodyPr rtlCol="0" anchor="ctr"/>
+            <a:lstStyle/>
+            <a:p>
+              <a:pPr algn="ctr"/>
+              <a:endParaRPr lang="en-US"/>
+            </a:p>
+          </p:txBody>
+        </p:sp>
+      </p:grpSp>
       <p:sp>
         <p:nvSpPr>
-          <p:cNvPr id="11" name="Rectangle 10"/>
-          <p:cNvSpPr>
-            <a:spLocks noGrp="1" noRot="1" noChangeAspect="1" noMove="1" noResize="1" noEditPoints="1" noAdjustHandles="1" noChangeArrowheads="1" noChangeShapeType="1" noTextEdit="1"/>
-          </p:cNvSpPr>
-          <p:nvPr/>
-        </p:nvSpPr>
-        <p:spPr>
-          <a:xfrm flipH="1">
-            <a:off x="2" y="0"/>
-            <a:ext cx="12191998" cy="1575955"/>
-          </a:xfrm>
-          <a:prstGeom prst="rect">
-            <a:avLst/>
-          </a:prstGeom>
-          <a:gradFill>
-            <a:gsLst>
-              <a:gs pos="0">
-                <a:srgbClr val="000000">
-                  <a:alpha val="96000"/>
-                </a:srgbClr>
-              </a:gs>
-              <a:gs pos="100000">
-                <a:schemeClr val="accent1">
-                  <a:lumMod val="75000"/>
-                </a:schemeClr>
-              </a:gs>
-            </a:gsLst>
-            <a:lin ang="8400000" scaled="0"/>
-          </a:gradFill>
-          <a:ln>
-            <a:noFill/>
-          </a:ln>
-        </p:spPr>
-        <p:style>
-          <a:lnRef idx="2">
-            <a:schemeClr val="accent1">
-              <a:shade val="50000"/>
-            </a:schemeClr>
-          </a:lnRef>
-          <a:fillRef idx="1">
-            <a:schemeClr val="accent1"/>
-          </a:fillRef>
-          <a:effectRef idx="0">
-            <a:schemeClr val="accent1"/>
-          </a:effectRef>
-          <a:fontRef idx="minor">
-            <a:schemeClr val="lt1"/>
-          </a:fontRef>
-        </p:style>
-        <p:txBody>
-          <a:bodyPr rtlCol="0" anchor="ctr"/>
-          <a:lstStyle/>
-          <a:p>
-            <a:pPr algn="ctr"/>
-            <a:endParaRPr lang="en-US"/>
-          </a:p>
-        </p:txBody>
-      </p:sp>
-      <p:sp>
-        <p:nvSpPr>
-          <p:cNvPr id="13" name="Rectangle 12"/>
-          <p:cNvSpPr>
-            <a:spLocks noGrp="1" noRot="1" noChangeAspect="1" noMove="1" noResize="1" noEditPoints="1" noAdjustHandles="1" noChangeArrowheads="1" noChangeShapeType="1" noTextEdit="1"/>
-          </p:cNvSpPr>
-          <p:nvPr/>
-        </p:nvSpPr>
-        <p:spPr>
-          <a:xfrm rot="10800000" flipH="1">
-            <a:off x="8128857" y="0"/>
-            <a:ext cx="4063143" cy="1576412"/>
-          </a:xfrm>
-          <a:prstGeom prst="rect">
-            <a:avLst/>
-          </a:prstGeom>
-          <a:gradFill>
-            <a:gsLst>
-              <a:gs pos="19000">
-                <a:schemeClr val="accent1">
-                  <a:lumMod val="50000"/>
-                  <a:alpha val="68000"/>
-                </a:schemeClr>
-              </a:gs>
-              <a:gs pos="100000">
-                <a:schemeClr val="accent1">
-                  <a:alpha val="79000"/>
-                </a:schemeClr>
-              </a:gs>
-            </a:gsLst>
-            <a:lin ang="19200000" scaled="0"/>
-          </a:gradFill>
-          <a:ln>
-            <a:noFill/>
-          </a:ln>
-        </p:spPr>
-        <p:style>
-          <a:lnRef idx="2">
-            <a:schemeClr val="accent1">
-              <a:shade val="50000"/>
-            </a:schemeClr>
-          </a:lnRef>
-          <a:fillRef idx="1">
-            <a:schemeClr val="accent1"/>
-          </a:fillRef>
-          <a:effectRef idx="0">
-            <a:schemeClr val="accent1"/>
-          </a:effectRef>
-          <a:fontRef idx="minor">
-            <a:schemeClr val="lt1"/>
-          </a:fontRef>
-        </p:style>
-        <p:txBody>
-          <a:bodyPr rtlCol="0" anchor="ctr"/>
-          <a:lstStyle/>
-          <a:p>
-            <a:pPr algn="ctr"/>
-            <a:endParaRPr lang="en-US"/>
-          </a:p>
-        </p:txBody>
-      </p:sp>
-      <p:sp>
-        <p:nvSpPr>
-          <p:cNvPr id="15" name="Rectangle 14"/>
-          <p:cNvSpPr>
-            <a:spLocks noGrp="1" noRot="1" noChangeAspect="1" noMove="1" noResize="1" noEditPoints="1" noAdjustHandles="1" noChangeArrowheads="1" noChangeShapeType="1" noTextEdit="1"/>
-          </p:cNvSpPr>
-          <p:nvPr/>
-        </p:nvSpPr>
-        <p:spPr>
-          <a:xfrm rot="5400000">
-            <a:off x="5307777" y="-5307778"/>
-            <a:ext cx="1576446" cy="12192002"/>
-          </a:xfrm>
-          <a:prstGeom prst="rect">
-            <a:avLst/>
-          </a:prstGeom>
-          <a:gradFill>
-            <a:gsLst>
-              <a:gs pos="23000">
-                <a:schemeClr val="accent1">
-                  <a:alpha val="0"/>
-                </a:schemeClr>
-              </a:gs>
-              <a:gs pos="99000">
-                <a:srgbClr val="000000">
-                  <a:alpha val="74000"/>
-                </a:srgbClr>
-              </a:gs>
-            </a:gsLst>
-            <a:lin ang="20400000" scaled="0"/>
-          </a:gradFill>
-          <a:ln>
-            <a:noFill/>
-          </a:ln>
-        </p:spPr>
-        <p:style>
-          <a:lnRef idx="2">
-            <a:schemeClr val="accent1">
-              <a:shade val="50000"/>
-            </a:schemeClr>
-          </a:lnRef>
-          <a:fillRef idx="1">
-            <a:schemeClr val="accent1"/>
-          </a:fillRef>
-          <a:effectRef idx="0">
-            <a:schemeClr val="accent1"/>
-          </a:effectRef>
-          <a:fontRef idx="minor">
-            <a:schemeClr val="lt1"/>
-          </a:fontRef>
-        </p:style>
-        <p:txBody>
-          <a:bodyPr rtlCol="0" anchor="ctr"/>
-          <a:lstStyle/>
-          <a:p>
-            <a:pPr algn="ctr"/>
-            <a:endParaRPr lang="en-US"/>
-          </a:p>
-        </p:txBody>
-      </p:sp>
-      <p:sp>
-        <p:nvSpPr>
-          <p:cNvPr id="2" name="Titre 1"/>
+          <p:cNvPr id="2" name="Titre 1">
+            <a:extLst>
+              <a:ext uri="{FF2B5EF4-FFF2-40B4-BE49-F238E27FC236}">
+                <a16:creationId xmlns:a16="http://schemas.microsoft.com/office/drawing/2014/main" id="{B1F374A0-0FD8-4544-9ABA-F02843D7B2E7}"/>
+              </a:ext>
+            </a:extLst>
+          </p:cNvPr>
           <p:cNvSpPr>
             <a:spLocks noGrp="1"/>
           </p:cNvSpPr>
@@ -12403,12 +12565,12 @@
         </p:nvSpPr>
         <p:spPr>
           <a:xfrm>
-            <a:off x="1371597" y="348865"/>
-            <a:ext cx="10044023" cy="877729"/>
+            <a:off x="1371598" y="319314"/>
+            <a:ext cx="9477377" cy="1030515"/>
           </a:xfrm>
         </p:spPr>
         <p:txBody>
-          <a:bodyPr anchor="ctr">
+          <a:bodyPr vert="horz" lIns="91440" tIns="45720" rIns="91440" bIns="45720" rtlCol="0" anchor="ctr">
             <a:normAutofit/>
           </a:bodyPr>
           <a:lstStyle/>
@@ -12419,37 +12581,77 @@
                   <a:srgbClr val="FFFFFF"/>
                 </a:solidFill>
               </a:rPr>
-              <a:t>Problématique à résoudre</a:t>
+              <a:t>Comment fonctionne le projet</a:t>
             </a:r>
-            <a:endParaRPr lang="en-US" sz="4000">
-              <a:solidFill>
-                <a:srgbClr val="FFFFFF"/>
-              </a:solidFill>
-            </a:endParaRPr>
-          </a:p>
-        </p:txBody>
-      </p:sp>
-      <p:graphicFrame>
-        <p:nvGraphicFramePr>
-          <p:cNvPr id="5" name="Espace réservé du contenu 2"/>
-          <p:cNvGraphicFramePr>
-            <a:graphicFrameLocks noGrp="1"/>
-          </p:cNvGraphicFramePr>
-          <p:nvPr>
-            <p:ph idx="1"/>
-          </p:nvPr>
-        </p:nvGraphicFramePr>
-        <p:xfrm>
-          <a:off x="644056" y="2112579"/>
-          <a:ext cx="10927829" cy="4192805"/>
-        </p:xfrm>
-        <a:graphic>
-          <a:graphicData uri="http://schemas.openxmlformats.org/drawingml/2006/diagram">
-            <dgm:relIds xmlns:dgm="http://schemas.openxmlformats.org/drawingml/2006/diagram" xmlns:r="http://schemas.openxmlformats.org/officeDocument/2006/relationships" r:dm="rId1" r:lo="rId2" r:qs="rId3" r:cs="rId4"/>
-          </a:graphicData>
-        </a:graphic>
-      </p:graphicFrame>
+          </a:p>
+        </p:txBody>
+      </p:sp>
+      <p:pic>
+        <p:nvPicPr>
+          <p:cNvPr id="7" name="Image 6" descr="Une image contenant texte&#10;&#10;Description générée automatiquement">
+            <a:extLst>
+              <a:ext uri="{FF2B5EF4-FFF2-40B4-BE49-F238E27FC236}">
+                <a16:creationId xmlns:a16="http://schemas.microsoft.com/office/drawing/2014/main" id="{19D64065-DE38-4164-82D6-7FCD3EAE4C43}"/>
+              </a:ext>
+            </a:extLst>
+          </p:cNvPr>
+          <p:cNvPicPr>
+            <a:picLocks noChangeAspect="1"/>
+          </p:cNvPicPr>
+          <p:nvPr/>
+        </p:nvPicPr>
+        <p:blipFill>
+          <a:blip r:embed="rId2"/>
+          <a:stretch>
+            <a:fillRect/>
+          </a:stretch>
+        </p:blipFill>
+        <p:spPr>
+          <a:xfrm>
+            <a:off x="1894586" y="2050595"/>
+            <a:ext cx="4042263" cy="4615381"/>
+          </a:xfrm>
+          <a:prstGeom prst="rect">
+            <a:avLst/>
+          </a:prstGeom>
+        </p:spPr>
+      </p:pic>
+      <p:pic>
+        <p:nvPicPr>
+          <p:cNvPr id="5" name="Espace réservé du contenu 4" descr="Une image contenant texte&#10;&#10;Description générée automatiquement">
+            <a:extLst>
+              <a:ext uri="{FF2B5EF4-FFF2-40B4-BE49-F238E27FC236}">
+                <a16:creationId xmlns:a16="http://schemas.microsoft.com/office/drawing/2014/main" id="{A328A30B-70CF-4EFD-959E-586E2C568830}"/>
+              </a:ext>
+            </a:extLst>
+          </p:cNvPr>
+          <p:cNvPicPr>
+            <a:picLocks noChangeAspect="1"/>
+          </p:cNvPicPr>
+          <p:nvPr/>
+        </p:nvPicPr>
+        <p:blipFill>
+          <a:blip r:embed="rId3"/>
+          <a:stretch>
+            <a:fillRect/>
+          </a:stretch>
+        </p:blipFill>
+        <p:spPr>
+          <a:xfrm>
+            <a:off x="6267670" y="2876774"/>
+            <a:ext cx="5738401" cy="3158266"/>
+          </a:xfrm>
+          <a:prstGeom prst="rect">
+            <a:avLst/>
+          </a:prstGeom>
+        </p:spPr>
+      </p:pic>
     </p:spTree>
+    <p:extLst>
+      <p:ext uri="{BB962C8B-B14F-4D97-AF65-F5344CB8AC3E}">
+        <p14:creationId xmlns:p14="http://schemas.microsoft.com/office/powerpoint/2010/main" val="1324452697"/>
+      </p:ext>
+    </p:extLst>
   </p:cSld>
   <p:clrMapOvr>
     <a:masterClrMapping/>
@@ -12457,7 +12659,7 @@
 </p:sld>
 </file>
 
-<file path=ppt/slides/slide3.xml><?xml version="1.0" encoding="utf-8"?>
+<file path=ppt/slides/slide11.xml><?xml version="1.0" encoding="utf-8"?>
 <p:sld xmlns:a="http://schemas.openxmlformats.org/drawingml/2006/main" xmlns:r="http://schemas.openxmlformats.org/officeDocument/2006/relationships" xmlns:p="http://schemas.openxmlformats.org/presentationml/2006/main">
   <p:cSld>
     <p:bg>
@@ -12484,16 +12686,31 @@
       </p:grpSpPr>
       <p:sp useBgFill="1">
         <p:nvSpPr>
-          <p:cNvPr id="9" name="Rectangle 8"/>
+          <p:cNvPr id="18" name="Rectangle 17">
+            <a:extLst>
+              <a:ext uri="{FF2B5EF4-FFF2-40B4-BE49-F238E27FC236}">
+                <a16:creationId xmlns:a16="http://schemas.microsoft.com/office/drawing/2014/main" id="{C4285719-470E-454C-AF62-8323075F1F5B}"/>
+              </a:ext>
+              <a:ext uri="{C183D7F6-B498-43B3-948B-1728B52AA6E4}">
+                <adec:decorative xmlns:adec="http://schemas.microsoft.com/office/drawing/2017/decorative" val="1"/>
+              </a:ext>
+            </a:extLst>
+          </p:cNvPr>
           <p:cNvSpPr>
             <a:spLocks noGrp="1" noRot="1" noChangeAspect="1" noMove="1" noResize="1" noEditPoints="1" noAdjustHandles="1" noChangeArrowheads="1" noChangeShapeType="1" noTextEdit="1"/>
           </p:cNvSpPr>
-          <p:nvPr/>
+          <p:nvPr>
+            <p:extLst>
+              <p:ext uri="{386F3935-93C4-4BCD-93E2-E3B085C9AB24}">
+                <p16:designElem xmlns:p16="http://schemas.microsoft.com/office/powerpoint/2015/main" val="1"/>
+              </p:ext>
+            </p:extLst>
+          </p:nvPr>
         </p:nvSpPr>
         <p:spPr>
           <a:xfrm>
             <a:off x="0" y="0"/>
-            <a:ext cx="12192000" cy="6858000"/>
+            <a:ext cx="12188952" cy="6858000"/>
           </a:xfrm>
           <a:prstGeom prst="rect">
             <a:avLst/>
@@ -12506,7 +12723,7 @@
           <a:effectLst/>
           <a:extLst>
             <a:ext uri="{91240B29-F687-4F45-9708-019B960494DF}">
-              <a14:hiddenLine xmlns:a14="http://schemas.microsoft.com/office/drawing/2010/main" w="12700">
+              <a14:hiddenLine xmlns:a14="http://schemas.microsoft.com/office/drawing/2010/main" w="12700" cap="flat" cmpd="sng" algn="ctr">
                 <a:solidFill>
                   <a:schemeClr val="accent1">
                     <a:shade val="50000"/>
@@ -12514,8 +12731,6 @@
                 </a:solidFill>
                 <a:prstDash val="solid"/>
                 <a:miter lim="800000"/>
-                <a:headEnd/>
-                <a:tailEnd/>
               </a14:hiddenLine>
             </a:ext>
           </a:extLst>
@@ -12547,510 +12762,26 @@
       </p:sp>
       <p:sp>
         <p:nvSpPr>
-          <p:cNvPr id="11" name="Rectangle 10"/>
+          <p:cNvPr id="20" name="Rectangle 19">
+            <a:extLst>
+              <a:ext uri="{FF2B5EF4-FFF2-40B4-BE49-F238E27FC236}">
+                <a16:creationId xmlns:a16="http://schemas.microsoft.com/office/drawing/2014/main" id="{CD9FE4EF-C4D8-49A0-B2FF-81D8DB7D8A24}"/>
+              </a:ext>
+              <a:ext uri="{C183D7F6-B498-43B3-948B-1728B52AA6E4}">
+                <adec:decorative xmlns:adec="http://schemas.microsoft.com/office/drawing/2017/decorative" val="1"/>
+              </a:ext>
+            </a:extLst>
+          </p:cNvPr>
           <p:cNvSpPr>
             <a:spLocks noGrp="1" noRot="1" noChangeAspect="1" noMove="1" noResize="1" noEditPoints="1" noAdjustHandles="1" noChangeArrowheads="1" noChangeShapeType="1" noTextEdit="1"/>
           </p:cNvSpPr>
-          <p:nvPr/>
-        </p:nvSpPr>
-        <p:spPr>
-          <a:xfrm flipH="1">
-            <a:off x="2" y="0"/>
-            <a:ext cx="12191998" cy="1575955"/>
-          </a:xfrm>
-          <a:prstGeom prst="rect">
-            <a:avLst/>
-          </a:prstGeom>
-          <a:gradFill>
-            <a:gsLst>
-              <a:gs pos="0">
-                <a:srgbClr val="000000">
-                  <a:alpha val="96000"/>
-                </a:srgbClr>
-              </a:gs>
-              <a:gs pos="100000">
-                <a:schemeClr val="accent1">
-                  <a:lumMod val="75000"/>
-                </a:schemeClr>
-              </a:gs>
-            </a:gsLst>
-            <a:lin ang="8400000" scaled="0"/>
-          </a:gradFill>
-          <a:ln>
-            <a:noFill/>
-          </a:ln>
-        </p:spPr>
-        <p:style>
-          <a:lnRef idx="2">
-            <a:schemeClr val="accent1">
-              <a:shade val="50000"/>
-            </a:schemeClr>
-          </a:lnRef>
-          <a:fillRef idx="1">
-            <a:schemeClr val="accent1"/>
-          </a:fillRef>
-          <a:effectRef idx="0">
-            <a:schemeClr val="accent1"/>
-          </a:effectRef>
-          <a:fontRef idx="minor">
-            <a:schemeClr val="lt1"/>
-          </a:fontRef>
-        </p:style>
-        <p:txBody>
-          <a:bodyPr rtlCol="0" anchor="ctr"/>
-          <a:lstStyle/>
-          <a:p>
-            <a:pPr algn="ctr"/>
-            <a:endParaRPr lang="en-US"/>
-          </a:p>
-        </p:txBody>
-      </p:sp>
-      <p:sp>
-        <p:nvSpPr>
-          <p:cNvPr id="13" name="Rectangle 12"/>
-          <p:cNvSpPr>
-            <a:spLocks noGrp="1" noRot="1" noChangeAspect="1" noMove="1" noResize="1" noEditPoints="1" noAdjustHandles="1" noChangeArrowheads="1" noChangeShapeType="1" noTextEdit="1"/>
-          </p:cNvSpPr>
-          <p:nvPr/>
-        </p:nvSpPr>
-        <p:spPr>
-          <a:xfrm rot="10800000" flipH="1">
-            <a:off x="8128857" y="0"/>
-            <a:ext cx="4063143" cy="1576412"/>
-          </a:xfrm>
-          <a:prstGeom prst="rect">
-            <a:avLst/>
-          </a:prstGeom>
-          <a:gradFill>
-            <a:gsLst>
-              <a:gs pos="19000">
-                <a:schemeClr val="accent1">
-                  <a:lumMod val="50000"/>
-                  <a:alpha val="68000"/>
-                </a:schemeClr>
-              </a:gs>
-              <a:gs pos="100000">
-                <a:schemeClr val="accent1">
-                  <a:alpha val="79000"/>
-                </a:schemeClr>
-              </a:gs>
-            </a:gsLst>
-            <a:lin ang="19200000" scaled="0"/>
-          </a:gradFill>
-          <a:ln>
-            <a:noFill/>
-          </a:ln>
-        </p:spPr>
-        <p:style>
-          <a:lnRef idx="2">
-            <a:schemeClr val="accent1">
-              <a:shade val="50000"/>
-            </a:schemeClr>
-          </a:lnRef>
-          <a:fillRef idx="1">
-            <a:schemeClr val="accent1"/>
-          </a:fillRef>
-          <a:effectRef idx="0">
-            <a:schemeClr val="accent1"/>
-          </a:effectRef>
-          <a:fontRef idx="minor">
-            <a:schemeClr val="lt1"/>
-          </a:fontRef>
-        </p:style>
-        <p:txBody>
-          <a:bodyPr rtlCol="0" anchor="ctr"/>
-          <a:lstStyle/>
-          <a:p>
-            <a:pPr algn="ctr"/>
-            <a:endParaRPr lang="en-US"/>
-          </a:p>
-        </p:txBody>
-      </p:sp>
-      <p:sp>
-        <p:nvSpPr>
-          <p:cNvPr id="15" name="Rectangle 14"/>
-          <p:cNvSpPr>
-            <a:spLocks noGrp="1" noRot="1" noChangeAspect="1" noMove="1" noResize="1" noEditPoints="1" noAdjustHandles="1" noChangeArrowheads="1" noChangeShapeType="1" noTextEdit="1"/>
-          </p:cNvSpPr>
-          <p:nvPr/>
-        </p:nvSpPr>
-        <p:spPr>
-          <a:xfrm rot="5400000">
-            <a:off x="5307777" y="-5307778"/>
-            <a:ext cx="1576446" cy="12192002"/>
-          </a:xfrm>
-          <a:prstGeom prst="rect">
-            <a:avLst/>
-          </a:prstGeom>
-          <a:gradFill>
-            <a:gsLst>
-              <a:gs pos="23000">
-                <a:schemeClr val="accent1">
-                  <a:alpha val="0"/>
-                </a:schemeClr>
-              </a:gs>
-              <a:gs pos="99000">
-                <a:srgbClr val="000000">
-                  <a:alpha val="74000"/>
-                </a:srgbClr>
-              </a:gs>
-            </a:gsLst>
-            <a:lin ang="20400000" scaled="0"/>
-          </a:gradFill>
-          <a:ln>
-            <a:noFill/>
-          </a:ln>
-        </p:spPr>
-        <p:style>
-          <a:lnRef idx="2">
-            <a:schemeClr val="accent1">
-              <a:shade val="50000"/>
-            </a:schemeClr>
-          </a:lnRef>
-          <a:fillRef idx="1">
-            <a:schemeClr val="accent1"/>
-          </a:fillRef>
-          <a:effectRef idx="0">
-            <a:schemeClr val="accent1"/>
-          </a:effectRef>
-          <a:fontRef idx="minor">
-            <a:schemeClr val="lt1"/>
-          </a:fontRef>
-        </p:style>
-        <p:txBody>
-          <a:bodyPr rtlCol="0" anchor="ctr"/>
-          <a:lstStyle/>
-          <a:p>
-            <a:pPr algn="ctr"/>
-            <a:endParaRPr lang="en-US"/>
-          </a:p>
-        </p:txBody>
-      </p:sp>
-      <p:sp>
-        <p:nvSpPr>
-          <p:cNvPr id="2" name="Titre 1"/>
-          <p:cNvSpPr>
-            <a:spLocks noGrp="1"/>
-          </p:cNvSpPr>
           <p:nvPr>
-            <p:ph type="title"/>
+            <p:extLst>
+              <p:ext uri="{386F3935-93C4-4BCD-93E2-E3B085C9AB24}">
+                <p16:designElem xmlns:p16="http://schemas.microsoft.com/office/powerpoint/2015/main" val="1"/>
+              </p:ext>
+            </p:extLst>
           </p:nvPr>
-        </p:nvSpPr>
-        <p:spPr>
-          <a:xfrm>
-            <a:off x="1371597" y="348865"/>
-            <a:ext cx="10044023" cy="877729"/>
-          </a:xfrm>
-        </p:spPr>
-        <p:txBody>
-          <a:bodyPr anchor="ctr">
-            <a:normAutofit/>
-          </a:bodyPr>
-          <a:lstStyle/>
-          <a:p>
-            <a:r>
-              <a:rPr lang="fr-FR" altLang="en-US" sz="4000">
-                <a:solidFill>
-                  <a:srgbClr val="FFFFFF"/>
-                </a:solidFill>
-              </a:rPr>
-              <a:t>Notre reflexion</a:t>
-            </a:r>
-            <a:endParaRPr lang="fr-FR" altLang="en-US" sz="4000">
-              <a:solidFill>
-                <a:srgbClr val="FFFFFF"/>
-              </a:solidFill>
-            </a:endParaRPr>
-          </a:p>
-        </p:txBody>
-      </p:sp>
-      <p:sp>
-        <p:nvSpPr>
-          <p:cNvPr id="3" name="Espace réservé du contenu 2"/>
-          <p:cNvSpPr/>
-          <p:nvPr>
-            <p:ph idx="1"/>
-          </p:nvPr>
-        </p:nvSpPr>
-        <p:spPr/>
-        <p:txBody>
-          <a:bodyPr>
-            <a:normAutofit fontScale="90000" lnSpcReduction="20000"/>
-          </a:bodyPr>
-          <a:p>
-            <a:pPr marL="0" indent="0">
-              <a:buNone/>
-            </a:pPr>
-            <a:r>
-              <a:rPr lang="fr-FR" altLang="en-US"/>
-              <a:t>Qu’est ce qu’une requète SQL ?</a:t>
-            </a:r>
-            <a:endParaRPr lang="fr-FR" altLang="en-US"/>
-          </a:p>
-          <a:p>
-            <a:pPr marL="0" indent="0">
-              <a:buNone/>
-            </a:pPr>
-            <a:r>
-              <a:rPr lang="fr-FR" altLang="en-US"/>
-              <a:t>	CREATE, INSERT, UPDATE, DROP, SELECT</a:t>
-            </a:r>
-            <a:br>
-              <a:rPr lang="fr-FR" altLang="en-US"/>
-            </a:br>
-            <a:br>
-              <a:rPr lang="fr-FR" altLang="en-US"/>
-            </a:br>
-            <a:r>
-              <a:rPr lang="fr-FR" altLang="en-US"/>
-              <a:t>Qu’est-ce qu’une requète SELECT ?</a:t>
-            </a:r>
-            <a:endParaRPr lang="fr-FR" altLang="en-US"/>
-          </a:p>
-          <a:p>
-            <a:pPr marL="0" indent="0">
-              <a:buNone/>
-            </a:pPr>
-            <a:r>
-              <a:rPr lang="fr-FR" altLang="en-US"/>
-              <a:t>	FROM, WHERE, GROUP BY, ORDER BY</a:t>
-            </a:r>
-            <a:endParaRPr lang="fr-FR" altLang="en-US"/>
-          </a:p>
-          <a:p>
-            <a:pPr marL="0" indent="0">
-              <a:buNone/>
-            </a:pPr>
-            <a:endParaRPr lang="fr-FR" altLang="en-US"/>
-          </a:p>
-          <a:p>
-            <a:pPr marL="0" indent="0">
-              <a:buNone/>
-            </a:pPr>
-            <a:r>
-              <a:rPr lang="fr-FR" altLang="en-US"/>
-              <a:t>Qu’est-ce que FROM ?</a:t>
-            </a:r>
-            <a:endParaRPr lang="fr-FR" altLang="en-US"/>
-          </a:p>
-          <a:p>
-            <a:pPr marL="0" indent="0">
-              <a:buNone/>
-            </a:pPr>
-            <a:r>
-              <a:rPr lang="fr-FR" altLang="en-US"/>
-              <a:t>	Une liste de tables jointes</a:t>
-            </a:r>
-            <a:endParaRPr lang="fr-FR" altLang="en-US"/>
-          </a:p>
-          <a:p>
-            <a:pPr marL="0" indent="0">
-              <a:buNone/>
-            </a:pPr>
-            <a:endParaRPr lang="fr-FR" altLang="en-US"/>
-          </a:p>
-          <a:p>
-            <a:pPr marL="0" indent="0">
-              <a:buNone/>
-            </a:pPr>
-            <a:r>
-              <a:rPr lang="fr-FR" altLang="en-US"/>
-              <a:t>Nous nous faisons donc une idée rapide de comment implémenter notre librairie</a:t>
-            </a:r>
-            <a:endParaRPr lang="fr-FR" altLang="en-US"/>
-          </a:p>
-        </p:txBody>
-      </p:sp>
-      <p:pic>
-        <p:nvPicPr>
-          <p:cNvPr id="4" name="Image 3" descr="sql-300x300"/>
-          <p:cNvPicPr>
-            <a:picLocks noChangeAspect="1"/>
-          </p:cNvPicPr>
-          <p:nvPr/>
-        </p:nvPicPr>
-        <p:blipFill>
-          <a:blip r:embed="rId1"/>
-          <a:stretch>
-            <a:fillRect/>
-          </a:stretch>
-        </p:blipFill>
-        <p:spPr>
-          <a:xfrm>
-            <a:off x="8731250" y="1825625"/>
-            <a:ext cx="2622550" cy="2622550"/>
-          </a:xfrm>
-          <a:prstGeom prst="rect">
-            <a:avLst/>
-          </a:prstGeom>
-        </p:spPr>
-      </p:pic>
-    </p:spTree>
-  </p:cSld>
-  <p:clrMapOvr>
-    <a:masterClrMapping/>
-  </p:clrMapOvr>
-</p:sld>
-</file>
-
-<file path=ppt/slides/slide4.xml><?xml version="1.0" encoding="utf-8"?>
-<p:sld xmlns:a="http://schemas.openxmlformats.org/drawingml/2006/main" xmlns:r="http://schemas.openxmlformats.org/officeDocument/2006/relationships" xmlns:p="http://schemas.openxmlformats.org/presentationml/2006/main">
-  <p:cSld>
-    <p:bg>
-      <p:bgPr>
-        <a:solidFill>
-          <a:schemeClr val="bg1"/>
-        </a:solidFill>
-        <a:effectLst/>
-      </p:bgPr>
-    </p:bg>
-    <p:spTree>
-      <p:nvGrpSpPr>
-        <p:cNvPr id="1" name=""/>
-        <p:cNvGrpSpPr/>
-        <p:nvPr/>
-      </p:nvGrpSpPr>
-      <p:grpSpPr>
-        <a:xfrm>
-          <a:off x="0" y="0"/>
-          <a:ext cx="0" cy="0"/>
-          <a:chOff x="0" y="0"/>
-          <a:chExt cx="0" cy="0"/>
-        </a:xfrm>
-      </p:grpSpPr>
-      <p:sp useBgFill="1">
-        <p:nvSpPr>
-          <p:cNvPr id="28" name="Rectangle 7"/>
-          <p:cNvSpPr>
-            <a:spLocks noGrp="1" noRot="1" noChangeAspect="1" noMove="1" noResize="1" noEditPoints="1" noAdjustHandles="1" noChangeArrowheads="1" noChangeShapeType="1" noTextEdit="1"/>
-          </p:cNvSpPr>
-          <p:nvPr/>
-        </p:nvSpPr>
-        <p:spPr>
-          <a:xfrm>
-            <a:off x="0" y="0"/>
-            <a:ext cx="12192000" cy="6858000"/>
-          </a:xfrm>
-          <a:prstGeom prst="rect">
-            <a:avLst/>
-          </a:prstGeom>
-          <a:ln w="12700" cap="flat" cmpd="sng" algn="ctr">
-            <a:noFill/>
-            <a:prstDash val="solid"/>
-            <a:miter lim="800000"/>
-          </a:ln>
-          <a:effectLst/>
-          <a:extLst>
-            <a:ext uri="{91240B29-F687-4F45-9708-019B960494DF}">
-              <a14:hiddenLine xmlns:a14="http://schemas.microsoft.com/office/drawing/2010/main" w="12700">
-                <a:solidFill>
-                  <a:schemeClr val="accent1">
-                    <a:shade val="50000"/>
-                  </a:schemeClr>
-                </a:solidFill>
-                <a:prstDash val="solid"/>
-                <a:miter lim="800000"/>
-                <a:headEnd/>
-                <a:tailEnd/>
-              </a14:hiddenLine>
-            </a:ext>
-          </a:extLst>
-        </p:spPr>
-        <p:style>
-          <a:lnRef idx="2">
-            <a:schemeClr val="accent1">
-              <a:shade val="50000"/>
-            </a:schemeClr>
-          </a:lnRef>
-          <a:fillRef idx="1">
-            <a:schemeClr val="accent1"/>
-          </a:fillRef>
-          <a:effectRef idx="0">
-            <a:schemeClr val="accent1"/>
-          </a:effectRef>
-          <a:fontRef idx="minor">
-            <a:schemeClr val="lt1"/>
-          </a:fontRef>
-        </p:style>
-        <p:txBody>
-          <a:bodyPr rtlCol="0" anchor="ctr"/>
-          <a:lstStyle/>
-          <a:p>
-            <a:pPr algn="ctr"/>
-            <a:endParaRPr lang="en-US"/>
-          </a:p>
-        </p:txBody>
-      </p:sp>
-      <p:sp useBgFill="1">
-        <p:nvSpPr>
-          <p:cNvPr id="29" name="Rectangle 9"/>
-          <p:cNvSpPr>
-            <a:spLocks noGrp="1" noRot="1" noChangeAspect="1" noMove="1" noResize="1" noEditPoints="1" noAdjustHandles="1" noChangeArrowheads="1" noChangeShapeType="1" noTextEdit="1"/>
-          </p:cNvSpPr>
-          <p:nvPr/>
-        </p:nvSpPr>
-        <p:spPr>
-          <a:xfrm>
-            <a:off x="0" y="0"/>
-            <a:ext cx="12188952" cy="6858000"/>
-          </a:xfrm>
-          <a:prstGeom prst="rect">
-            <a:avLst/>
-          </a:prstGeom>
-          <a:ln w="12700" cap="flat" cmpd="sng" algn="ctr">
-            <a:noFill/>
-            <a:prstDash val="solid"/>
-            <a:miter lim="800000"/>
-          </a:ln>
-          <a:effectLst/>
-          <a:extLst>
-            <a:ext uri="{91240B29-F687-4F45-9708-019B960494DF}">
-              <a14:hiddenLine xmlns:a14="http://schemas.microsoft.com/office/drawing/2010/main" w="12700">
-                <a:solidFill>
-                  <a:schemeClr val="accent1">
-                    <a:shade val="50000"/>
-                  </a:schemeClr>
-                </a:solidFill>
-                <a:prstDash val="solid"/>
-                <a:miter lim="800000"/>
-                <a:headEnd/>
-                <a:tailEnd/>
-              </a14:hiddenLine>
-            </a:ext>
-          </a:extLst>
-        </p:spPr>
-        <p:style>
-          <a:lnRef idx="2">
-            <a:schemeClr val="accent1">
-              <a:shade val="50000"/>
-            </a:schemeClr>
-          </a:lnRef>
-          <a:fillRef idx="1">
-            <a:schemeClr val="accent1"/>
-          </a:fillRef>
-          <a:effectRef idx="0">
-            <a:schemeClr val="accent1"/>
-          </a:effectRef>
-          <a:fontRef idx="minor">
-            <a:schemeClr val="lt1"/>
-          </a:fontRef>
-        </p:style>
-        <p:txBody>
-          <a:bodyPr rtlCol="0" anchor="ctr"/>
-          <a:lstStyle/>
-          <a:p>
-            <a:pPr algn="ctr"/>
-            <a:endParaRPr lang="en-US"/>
-          </a:p>
-        </p:txBody>
-      </p:sp>
-      <p:sp>
-        <p:nvSpPr>
-          <p:cNvPr id="30" name="Rectangle 11"/>
-          <p:cNvSpPr>
-            <a:spLocks noGrp="1" noRot="1" noChangeAspect="1" noMove="1" noResize="1" noEditPoints="1" noAdjustHandles="1" noChangeArrowheads="1" noChangeShapeType="1" noTextEdit="1"/>
-          </p:cNvSpPr>
-          <p:nvPr/>
         </p:nvSpPr>
         <p:spPr>
           <a:xfrm rot="5400000" flipH="1">
@@ -13104,11 +12835,26 @@
       </p:sp>
       <p:sp>
         <p:nvSpPr>
-          <p:cNvPr id="31" name="Rectangle 13"/>
+          <p:cNvPr id="22" name="Rectangle 21">
+            <a:extLst>
+              <a:ext uri="{FF2B5EF4-FFF2-40B4-BE49-F238E27FC236}">
+                <a16:creationId xmlns:a16="http://schemas.microsoft.com/office/drawing/2014/main" id="{4300840D-0A0B-4512-BACA-B439D5B9C57C}"/>
+              </a:ext>
+              <a:ext uri="{C183D7F6-B498-43B3-948B-1728B52AA6E4}">
+                <adec:decorative xmlns:adec="http://schemas.microsoft.com/office/drawing/2017/decorative" val="1"/>
+              </a:ext>
+            </a:extLst>
+          </p:cNvPr>
           <p:cNvSpPr>
             <a:spLocks noGrp="1" noRot="1" noChangeAspect="1" noMove="1" noResize="1" noEditPoints="1" noAdjustHandles="1" noChangeArrowheads="1" noChangeShapeType="1" noTextEdit="1"/>
           </p:cNvSpPr>
-          <p:nvPr/>
+          <p:nvPr>
+            <p:extLst>
+              <p:ext uri="{386F3935-93C4-4BCD-93E2-E3B085C9AB24}">
+                <p16:designElem xmlns:p16="http://schemas.microsoft.com/office/powerpoint/2015/main" val="1"/>
+              </p:ext>
+            </p:extLst>
+          </p:nvPr>
         </p:nvSpPr>
         <p:spPr>
           <a:xfrm rot="5400000" flipH="1">
@@ -13164,11 +12910,26 @@
       </p:sp>
       <p:sp>
         <p:nvSpPr>
-          <p:cNvPr id="32" name="Rectangle 15"/>
+          <p:cNvPr id="24" name="Rectangle 23">
+            <a:extLst>
+              <a:ext uri="{FF2B5EF4-FFF2-40B4-BE49-F238E27FC236}">
+                <a16:creationId xmlns:a16="http://schemas.microsoft.com/office/drawing/2014/main" id="{D2B78728-A580-49A7-84F9-6EF6F583ADE0}"/>
+              </a:ext>
+              <a:ext uri="{C183D7F6-B498-43B3-948B-1728B52AA6E4}">
+                <adec:decorative xmlns:adec="http://schemas.microsoft.com/office/drawing/2017/decorative" val="1"/>
+              </a:ext>
+            </a:extLst>
+          </p:cNvPr>
           <p:cNvSpPr>
             <a:spLocks noGrp="1" noRot="1" noChangeAspect="1" noMove="1" noResize="1" noEditPoints="1" noAdjustHandles="1" noChangeArrowheads="1" noChangeShapeType="1" noTextEdit="1"/>
           </p:cNvSpPr>
-          <p:nvPr/>
+          <p:nvPr>
+            <p:extLst>
+              <p:ext uri="{386F3935-93C4-4BCD-93E2-E3B085C9AB24}">
+                <p16:designElem xmlns:p16="http://schemas.microsoft.com/office/powerpoint/2015/main" val="1"/>
+              </p:ext>
+            </p:extLst>
+          </p:nvPr>
         </p:nvSpPr>
         <p:spPr>
           <a:xfrm rot="5400000" flipH="1">
@@ -13218,17 +12979,32 @@
           <a:lstStyle/>
           <a:p>
             <a:pPr algn="ctr"/>
-            <a:endParaRPr lang="en-US"/>
+            <a:endParaRPr lang="en-US" dirty="0"/>
           </a:p>
         </p:txBody>
       </p:sp>
       <p:sp>
         <p:nvSpPr>
-          <p:cNvPr id="33" name="Freeform: Shape 17"/>
+          <p:cNvPr id="26" name="Freeform: Shape 25">
+            <a:extLst>
+              <a:ext uri="{FF2B5EF4-FFF2-40B4-BE49-F238E27FC236}">
+                <a16:creationId xmlns:a16="http://schemas.microsoft.com/office/drawing/2014/main" id="{38FAA1A1-D861-433F-88FA-1E9D6FD31D11}"/>
+              </a:ext>
+              <a:ext uri="{C183D7F6-B498-43B3-948B-1728B52AA6E4}">
+                <adec:decorative xmlns:adec="http://schemas.microsoft.com/office/drawing/2017/decorative" val="1"/>
+              </a:ext>
+            </a:extLst>
+          </p:cNvPr>
           <p:cNvSpPr>
             <a:spLocks noGrp="1" noRot="1" noChangeAspect="1" noMove="1" noResize="1" noEditPoints="1" noAdjustHandles="1" noChangeArrowheads="1" noChangeShapeType="1" noTextEdit="1"/>
           </p:cNvSpPr>
-          <p:nvPr/>
+          <p:nvPr>
+            <p:extLst>
+              <p:ext uri="{386F3935-93C4-4BCD-93E2-E3B085C9AB24}">
+                <p16:designElem xmlns:p16="http://schemas.microsoft.com/office/powerpoint/2015/main" val="1"/>
+              </p:ext>
+            </p:extLst>
+          </p:nvPr>
         </p:nvSpPr>
         <p:spPr>
           <a:xfrm rot="20635413">
@@ -13373,17 +13149,32 @@
           <a:lstStyle/>
           <a:p>
             <a:pPr algn="ctr"/>
-            <a:endParaRPr lang="en-US"/>
+            <a:endParaRPr lang="en-US" dirty="0"/>
           </a:p>
         </p:txBody>
       </p:sp>
       <p:sp>
         <p:nvSpPr>
-          <p:cNvPr id="34" name="Rectangle 19"/>
+          <p:cNvPr id="28" name="Rectangle 27">
+            <a:extLst>
+              <a:ext uri="{FF2B5EF4-FFF2-40B4-BE49-F238E27FC236}">
+                <a16:creationId xmlns:a16="http://schemas.microsoft.com/office/drawing/2014/main" id="{8D71EDA1-87BF-4D5D-AB79-F346FD19278A}"/>
+              </a:ext>
+              <a:ext uri="{C183D7F6-B498-43B3-948B-1728B52AA6E4}">
+                <adec:decorative xmlns:adec="http://schemas.microsoft.com/office/drawing/2017/decorative" val="1"/>
+              </a:ext>
+            </a:extLst>
+          </p:cNvPr>
           <p:cNvSpPr>
             <a:spLocks noGrp="1" noRot="1" noChangeAspect="1" noMove="1" noResize="1" noEditPoints="1" noAdjustHandles="1" noChangeArrowheads="1" noChangeShapeType="1" noTextEdit="1"/>
           </p:cNvSpPr>
-          <p:nvPr/>
+          <p:nvPr>
+            <p:extLst>
+              <p:ext uri="{386F3935-93C4-4BCD-93E2-E3B085C9AB24}">
+                <p16:designElem xmlns:p16="http://schemas.microsoft.com/office/powerpoint/2015/main" val="1"/>
+              </p:ext>
+            </p:extLst>
+          </p:nvPr>
         </p:nvSpPr>
         <p:spPr>
           <a:xfrm rot="5400000" flipH="1">
@@ -13441,7 +13232,13 @@
       </p:sp>
       <p:sp>
         <p:nvSpPr>
-          <p:cNvPr id="2" name="Titre 1"/>
+          <p:cNvPr id="2" name="Titre 1">
+            <a:extLst>
+              <a:ext uri="{FF2B5EF4-FFF2-40B4-BE49-F238E27FC236}">
+                <a16:creationId xmlns:a16="http://schemas.microsoft.com/office/drawing/2014/main" id="{56AFC84C-42D5-4587-A77A-F8839401EDF9}"/>
+              </a:ext>
+            </a:extLst>
+          </p:cNvPr>
           <p:cNvSpPr>
             <a:spLocks noGrp="1"/>
           </p:cNvSpPr>
@@ -13456,84 +13253,140 @@
           </a:xfrm>
         </p:spPr>
         <p:txBody>
-          <a:bodyPr anchor="b">
+          <a:bodyPr vert="horz" lIns="91440" tIns="45720" rIns="91440" bIns="45720" rtlCol="0" anchor="b">
             <a:normAutofit/>
           </a:bodyPr>
           <a:lstStyle/>
           <a:p>
             <a:pPr algn="r"/>
             <a:r>
-              <a:rPr lang="fr-CA" sz="3700">
+              <a:rPr lang="en-US" sz="4000" kern="1200">
                 <a:solidFill>
                   <a:srgbClr val="FFFFFF"/>
                 </a:solidFill>
+                <a:latin typeface="+mj-lt"/>
+                <a:ea typeface="+mj-ea"/>
+                <a:cs typeface="+mj-cs"/>
               </a:rPr>
-              <a:t>Fonctionnalités pertinentes à implémenter</a:t>
+              <a:t>Comment fonctionne le projet</a:t>
             </a:r>
-            <a:endParaRPr lang="en-US" sz="3700">
-              <a:solidFill>
-                <a:srgbClr val="FFFFFF"/>
-              </a:solidFill>
-            </a:endParaRPr>
           </a:p>
         </p:txBody>
       </p:sp>
       <p:sp>
         <p:nvSpPr>
-          <p:cNvPr id="3" name="Espace réservé du contenu 2"/>
+          <p:cNvPr id="3" name="Espace réservé du contenu 2">
+            <a:extLst>
+              <a:ext uri="{FF2B5EF4-FFF2-40B4-BE49-F238E27FC236}">
+                <a16:creationId xmlns:a16="http://schemas.microsoft.com/office/drawing/2014/main" id="{1CC00FF5-38D8-41DC-B808-6DCF65098125}"/>
+              </a:ext>
+            </a:extLst>
+          </p:cNvPr>
           <p:cNvSpPr>
             <a:spLocks noGrp="1"/>
           </p:cNvSpPr>
           <p:nvPr>
-            <p:ph idx="1"/>
+            <p:ph sz="half" idx="1"/>
           </p:nvPr>
         </p:nvSpPr>
         <p:spPr>
           <a:xfrm>
-            <a:off x="4810259" y="649480"/>
-            <a:ext cx="6555347" cy="5546047"/>
+            <a:off x="4581727" y="649480"/>
+            <a:ext cx="3025303" cy="5546047"/>
           </a:xfrm>
         </p:spPr>
         <p:txBody>
-          <a:bodyPr anchor="ctr">
+          <a:bodyPr vert="horz" lIns="91440" tIns="45720" rIns="91440" bIns="45720" rtlCol="0" anchor="ctr">
             <a:normAutofit/>
           </a:bodyPr>
           <a:lstStyle/>
           <a:p>
             <a:r>
-              <a:rPr lang="fr-CA" sz="2000"/>
-              <a:t>Créateur de table SQL (Création d’une table SQL en objet JAVA)</a:t>
+              <a:rPr lang="en-US" sz="2000" dirty="0"/>
+              <a:t>DROP: add table or database</a:t>
             </a:r>
-            <a:endParaRPr lang="fr-CA" sz="2000"/>
           </a:p>
           <a:p>
             <a:r>
-              <a:rPr lang="fr-CA" sz="2000"/>
-              <a:t>Créateur de BD (Création d’une base de données SQL en JAVA possédant des tables)</a:t>
+              <a:rPr lang="en-US" sz="2000" dirty="0"/>
+              <a:t>SELECT: from, where, group by, order by, select ( unique/distinct)</a:t>
             </a:r>
-            <a:endParaRPr lang="fr-CA" sz="2000">
-              <a:cs typeface="Calibri" panose="020F0502020204030204"/>
-            </a:endParaRPr>
           </a:p>
           <a:p>
             <a:r>
-              <a:rPr lang="fr-CA" sz="2000"/>
-              <a:t>Création d’une classe mère et centrale QUERY regroupant les demandes de base SQL ( les enfants seront les points suivants ) </a:t>
+              <a:rPr lang="en-US" sz="2000" dirty="0"/>
+              <a:t>DELETE : from, where</a:t>
             </a:r>
-            <a:endParaRPr lang="fr-CA" sz="2000"/>
           </a:p>
           <a:p>
             <a:r>
-              <a:rPr lang="fr-CA" sz="2000"/>
-              <a:t>Création d’un constructeur SQL pour appeler toutes les commandes facilement</a:t>
+              <a:rPr lang="en-US" sz="2000" dirty="0"/>
+              <a:t>UPDATE: where, from</a:t>
             </a:r>
-            <a:endParaRPr lang="fr-CA" sz="2000">
-              <a:cs typeface="Calibri" panose="020F0502020204030204"/>
-            </a:endParaRPr>
-          </a:p>
-        </p:txBody>
-      </p:sp>
+          </a:p>
+          <a:p>
+            <a:r>
+              <a:rPr lang="en-US" sz="2000" dirty="0"/>
+              <a:t>INSERT: into, values</a:t>
+            </a:r>
+          </a:p>
+          <a:p>
+            <a:r>
+              <a:rPr lang="en-US" sz="2000" dirty="0"/>
+              <a:t>CREATE: database / table + columns</a:t>
+            </a:r>
+          </a:p>
+          <a:p>
+            <a:r>
+              <a:rPr lang="en-US" sz="2000" dirty="0"/>
+              <a:t>AUTRES …</a:t>
+            </a:r>
+          </a:p>
+        </p:txBody>
+      </p:sp>
+      <p:pic>
+        <p:nvPicPr>
+          <p:cNvPr id="6" name="Espace réservé du contenu 5" descr="Une image contenant texte&#10;&#10;Description générée automatiquement">
+            <a:extLst>
+              <a:ext uri="{FF2B5EF4-FFF2-40B4-BE49-F238E27FC236}">
+                <a16:creationId xmlns:a16="http://schemas.microsoft.com/office/drawing/2014/main" id="{311436A0-4370-4944-8AD4-3930F8B669E9}"/>
+              </a:ext>
+            </a:extLst>
+          </p:cNvPr>
+          <p:cNvPicPr>
+            <a:picLocks noGrp="1" noChangeAspect="1"/>
+          </p:cNvPicPr>
+          <p:nvPr>
+            <p:ph sz="half" idx="2"/>
+          </p:nvPr>
+        </p:nvPicPr>
+        <p:blipFill rotWithShape="1">
+          <a:blip r:embed="rId2">
+            <a:extLst>
+              <a:ext uri="{28A0092B-C50C-407E-A947-70E740481C1C}">
+                <a14:useLocalDpi xmlns:a14="http://schemas.microsoft.com/office/drawing/2010/main" val="0"/>
+              </a:ext>
+            </a:extLst>
+          </a:blip>
+          <a:srcRect r="25166" b="-1"/>
+          <a:stretch/>
+        </p:blipFill>
+        <p:spPr>
+          <a:xfrm>
+            <a:off x="8109502" y="2373843"/>
+            <a:ext cx="3615776" cy="2122192"/>
+          </a:xfrm>
+          <a:prstGeom prst="rect">
+            <a:avLst/>
+          </a:prstGeom>
+        </p:spPr>
+      </p:pic>
     </p:spTree>
+    <p:extLst>
+      <p:ext uri="{BB962C8B-B14F-4D97-AF65-F5344CB8AC3E}">
+        <p14:creationId xmlns:p14="http://schemas.microsoft.com/office/powerpoint/2010/main" val="2476872320"/>
+      </p:ext>
+    </p:extLst>
   </p:cSld>
   <p:clrMapOvr>
     <a:masterClrMapping/>
@@ -13541,7 +13394,7 @@
 </p:sld>
 </file>
 
-<file path=ppt/slides/slide5.xml><?xml version="1.0" encoding="utf-8"?>
+<file path=ppt/slides/slide2.xml><?xml version="1.0" encoding="utf-8"?>
 <p:sld xmlns:a="http://schemas.openxmlformats.org/drawingml/2006/main" xmlns:r="http://schemas.openxmlformats.org/officeDocument/2006/relationships" xmlns:p="http://schemas.openxmlformats.org/presentationml/2006/main">
   <p:cSld>
     <p:bg>
@@ -13568,7 +13421,7 @@
       </p:grpSpPr>
       <p:sp useBgFill="1">
         <p:nvSpPr>
-          <p:cNvPr id="8" name="Rectangle 7"/>
+          <p:cNvPr id="9" name="Rectangle 8"/>
           <p:cNvSpPr>
             <a:spLocks noGrp="1" noRot="1" noChangeAspect="1" noMove="1" noResize="1" noEditPoints="1" noAdjustHandles="1" noChangeArrowheads="1" noChangeShapeType="1" noTextEdit="1"/>
           </p:cNvSpPr>
@@ -13629,9 +13482,772 @@
           </a:p>
         </p:txBody>
       </p:sp>
+      <p:sp>
+        <p:nvSpPr>
+          <p:cNvPr id="11" name="Rectangle 10"/>
+          <p:cNvSpPr>
+            <a:spLocks noGrp="1" noRot="1" noChangeAspect="1" noMove="1" noResize="1" noEditPoints="1" noAdjustHandles="1" noChangeArrowheads="1" noChangeShapeType="1" noTextEdit="1"/>
+          </p:cNvSpPr>
+          <p:nvPr/>
+        </p:nvSpPr>
+        <p:spPr>
+          <a:xfrm flipH="1">
+            <a:off x="2" y="0"/>
+            <a:ext cx="12191998" cy="1575955"/>
+          </a:xfrm>
+          <a:prstGeom prst="rect">
+            <a:avLst/>
+          </a:prstGeom>
+          <a:gradFill>
+            <a:gsLst>
+              <a:gs pos="0">
+                <a:srgbClr val="000000">
+                  <a:alpha val="96000"/>
+                </a:srgbClr>
+              </a:gs>
+              <a:gs pos="100000">
+                <a:schemeClr val="accent1">
+                  <a:lumMod val="75000"/>
+                </a:schemeClr>
+              </a:gs>
+            </a:gsLst>
+            <a:lin ang="8400000" scaled="0"/>
+          </a:gradFill>
+          <a:ln>
+            <a:noFill/>
+          </a:ln>
+        </p:spPr>
+        <p:style>
+          <a:lnRef idx="2">
+            <a:schemeClr val="accent1">
+              <a:shade val="50000"/>
+            </a:schemeClr>
+          </a:lnRef>
+          <a:fillRef idx="1">
+            <a:schemeClr val="accent1"/>
+          </a:fillRef>
+          <a:effectRef idx="0">
+            <a:schemeClr val="accent1"/>
+          </a:effectRef>
+          <a:fontRef idx="minor">
+            <a:schemeClr val="lt1"/>
+          </a:fontRef>
+        </p:style>
+        <p:txBody>
+          <a:bodyPr rtlCol="0" anchor="ctr"/>
+          <a:lstStyle/>
+          <a:p>
+            <a:pPr algn="ctr"/>
+            <a:endParaRPr lang="en-US"/>
+          </a:p>
+        </p:txBody>
+      </p:sp>
+      <p:sp>
+        <p:nvSpPr>
+          <p:cNvPr id="13" name="Rectangle 12"/>
+          <p:cNvSpPr>
+            <a:spLocks noGrp="1" noRot="1" noChangeAspect="1" noMove="1" noResize="1" noEditPoints="1" noAdjustHandles="1" noChangeArrowheads="1" noChangeShapeType="1" noTextEdit="1"/>
+          </p:cNvSpPr>
+          <p:nvPr/>
+        </p:nvSpPr>
+        <p:spPr>
+          <a:xfrm rot="10800000" flipH="1">
+            <a:off x="8128857" y="0"/>
+            <a:ext cx="4063143" cy="1576412"/>
+          </a:xfrm>
+          <a:prstGeom prst="rect">
+            <a:avLst/>
+          </a:prstGeom>
+          <a:gradFill>
+            <a:gsLst>
+              <a:gs pos="19000">
+                <a:schemeClr val="accent1">
+                  <a:lumMod val="50000"/>
+                  <a:alpha val="68000"/>
+                </a:schemeClr>
+              </a:gs>
+              <a:gs pos="100000">
+                <a:schemeClr val="accent1">
+                  <a:alpha val="79000"/>
+                </a:schemeClr>
+              </a:gs>
+            </a:gsLst>
+            <a:lin ang="19200000" scaled="0"/>
+          </a:gradFill>
+          <a:ln>
+            <a:noFill/>
+          </a:ln>
+        </p:spPr>
+        <p:style>
+          <a:lnRef idx="2">
+            <a:schemeClr val="accent1">
+              <a:shade val="50000"/>
+            </a:schemeClr>
+          </a:lnRef>
+          <a:fillRef idx="1">
+            <a:schemeClr val="accent1"/>
+          </a:fillRef>
+          <a:effectRef idx="0">
+            <a:schemeClr val="accent1"/>
+          </a:effectRef>
+          <a:fontRef idx="minor">
+            <a:schemeClr val="lt1"/>
+          </a:fontRef>
+        </p:style>
+        <p:txBody>
+          <a:bodyPr rtlCol="0" anchor="ctr"/>
+          <a:lstStyle/>
+          <a:p>
+            <a:pPr algn="ctr"/>
+            <a:endParaRPr lang="en-US"/>
+          </a:p>
+        </p:txBody>
+      </p:sp>
+      <p:sp>
+        <p:nvSpPr>
+          <p:cNvPr id="15" name="Rectangle 14"/>
+          <p:cNvSpPr>
+            <a:spLocks noGrp="1" noRot="1" noChangeAspect="1" noMove="1" noResize="1" noEditPoints="1" noAdjustHandles="1" noChangeArrowheads="1" noChangeShapeType="1" noTextEdit="1"/>
+          </p:cNvSpPr>
+          <p:nvPr/>
+        </p:nvSpPr>
+        <p:spPr>
+          <a:xfrm rot="5400000">
+            <a:off x="5307777" y="-5307778"/>
+            <a:ext cx="1576446" cy="12192002"/>
+          </a:xfrm>
+          <a:prstGeom prst="rect">
+            <a:avLst/>
+          </a:prstGeom>
+          <a:gradFill>
+            <a:gsLst>
+              <a:gs pos="23000">
+                <a:schemeClr val="accent1">
+                  <a:alpha val="0"/>
+                </a:schemeClr>
+              </a:gs>
+              <a:gs pos="99000">
+                <a:srgbClr val="000000">
+                  <a:alpha val="74000"/>
+                </a:srgbClr>
+              </a:gs>
+            </a:gsLst>
+            <a:lin ang="20400000" scaled="0"/>
+          </a:gradFill>
+          <a:ln>
+            <a:noFill/>
+          </a:ln>
+        </p:spPr>
+        <p:style>
+          <a:lnRef idx="2">
+            <a:schemeClr val="accent1">
+              <a:shade val="50000"/>
+            </a:schemeClr>
+          </a:lnRef>
+          <a:fillRef idx="1">
+            <a:schemeClr val="accent1"/>
+          </a:fillRef>
+          <a:effectRef idx="0">
+            <a:schemeClr val="accent1"/>
+          </a:effectRef>
+          <a:fontRef idx="minor">
+            <a:schemeClr val="lt1"/>
+          </a:fontRef>
+        </p:style>
+        <p:txBody>
+          <a:bodyPr rtlCol="0" anchor="ctr"/>
+          <a:lstStyle/>
+          <a:p>
+            <a:pPr algn="ctr"/>
+            <a:endParaRPr lang="en-US"/>
+          </a:p>
+        </p:txBody>
+      </p:sp>
+      <p:sp>
+        <p:nvSpPr>
+          <p:cNvPr id="2" name="Titre 1"/>
+          <p:cNvSpPr>
+            <a:spLocks noGrp="1"/>
+          </p:cNvSpPr>
+          <p:nvPr>
+            <p:ph type="title"/>
+          </p:nvPr>
+        </p:nvSpPr>
+        <p:spPr>
+          <a:xfrm>
+            <a:off x="1371597" y="348865"/>
+            <a:ext cx="10044023" cy="877729"/>
+          </a:xfrm>
+        </p:spPr>
+        <p:txBody>
+          <a:bodyPr anchor="ctr">
+            <a:normAutofit/>
+          </a:bodyPr>
+          <a:lstStyle/>
+          <a:p>
+            <a:r>
+              <a:rPr lang="fr-CA" sz="4000">
+                <a:solidFill>
+                  <a:srgbClr val="FFFFFF"/>
+                </a:solidFill>
+              </a:rPr>
+              <a:t>Problématique à résoudre</a:t>
+            </a:r>
+            <a:endParaRPr lang="en-US" sz="4000">
+              <a:solidFill>
+                <a:srgbClr val="FFFFFF"/>
+              </a:solidFill>
+            </a:endParaRPr>
+          </a:p>
+        </p:txBody>
+      </p:sp>
+      <p:graphicFrame>
+        <p:nvGraphicFramePr>
+          <p:cNvPr id="5" name="Espace réservé du contenu 2"/>
+          <p:cNvGraphicFramePr>
+            <a:graphicFrameLocks noGrp="1"/>
+          </p:cNvGraphicFramePr>
+          <p:nvPr>
+            <p:ph idx="1"/>
+          </p:nvPr>
+        </p:nvGraphicFramePr>
+        <p:xfrm>
+          <a:off x="644056" y="2112579"/>
+          <a:ext cx="10927829" cy="4192805"/>
+        </p:xfrm>
+        <a:graphic>
+          <a:graphicData uri="http://schemas.openxmlformats.org/drawingml/2006/diagram">
+            <dgm:relIds xmlns:dgm="http://schemas.openxmlformats.org/drawingml/2006/diagram" xmlns:r="http://schemas.openxmlformats.org/officeDocument/2006/relationships" r:dm="rId2" r:lo="rId3" r:qs="rId4" r:cs="rId5"/>
+          </a:graphicData>
+        </a:graphic>
+      </p:graphicFrame>
+    </p:spTree>
+  </p:cSld>
+  <p:clrMapOvr>
+    <a:masterClrMapping/>
+  </p:clrMapOvr>
+</p:sld>
+</file>
+
+<file path=ppt/slides/slide3.xml><?xml version="1.0" encoding="utf-8"?>
+<p:sld xmlns:a="http://schemas.openxmlformats.org/drawingml/2006/main" xmlns:r="http://schemas.openxmlformats.org/officeDocument/2006/relationships" xmlns:p="http://schemas.openxmlformats.org/presentationml/2006/main">
+  <p:cSld>
+    <p:bg>
+      <p:bgPr>
+        <a:solidFill>
+          <a:schemeClr val="bg1"/>
+        </a:solidFill>
+        <a:effectLst/>
+      </p:bgPr>
+    </p:bg>
+    <p:spTree>
+      <p:nvGrpSpPr>
+        <p:cNvPr id="1" name=""/>
+        <p:cNvGrpSpPr/>
+        <p:nvPr/>
+      </p:nvGrpSpPr>
+      <p:grpSpPr>
+        <a:xfrm>
+          <a:off x="0" y="0"/>
+          <a:ext cx="0" cy="0"/>
+          <a:chOff x="0" y="0"/>
+          <a:chExt cx="0" cy="0"/>
+        </a:xfrm>
+      </p:grpSpPr>
       <p:sp useBgFill="1">
         <p:nvSpPr>
-          <p:cNvPr id="10" name="Rectangle 9"/>
+          <p:cNvPr id="9" name="Rectangle 8"/>
+          <p:cNvSpPr>
+            <a:spLocks noGrp="1" noRot="1" noChangeAspect="1" noMove="1" noResize="1" noEditPoints="1" noAdjustHandles="1" noChangeArrowheads="1" noChangeShapeType="1" noTextEdit="1"/>
+          </p:cNvSpPr>
+          <p:nvPr/>
+        </p:nvSpPr>
+        <p:spPr>
+          <a:xfrm>
+            <a:off x="0" y="0"/>
+            <a:ext cx="12192000" cy="6858000"/>
+          </a:xfrm>
+          <a:prstGeom prst="rect">
+            <a:avLst/>
+          </a:prstGeom>
+          <a:ln w="12700" cap="flat" cmpd="sng" algn="ctr">
+            <a:noFill/>
+            <a:prstDash val="solid"/>
+            <a:miter lim="800000"/>
+          </a:ln>
+          <a:effectLst/>
+          <a:extLst>
+            <a:ext uri="{91240B29-F687-4F45-9708-019B960494DF}">
+              <a14:hiddenLine xmlns:a14="http://schemas.microsoft.com/office/drawing/2010/main" w="12700">
+                <a:solidFill>
+                  <a:schemeClr val="accent1">
+                    <a:shade val="50000"/>
+                  </a:schemeClr>
+                </a:solidFill>
+                <a:prstDash val="solid"/>
+                <a:miter lim="800000"/>
+                <a:headEnd/>
+                <a:tailEnd/>
+              </a14:hiddenLine>
+            </a:ext>
+          </a:extLst>
+        </p:spPr>
+        <p:style>
+          <a:lnRef idx="2">
+            <a:schemeClr val="accent1">
+              <a:shade val="50000"/>
+            </a:schemeClr>
+          </a:lnRef>
+          <a:fillRef idx="1">
+            <a:schemeClr val="accent1"/>
+          </a:fillRef>
+          <a:effectRef idx="0">
+            <a:schemeClr val="accent1"/>
+          </a:effectRef>
+          <a:fontRef idx="minor">
+            <a:schemeClr val="lt1"/>
+          </a:fontRef>
+        </p:style>
+        <p:txBody>
+          <a:bodyPr rtlCol="0" anchor="ctr"/>
+          <a:lstStyle/>
+          <a:p>
+            <a:pPr algn="ctr"/>
+            <a:endParaRPr lang="en-US"/>
+          </a:p>
+        </p:txBody>
+      </p:sp>
+      <p:sp>
+        <p:nvSpPr>
+          <p:cNvPr id="11" name="Rectangle 10"/>
+          <p:cNvSpPr>
+            <a:spLocks noGrp="1" noRot="1" noChangeAspect="1" noMove="1" noResize="1" noEditPoints="1" noAdjustHandles="1" noChangeArrowheads="1" noChangeShapeType="1" noTextEdit="1"/>
+          </p:cNvSpPr>
+          <p:nvPr/>
+        </p:nvSpPr>
+        <p:spPr>
+          <a:xfrm flipH="1">
+            <a:off x="2" y="0"/>
+            <a:ext cx="12191998" cy="1575955"/>
+          </a:xfrm>
+          <a:prstGeom prst="rect">
+            <a:avLst/>
+          </a:prstGeom>
+          <a:gradFill>
+            <a:gsLst>
+              <a:gs pos="0">
+                <a:srgbClr val="000000">
+                  <a:alpha val="96000"/>
+                </a:srgbClr>
+              </a:gs>
+              <a:gs pos="100000">
+                <a:schemeClr val="accent1">
+                  <a:lumMod val="75000"/>
+                </a:schemeClr>
+              </a:gs>
+            </a:gsLst>
+            <a:lin ang="8400000" scaled="0"/>
+          </a:gradFill>
+          <a:ln>
+            <a:noFill/>
+          </a:ln>
+        </p:spPr>
+        <p:style>
+          <a:lnRef idx="2">
+            <a:schemeClr val="accent1">
+              <a:shade val="50000"/>
+            </a:schemeClr>
+          </a:lnRef>
+          <a:fillRef idx="1">
+            <a:schemeClr val="accent1"/>
+          </a:fillRef>
+          <a:effectRef idx="0">
+            <a:schemeClr val="accent1"/>
+          </a:effectRef>
+          <a:fontRef idx="minor">
+            <a:schemeClr val="lt1"/>
+          </a:fontRef>
+        </p:style>
+        <p:txBody>
+          <a:bodyPr rtlCol="0" anchor="ctr"/>
+          <a:lstStyle/>
+          <a:p>
+            <a:pPr algn="ctr"/>
+            <a:endParaRPr lang="en-US"/>
+          </a:p>
+        </p:txBody>
+      </p:sp>
+      <p:sp>
+        <p:nvSpPr>
+          <p:cNvPr id="13" name="Rectangle 12"/>
+          <p:cNvSpPr>
+            <a:spLocks noGrp="1" noRot="1" noChangeAspect="1" noMove="1" noResize="1" noEditPoints="1" noAdjustHandles="1" noChangeArrowheads="1" noChangeShapeType="1" noTextEdit="1"/>
+          </p:cNvSpPr>
+          <p:nvPr/>
+        </p:nvSpPr>
+        <p:spPr>
+          <a:xfrm rot="10800000" flipH="1">
+            <a:off x="8128857" y="0"/>
+            <a:ext cx="4063143" cy="1576412"/>
+          </a:xfrm>
+          <a:prstGeom prst="rect">
+            <a:avLst/>
+          </a:prstGeom>
+          <a:gradFill>
+            <a:gsLst>
+              <a:gs pos="19000">
+                <a:schemeClr val="accent1">
+                  <a:lumMod val="50000"/>
+                  <a:alpha val="68000"/>
+                </a:schemeClr>
+              </a:gs>
+              <a:gs pos="100000">
+                <a:schemeClr val="accent1">
+                  <a:alpha val="79000"/>
+                </a:schemeClr>
+              </a:gs>
+            </a:gsLst>
+            <a:lin ang="19200000" scaled="0"/>
+          </a:gradFill>
+          <a:ln>
+            <a:noFill/>
+          </a:ln>
+        </p:spPr>
+        <p:style>
+          <a:lnRef idx="2">
+            <a:schemeClr val="accent1">
+              <a:shade val="50000"/>
+            </a:schemeClr>
+          </a:lnRef>
+          <a:fillRef idx="1">
+            <a:schemeClr val="accent1"/>
+          </a:fillRef>
+          <a:effectRef idx="0">
+            <a:schemeClr val="accent1"/>
+          </a:effectRef>
+          <a:fontRef idx="minor">
+            <a:schemeClr val="lt1"/>
+          </a:fontRef>
+        </p:style>
+        <p:txBody>
+          <a:bodyPr rtlCol="0" anchor="ctr"/>
+          <a:lstStyle/>
+          <a:p>
+            <a:pPr algn="ctr"/>
+            <a:endParaRPr lang="en-US"/>
+          </a:p>
+        </p:txBody>
+      </p:sp>
+      <p:sp>
+        <p:nvSpPr>
+          <p:cNvPr id="15" name="Rectangle 14"/>
+          <p:cNvSpPr>
+            <a:spLocks noGrp="1" noRot="1" noChangeAspect="1" noMove="1" noResize="1" noEditPoints="1" noAdjustHandles="1" noChangeArrowheads="1" noChangeShapeType="1" noTextEdit="1"/>
+          </p:cNvSpPr>
+          <p:nvPr/>
+        </p:nvSpPr>
+        <p:spPr>
+          <a:xfrm rot="5400000">
+            <a:off x="5307777" y="-5307778"/>
+            <a:ext cx="1576446" cy="12192002"/>
+          </a:xfrm>
+          <a:prstGeom prst="rect">
+            <a:avLst/>
+          </a:prstGeom>
+          <a:gradFill>
+            <a:gsLst>
+              <a:gs pos="23000">
+                <a:schemeClr val="accent1">
+                  <a:alpha val="0"/>
+                </a:schemeClr>
+              </a:gs>
+              <a:gs pos="99000">
+                <a:srgbClr val="000000">
+                  <a:alpha val="74000"/>
+                </a:srgbClr>
+              </a:gs>
+            </a:gsLst>
+            <a:lin ang="20400000" scaled="0"/>
+          </a:gradFill>
+          <a:ln>
+            <a:noFill/>
+          </a:ln>
+        </p:spPr>
+        <p:style>
+          <a:lnRef idx="2">
+            <a:schemeClr val="accent1">
+              <a:shade val="50000"/>
+            </a:schemeClr>
+          </a:lnRef>
+          <a:fillRef idx="1">
+            <a:schemeClr val="accent1"/>
+          </a:fillRef>
+          <a:effectRef idx="0">
+            <a:schemeClr val="accent1"/>
+          </a:effectRef>
+          <a:fontRef idx="minor">
+            <a:schemeClr val="lt1"/>
+          </a:fontRef>
+        </p:style>
+        <p:txBody>
+          <a:bodyPr rtlCol="0" anchor="ctr"/>
+          <a:lstStyle/>
+          <a:p>
+            <a:pPr algn="ctr"/>
+            <a:endParaRPr lang="en-US"/>
+          </a:p>
+        </p:txBody>
+      </p:sp>
+      <p:sp>
+        <p:nvSpPr>
+          <p:cNvPr id="2" name="Titre 1"/>
+          <p:cNvSpPr>
+            <a:spLocks noGrp="1"/>
+          </p:cNvSpPr>
+          <p:nvPr>
+            <p:ph type="title"/>
+          </p:nvPr>
+        </p:nvSpPr>
+        <p:spPr>
+          <a:xfrm>
+            <a:off x="1371597" y="348865"/>
+            <a:ext cx="10044023" cy="877729"/>
+          </a:xfrm>
+        </p:spPr>
+        <p:txBody>
+          <a:bodyPr anchor="ctr">
+            <a:normAutofit/>
+          </a:bodyPr>
+          <a:lstStyle/>
+          <a:p>
+            <a:r>
+              <a:rPr lang="fr-FR" altLang="en-US" sz="4000">
+                <a:solidFill>
+                  <a:srgbClr val="FFFFFF"/>
+                </a:solidFill>
+              </a:rPr>
+              <a:t>Notre reflexion</a:t>
+            </a:r>
+          </a:p>
+        </p:txBody>
+      </p:sp>
+      <p:sp>
+        <p:nvSpPr>
+          <p:cNvPr id="3" name="Espace réservé du contenu 2"/>
+          <p:cNvSpPr>
+            <a:spLocks noGrp="1"/>
+          </p:cNvSpPr>
+          <p:nvPr>
+            <p:ph idx="1"/>
+          </p:nvPr>
+        </p:nvSpPr>
+        <p:spPr/>
+        <p:txBody>
+          <a:bodyPr>
+            <a:normAutofit fontScale="90000" lnSpcReduction="10000"/>
+          </a:bodyPr>
+          <a:lstStyle/>
+          <a:p>
+            <a:pPr marL="0" indent="0">
+              <a:buNone/>
+            </a:pPr>
+            <a:r>
+              <a:rPr lang="fr-FR" altLang="en-US"/>
+              <a:t>Qu’est ce qu’une requète SQL ?</a:t>
+            </a:r>
+          </a:p>
+          <a:p>
+            <a:pPr marL="0" indent="0">
+              <a:buNone/>
+            </a:pPr>
+            <a:r>
+              <a:rPr lang="fr-FR" altLang="en-US"/>
+              <a:t>	CREATE, INSERT, UPDATE, DROP, SELECT</a:t>
+            </a:r>
+            <a:br>
+              <a:rPr lang="fr-FR" altLang="en-US"/>
+            </a:br>
+            <a:br>
+              <a:rPr lang="fr-FR" altLang="en-US"/>
+            </a:br>
+            <a:r>
+              <a:rPr lang="fr-FR" altLang="en-US"/>
+              <a:t>Qu’est-ce qu’une requète SELECT ?</a:t>
+            </a:r>
+          </a:p>
+          <a:p>
+            <a:pPr marL="0" indent="0">
+              <a:buNone/>
+            </a:pPr>
+            <a:r>
+              <a:rPr lang="fr-FR" altLang="en-US"/>
+              <a:t>	FROM, WHERE, GROUP BY, ORDER BY</a:t>
+            </a:r>
+          </a:p>
+          <a:p>
+            <a:pPr marL="0" indent="0">
+              <a:buNone/>
+            </a:pPr>
+            <a:endParaRPr lang="fr-FR" altLang="en-US"/>
+          </a:p>
+          <a:p>
+            <a:pPr marL="0" indent="0">
+              <a:buNone/>
+            </a:pPr>
+            <a:r>
+              <a:rPr lang="fr-FR" altLang="en-US"/>
+              <a:t>Qu’est-ce que FROM ?</a:t>
+            </a:r>
+          </a:p>
+          <a:p>
+            <a:pPr marL="0" indent="0">
+              <a:buNone/>
+            </a:pPr>
+            <a:r>
+              <a:rPr lang="fr-FR" altLang="en-US"/>
+              <a:t>	Une liste de tables jointes</a:t>
+            </a:r>
+          </a:p>
+          <a:p>
+            <a:pPr marL="0" indent="0">
+              <a:buNone/>
+            </a:pPr>
+            <a:endParaRPr lang="fr-FR" altLang="en-US"/>
+          </a:p>
+          <a:p>
+            <a:pPr marL="0" indent="0">
+              <a:buNone/>
+            </a:pPr>
+            <a:r>
+              <a:rPr lang="fr-FR" altLang="en-US"/>
+              <a:t>Nous nous faisons donc une idée rapide de comment implémenter notre librairie</a:t>
+            </a:r>
+          </a:p>
+        </p:txBody>
+      </p:sp>
+      <p:pic>
+        <p:nvPicPr>
+          <p:cNvPr id="4" name="Image 3" descr="sql-300x300"/>
+          <p:cNvPicPr>
+            <a:picLocks noChangeAspect="1"/>
+          </p:cNvPicPr>
+          <p:nvPr/>
+        </p:nvPicPr>
+        <p:blipFill>
+          <a:blip r:embed="rId2"/>
+          <a:stretch>
+            <a:fillRect/>
+          </a:stretch>
+        </p:blipFill>
+        <p:spPr>
+          <a:xfrm>
+            <a:off x="8731250" y="1825625"/>
+            <a:ext cx="2622550" cy="2622550"/>
+          </a:xfrm>
+          <a:prstGeom prst="rect">
+            <a:avLst/>
+          </a:prstGeom>
+        </p:spPr>
+      </p:pic>
+    </p:spTree>
+  </p:cSld>
+  <p:clrMapOvr>
+    <a:masterClrMapping/>
+  </p:clrMapOvr>
+</p:sld>
+</file>
+
+<file path=ppt/slides/slide4.xml><?xml version="1.0" encoding="utf-8"?>
+<p:sld xmlns:a="http://schemas.openxmlformats.org/drawingml/2006/main" xmlns:r="http://schemas.openxmlformats.org/officeDocument/2006/relationships" xmlns:p="http://schemas.openxmlformats.org/presentationml/2006/main">
+  <p:cSld>
+    <p:bg>
+      <p:bgPr>
+        <a:solidFill>
+          <a:schemeClr val="bg1"/>
+        </a:solidFill>
+        <a:effectLst/>
+      </p:bgPr>
+    </p:bg>
+    <p:spTree>
+      <p:nvGrpSpPr>
+        <p:cNvPr id="1" name=""/>
+        <p:cNvGrpSpPr/>
+        <p:nvPr/>
+      </p:nvGrpSpPr>
+      <p:grpSpPr>
+        <a:xfrm>
+          <a:off x="0" y="0"/>
+          <a:ext cx="0" cy="0"/>
+          <a:chOff x="0" y="0"/>
+          <a:chExt cx="0" cy="0"/>
+        </a:xfrm>
+      </p:grpSpPr>
+      <p:sp useBgFill="1">
+        <p:nvSpPr>
+          <p:cNvPr id="28" name="Rectangle 7"/>
+          <p:cNvSpPr>
+            <a:spLocks noGrp="1" noRot="1" noChangeAspect="1" noMove="1" noResize="1" noEditPoints="1" noAdjustHandles="1" noChangeArrowheads="1" noChangeShapeType="1" noTextEdit="1"/>
+          </p:cNvSpPr>
+          <p:nvPr/>
+        </p:nvSpPr>
+        <p:spPr>
+          <a:xfrm>
+            <a:off x="0" y="0"/>
+            <a:ext cx="12192000" cy="6858000"/>
+          </a:xfrm>
+          <a:prstGeom prst="rect">
+            <a:avLst/>
+          </a:prstGeom>
+          <a:ln w="12700" cap="flat" cmpd="sng" algn="ctr">
+            <a:noFill/>
+            <a:prstDash val="solid"/>
+            <a:miter lim="800000"/>
+          </a:ln>
+          <a:effectLst/>
+          <a:extLst>
+            <a:ext uri="{91240B29-F687-4F45-9708-019B960494DF}">
+              <a14:hiddenLine xmlns:a14="http://schemas.microsoft.com/office/drawing/2010/main" w="12700">
+                <a:solidFill>
+                  <a:schemeClr val="accent1">
+                    <a:shade val="50000"/>
+                  </a:schemeClr>
+                </a:solidFill>
+                <a:prstDash val="solid"/>
+                <a:miter lim="800000"/>
+                <a:headEnd/>
+                <a:tailEnd/>
+              </a14:hiddenLine>
+            </a:ext>
+          </a:extLst>
+        </p:spPr>
+        <p:style>
+          <a:lnRef idx="2">
+            <a:schemeClr val="accent1">
+              <a:shade val="50000"/>
+            </a:schemeClr>
+          </a:lnRef>
+          <a:fillRef idx="1">
+            <a:schemeClr val="accent1"/>
+          </a:fillRef>
+          <a:effectRef idx="0">
+            <a:schemeClr val="accent1"/>
+          </a:effectRef>
+          <a:fontRef idx="minor">
+            <a:schemeClr val="lt1"/>
+          </a:fontRef>
+        </p:style>
+        <p:txBody>
+          <a:bodyPr rtlCol="0" anchor="ctr"/>
+          <a:lstStyle/>
+          <a:p>
+            <a:pPr algn="ctr"/>
+            <a:endParaRPr lang="en-US"/>
+          </a:p>
+        </p:txBody>
+      </p:sp>
+      <p:sp useBgFill="1">
+        <p:nvSpPr>
+          <p:cNvPr id="29" name="Rectangle 9"/>
           <p:cNvSpPr>
             <a:spLocks noGrp="1" noRot="1" noChangeAspect="1" noMove="1" noResize="1" noEditPoints="1" noAdjustHandles="1" noChangeArrowheads="1" noChangeShapeType="1" noTextEdit="1"/>
           </p:cNvSpPr>
@@ -13694,7 +14310,7 @@
       </p:sp>
       <p:sp>
         <p:nvSpPr>
-          <p:cNvPr id="12" name="Rectangle 11"/>
+          <p:cNvPr id="30" name="Rectangle 11"/>
           <p:cNvSpPr>
             <a:spLocks noGrp="1" noRot="1" noChangeAspect="1" noMove="1" noResize="1" noEditPoints="1" noAdjustHandles="1" noChangeArrowheads="1" noChangeShapeType="1" noTextEdit="1"/>
           </p:cNvSpPr>
@@ -13752,7 +14368,7 @@
       </p:sp>
       <p:sp>
         <p:nvSpPr>
-          <p:cNvPr id="14" name="Rectangle 13"/>
+          <p:cNvPr id="31" name="Rectangle 13"/>
           <p:cNvSpPr>
             <a:spLocks noGrp="1" noRot="1" noChangeAspect="1" noMove="1" noResize="1" noEditPoints="1" noAdjustHandles="1" noChangeArrowheads="1" noChangeShapeType="1" noTextEdit="1"/>
           </p:cNvSpPr>
@@ -13812,7 +14428,7 @@
       </p:sp>
       <p:sp>
         <p:nvSpPr>
-          <p:cNvPr id="16" name="Rectangle 15"/>
+          <p:cNvPr id="32" name="Rectangle 15"/>
           <p:cNvSpPr>
             <a:spLocks noGrp="1" noRot="1" noChangeAspect="1" noMove="1" noResize="1" noEditPoints="1" noAdjustHandles="1" noChangeArrowheads="1" noChangeShapeType="1" noTextEdit="1"/>
           </p:cNvSpPr>
@@ -13872,7 +14488,7 @@
       </p:sp>
       <p:sp>
         <p:nvSpPr>
-          <p:cNvPr id="18" name="Freeform: Shape 17"/>
+          <p:cNvPr id="33" name="Freeform: Shape 17"/>
           <p:cNvSpPr>
             <a:spLocks noGrp="1" noRot="1" noChangeAspect="1" noMove="1" noResize="1" noEditPoints="1" noAdjustHandles="1" noChangeArrowheads="1" noChangeShapeType="1" noTextEdit="1"/>
           </p:cNvSpPr>
@@ -14027,7 +14643,7 @@
       </p:sp>
       <p:sp>
         <p:nvSpPr>
-          <p:cNvPr id="20" name="Rectangle 19"/>
+          <p:cNvPr id="34" name="Rectangle 19"/>
           <p:cNvSpPr>
             <a:spLocks noGrp="1" noRot="1" noChangeAspect="1" noMove="1" noResize="1" noEditPoints="1" noAdjustHandles="1" noChangeArrowheads="1" noChangeShapeType="1" noTextEdit="1"/>
           </p:cNvSpPr>
@@ -14126,22 +14742,59 @@
           </a:p>
         </p:txBody>
       </p:sp>
-      <p:graphicFrame>
-        <p:nvGraphicFramePr>
-          <p:cNvPr id="3" name="Diagramme 2"/>
-          <p:cNvGraphicFramePr/>
-          <p:nvPr/>
-        </p:nvGraphicFramePr>
-        <p:xfrm>
-          <a:off x="5334974" y="1528614"/>
-          <a:ext cx="5505915" cy="3821047"/>
-        </p:xfrm>
-        <a:graphic>
-          <a:graphicData uri="http://schemas.openxmlformats.org/drawingml/2006/diagram">
-            <dgm:relIds xmlns:dgm="http://schemas.openxmlformats.org/drawingml/2006/diagram" xmlns:r="http://schemas.openxmlformats.org/officeDocument/2006/relationships" r:dm="rId1" r:lo="rId2" r:qs="rId3" r:cs="rId4"/>
-          </a:graphicData>
-        </a:graphic>
-      </p:graphicFrame>
+      <p:sp>
+        <p:nvSpPr>
+          <p:cNvPr id="3" name="Espace réservé du contenu 2"/>
+          <p:cNvSpPr>
+            <a:spLocks noGrp="1"/>
+          </p:cNvSpPr>
+          <p:nvPr>
+            <p:ph idx="1"/>
+          </p:nvPr>
+        </p:nvSpPr>
+        <p:spPr>
+          <a:xfrm>
+            <a:off x="4810259" y="649480"/>
+            <a:ext cx="6555347" cy="5546047"/>
+          </a:xfrm>
+        </p:spPr>
+        <p:txBody>
+          <a:bodyPr anchor="ctr">
+            <a:normAutofit/>
+          </a:bodyPr>
+          <a:lstStyle/>
+          <a:p>
+            <a:r>
+              <a:rPr lang="fr-CA" sz="2000"/>
+              <a:t>Créateur de table SQL (Création d’une table SQL en objet JAVA)</a:t>
+            </a:r>
+          </a:p>
+          <a:p>
+            <a:r>
+              <a:rPr lang="fr-CA" sz="2000"/>
+              <a:t>Créateur de BD (Création d’une base de données SQL en JAVA possédant des tables)</a:t>
+            </a:r>
+            <a:endParaRPr lang="fr-CA" sz="2000">
+              <a:cs typeface="Calibri" panose="020F0502020204030204"/>
+            </a:endParaRPr>
+          </a:p>
+          <a:p>
+            <a:r>
+              <a:rPr lang="fr-CA" sz="2000"/>
+              <a:t>Création d’une classe mère et centrale QUERY regroupant les demandes de base SQL ( les enfants seront les points suivants ) </a:t>
+            </a:r>
+          </a:p>
+          <a:p>
+            <a:r>
+              <a:rPr lang="fr-CA" sz="2000"/>
+              <a:t>Création d’un constructeur SQL pour appeler toutes les commandes facilement</a:t>
+            </a:r>
+            <a:endParaRPr lang="fr-CA" sz="2000">
+              <a:cs typeface="Calibri" panose="020F0502020204030204"/>
+            </a:endParaRPr>
+          </a:p>
+        </p:txBody>
+      </p:sp>
     </p:spTree>
   </p:cSld>
   <p:clrMapOvr>
@@ -14150,7 +14803,7 @@
 </p:sld>
 </file>
 
-<file path=ppt/slides/slide6.xml><?xml version="1.0" encoding="utf-8"?>
+<file path=ppt/slides/slide5.xml><?xml version="1.0" encoding="utf-8"?>
 <p:sld xmlns:a="http://schemas.openxmlformats.org/drawingml/2006/main" xmlns:r="http://schemas.openxmlformats.org/officeDocument/2006/relationships" xmlns:p="http://schemas.openxmlformats.org/presentationml/2006/main">
   <p:cSld>
     <p:bg>
@@ -14233,36 +14886,8 @@
           <a:bodyPr rtlCol="0" anchor="ctr"/>
           <a:lstStyle/>
           <a:p>
-            <a:pPr marL="0" marR="0" lvl="0" indent="0" algn="ctr" defTabSz="914400" rtl="0" eaLnBrk="1" fontAlgn="auto" latinLnBrk="0" hangingPunct="1">
-              <a:lnSpc>
-                <a:spcPct val="100000"/>
-              </a:lnSpc>
-              <a:spcBef>
-                <a:spcPts val="0"/>
-              </a:spcBef>
-              <a:spcAft>
-                <a:spcPts val="0"/>
-              </a:spcAft>
-              <a:buClrTx/>
-              <a:buSzTx/>
-              <a:buFontTx/>
-              <a:buNone/>
-              <a:defRPr/>
-            </a:pPr>
-            <a:endParaRPr kumimoji="0" lang="en-US" sz="1800" b="0" i="0" u="none" strike="noStrike" kern="1200" cap="none" spc="0" normalizeH="0" baseline="0" noProof="0">
-              <a:ln>
-                <a:noFill/>
-              </a:ln>
-              <a:solidFill>
-                <a:prstClr val="white"/>
-              </a:solidFill>
-              <a:effectLst/>
-              <a:uLnTx/>
-              <a:uFillTx/>
-              <a:latin typeface="Calibri" panose="020F0502020204030204"/>
-              <a:ea typeface="+mn-ea"/>
-              <a:cs typeface="+mn-cs"/>
-            </a:endParaRPr>
+            <a:pPr algn="ctr"/>
+            <a:endParaRPr lang="en-US"/>
           </a:p>
         </p:txBody>
       </p:sp>
@@ -14324,36 +14949,8 @@
           <a:bodyPr rtlCol="0" anchor="ctr"/>
           <a:lstStyle/>
           <a:p>
-            <a:pPr marL="0" marR="0" lvl="0" indent="0" algn="ctr" defTabSz="914400" rtl="0" eaLnBrk="1" fontAlgn="auto" latinLnBrk="0" hangingPunct="1">
-              <a:lnSpc>
-                <a:spcPct val="100000"/>
-              </a:lnSpc>
-              <a:spcBef>
-                <a:spcPts val="0"/>
-              </a:spcBef>
-              <a:spcAft>
-                <a:spcPts val="0"/>
-              </a:spcAft>
-              <a:buClrTx/>
-              <a:buSzTx/>
-              <a:buFontTx/>
-              <a:buNone/>
-              <a:defRPr/>
-            </a:pPr>
-            <a:endParaRPr kumimoji="0" lang="en-US" sz="1800" b="0" i="0" u="none" strike="noStrike" kern="1200" cap="none" spc="0" normalizeH="0" baseline="0" noProof="0">
-              <a:ln>
-                <a:noFill/>
-              </a:ln>
-              <a:solidFill>
-                <a:prstClr val="white"/>
-              </a:solidFill>
-              <a:effectLst/>
-              <a:uLnTx/>
-              <a:uFillTx/>
-              <a:latin typeface="Calibri" panose="020F0502020204030204"/>
-              <a:ea typeface="+mn-ea"/>
-              <a:cs typeface="+mn-cs"/>
-            </a:endParaRPr>
+            <a:pPr algn="ctr"/>
+            <a:endParaRPr lang="en-US"/>
           </a:p>
         </p:txBody>
       </p:sp>
@@ -14410,36 +15007,8 @@
           <a:bodyPr rtlCol="0" anchor="ctr"/>
           <a:lstStyle/>
           <a:p>
-            <a:pPr marL="0" marR="0" lvl="0" indent="0" algn="ctr" defTabSz="914400" rtl="0" eaLnBrk="1" fontAlgn="auto" latinLnBrk="0" hangingPunct="1">
-              <a:lnSpc>
-                <a:spcPct val="100000"/>
-              </a:lnSpc>
-              <a:spcBef>
-                <a:spcPts val="0"/>
-              </a:spcBef>
-              <a:spcAft>
-                <a:spcPts val="0"/>
-              </a:spcAft>
-              <a:buClrTx/>
-              <a:buSzTx/>
-              <a:buFontTx/>
-              <a:buNone/>
-              <a:defRPr/>
-            </a:pPr>
-            <a:endParaRPr kumimoji="0" lang="en-US" sz="1800" b="0" i="0" u="none" strike="noStrike" kern="1200" cap="none" spc="0" normalizeH="0" baseline="0" noProof="0">
-              <a:ln>
-                <a:noFill/>
-              </a:ln>
-              <a:solidFill>
-                <a:prstClr val="white"/>
-              </a:solidFill>
-              <a:effectLst/>
-              <a:uLnTx/>
-              <a:uFillTx/>
-              <a:latin typeface="Calibri" panose="020F0502020204030204"/>
-              <a:ea typeface="+mn-ea"/>
-              <a:cs typeface="+mn-cs"/>
-            </a:endParaRPr>
+            <a:pPr algn="ctr"/>
+            <a:endParaRPr lang="en-US"/>
           </a:p>
         </p:txBody>
       </p:sp>
@@ -14498,36 +15067,8 @@
           <a:bodyPr rtlCol="0" anchor="ctr"/>
           <a:lstStyle/>
           <a:p>
-            <a:pPr marL="0" marR="0" lvl="0" indent="0" algn="ctr" defTabSz="914400" rtl="0" eaLnBrk="1" fontAlgn="auto" latinLnBrk="0" hangingPunct="1">
-              <a:lnSpc>
-                <a:spcPct val="100000"/>
-              </a:lnSpc>
-              <a:spcBef>
-                <a:spcPts val="0"/>
-              </a:spcBef>
-              <a:spcAft>
-                <a:spcPts val="0"/>
-              </a:spcAft>
-              <a:buClrTx/>
-              <a:buSzTx/>
-              <a:buFontTx/>
-              <a:buNone/>
-              <a:defRPr/>
-            </a:pPr>
-            <a:endParaRPr kumimoji="0" lang="en-US" sz="1800" b="0" i="0" u="none" strike="noStrike" kern="1200" cap="none" spc="0" normalizeH="0" baseline="0" noProof="0">
-              <a:ln>
-                <a:noFill/>
-              </a:ln>
-              <a:solidFill>
-                <a:prstClr val="white"/>
-              </a:solidFill>
-              <a:effectLst/>
-              <a:uLnTx/>
-              <a:uFillTx/>
-              <a:latin typeface="Calibri" panose="020F0502020204030204"/>
-              <a:ea typeface="+mn-ea"/>
-              <a:cs typeface="+mn-cs"/>
-            </a:endParaRPr>
+            <a:pPr algn="ctr"/>
+            <a:endParaRPr lang="en-US"/>
           </a:p>
         </p:txBody>
       </p:sp>
@@ -14586,36 +15127,8 @@
           <a:bodyPr rtlCol="0" anchor="ctr"/>
           <a:lstStyle/>
           <a:p>
-            <a:pPr marL="0" marR="0" lvl="0" indent="0" algn="ctr" defTabSz="914400" rtl="0" eaLnBrk="1" fontAlgn="auto" latinLnBrk="0" hangingPunct="1">
-              <a:lnSpc>
-                <a:spcPct val="100000"/>
-              </a:lnSpc>
-              <a:spcBef>
-                <a:spcPts val="0"/>
-              </a:spcBef>
-              <a:spcAft>
-                <a:spcPts val="0"/>
-              </a:spcAft>
-              <a:buClrTx/>
-              <a:buSzTx/>
-              <a:buFontTx/>
-              <a:buNone/>
-              <a:defRPr/>
-            </a:pPr>
-            <a:endParaRPr kumimoji="0" lang="en-US" sz="1800" b="0" i="0" u="none" strike="noStrike" kern="1200" cap="none" spc="0" normalizeH="0" baseline="0" noProof="0">
-              <a:ln>
-                <a:noFill/>
-              </a:ln>
-              <a:solidFill>
-                <a:prstClr val="white"/>
-              </a:solidFill>
-              <a:effectLst/>
-              <a:uLnTx/>
-              <a:uFillTx/>
-              <a:latin typeface="Calibri" panose="020F0502020204030204"/>
-              <a:ea typeface="+mn-ea"/>
-              <a:cs typeface="+mn-cs"/>
-            </a:endParaRPr>
+            <a:pPr algn="ctr"/>
+            <a:endParaRPr lang="en-US"/>
           </a:p>
         </p:txBody>
       </p:sp>
@@ -14769,36 +15282,8 @@
           </a:bodyPr>
           <a:lstStyle/>
           <a:p>
-            <a:pPr marL="0" marR="0" lvl="0" indent="0" algn="ctr" defTabSz="914400" rtl="0" eaLnBrk="1" fontAlgn="auto" latinLnBrk="0" hangingPunct="1">
-              <a:lnSpc>
-                <a:spcPct val="100000"/>
-              </a:lnSpc>
-              <a:spcBef>
-                <a:spcPts val="0"/>
-              </a:spcBef>
-              <a:spcAft>
-                <a:spcPts val="0"/>
-              </a:spcAft>
-              <a:buClrTx/>
-              <a:buSzTx/>
-              <a:buFontTx/>
-              <a:buNone/>
-              <a:defRPr/>
-            </a:pPr>
-            <a:endParaRPr kumimoji="0" lang="en-US" sz="1800" b="0" i="0" u="none" strike="noStrike" kern="1200" cap="none" spc="0" normalizeH="0" baseline="0" noProof="0">
-              <a:ln>
-                <a:noFill/>
-              </a:ln>
-              <a:solidFill>
-                <a:prstClr val="white"/>
-              </a:solidFill>
-              <a:effectLst/>
-              <a:uLnTx/>
-              <a:uFillTx/>
-              <a:latin typeface="Calibri" panose="020F0502020204030204"/>
-              <a:ea typeface="+mn-ea"/>
-              <a:cs typeface="+mn-cs"/>
-            </a:endParaRPr>
+            <a:pPr algn="ctr"/>
+            <a:endParaRPr lang="en-US"/>
           </a:p>
         </p:txBody>
       </p:sp>
@@ -14859,36 +15344,8 @@
           <a:bodyPr rtlCol="0" anchor="ctr"/>
           <a:lstStyle/>
           <a:p>
-            <a:pPr marL="0" marR="0" lvl="0" indent="0" algn="ctr" defTabSz="914400" rtl="0" eaLnBrk="1" fontAlgn="auto" latinLnBrk="0" hangingPunct="1">
-              <a:lnSpc>
-                <a:spcPct val="100000"/>
-              </a:lnSpc>
-              <a:spcBef>
-                <a:spcPts val="0"/>
-              </a:spcBef>
-              <a:spcAft>
-                <a:spcPts val="0"/>
-              </a:spcAft>
-              <a:buClrTx/>
-              <a:buSzTx/>
-              <a:buFontTx/>
-              <a:buNone/>
-              <a:defRPr/>
-            </a:pPr>
-            <a:endParaRPr kumimoji="0" lang="en-US" sz="1800" b="0" i="0" u="none" strike="noStrike" kern="1200" cap="none" spc="0" normalizeH="0" baseline="0" noProof="0">
-              <a:ln>
-                <a:noFill/>
-              </a:ln>
-              <a:solidFill>
-                <a:prstClr val="white"/>
-              </a:solidFill>
-              <a:effectLst/>
-              <a:uLnTx/>
-              <a:uFillTx/>
-              <a:latin typeface="Calibri" panose="020F0502020204030204"/>
-              <a:ea typeface="+mn-ea"/>
-              <a:cs typeface="+mn-cs"/>
-            </a:endParaRPr>
+            <a:pPr algn="ctr"/>
+            <a:endParaRPr lang="en-US"/>
           </a:p>
         </p:txBody>
       </p:sp>
@@ -14921,7 +15378,7 @@
                   <a:srgbClr val="FFFFFF"/>
                 </a:solidFill>
               </a:rPr>
-              <a:t>Notre conception UML</a:t>
+              <a:t>Fonctionnalités pertinentes à implémenter</a:t>
             </a:r>
             <a:endParaRPr lang="en-US" sz="3700">
               <a:solidFill>
@@ -14931,306 +15388,22 @@
           </a:p>
         </p:txBody>
       </p:sp>
-      <p:pic>
-        <p:nvPicPr>
-          <p:cNvPr id="4" name="Image 3"/>
-          <p:cNvPicPr>
-            <a:picLocks noChangeAspect="1"/>
-          </p:cNvPicPr>
+      <p:graphicFrame>
+        <p:nvGraphicFramePr>
+          <p:cNvPr id="3" name="Diagramme 2"/>
+          <p:cNvGraphicFramePr/>
           <p:nvPr/>
-        </p:nvPicPr>
-        <p:blipFill>
-          <a:blip r:embed="rId1"/>
-          <a:stretch>
-            <a:fillRect/>
-          </a:stretch>
-        </p:blipFill>
-        <p:spPr>
-          <a:xfrm>
-            <a:off x="4442354" y="871051"/>
-            <a:ext cx="7423628" cy="5095618"/>
-          </a:xfrm>
-          <a:prstGeom prst="rect">
-            <a:avLst/>
-          </a:prstGeom>
-        </p:spPr>
-      </p:pic>
-      <p:sp>
-        <p:nvSpPr>
-          <p:cNvPr id="6" name="Forme libre : forme 5"/>
-          <p:cNvSpPr/>
-          <p:nvPr/>
-        </p:nvSpPr>
-        <p:spPr>
-          <a:xfrm>
-            <a:off x="4134810" y="700556"/>
-            <a:ext cx="5588000" cy="5477163"/>
-          </a:xfrm>
-          <a:custGeom>
-            <a:avLst/>
-            <a:gdLst>
-              <a:gd name="connsiteX0" fmla="*/ 0 w 5588000"/>
-              <a:gd name="connsiteY0" fmla="*/ 0 h 5477163"/>
-              <a:gd name="connsiteX1" fmla="*/ 2586182 w 5588000"/>
-              <a:gd name="connsiteY1" fmla="*/ 9236 h 5477163"/>
-              <a:gd name="connsiteX2" fmla="*/ 2604654 w 5588000"/>
-              <a:gd name="connsiteY2" fmla="*/ 2918691 h 5477163"/>
-              <a:gd name="connsiteX3" fmla="*/ 4424218 w 5588000"/>
-              <a:gd name="connsiteY3" fmla="*/ 2927927 h 5477163"/>
-              <a:gd name="connsiteX4" fmla="*/ 4479636 w 5588000"/>
-              <a:gd name="connsiteY4" fmla="*/ 4276436 h 5477163"/>
-              <a:gd name="connsiteX5" fmla="*/ 5578764 w 5588000"/>
-              <a:gd name="connsiteY5" fmla="*/ 4294909 h 5477163"/>
-              <a:gd name="connsiteX6" fmla="*/ 5588000 w 5588000"/>
-              <a:gd name="connsiteY6" fmla="*/ 5449454 h 5477163"/>
-              <a:gd name="connsiteX7" fmla="*/ 138545 w 5588000"/>
-              <a:gd name="connsiteY7" fmla="*/ 5477163 h 5477163"/>
-              <a:gd name="connsiteX8" fmla="*/ 0 w 5588000"/>
-              <a:gd name="connsiteY8" fmla="*/ 0 h 5477163"/>
-            </a:gdLst>
-            <a:ahLst/>
-            <a:cxnLst>
-              <a:cxn ang="0">
-                <a:pos x="connsiteX0" y="connsiteY0"/>
-              </a:cxn>
-              <a:cxn ang="0">
-                <a:pos x="connsiteX1" y="connsiteY1"/>
-              </a:cxn>
-              <a:cxn ang="0">
-                <a:pos x="connsiteX2" y="connsiteY2"/>
-              </a:cxn>
-              <a:cxn ang="0">
-                <a:pos x="connsiteX3" y="connsiteY3"/>
-              </a:cxn>
-              <a:cxn ang="0">
-                <a:pos x="connsiteX4" y="connsiteY4"/>
-              </a:cxn>
-              <a:cxn ang="0">
-                <a:pos x="connsiteX5" y="connsiteY5"/>
-              </a:cxn>
-              <a:cxn ang="0">
-                <a:pos x="connsiteX6" y="connsiteY6"/>
-              </a:cxn>
-              <a:cxn ang="0">
-                <a:pos x="connsiteX7" y="connsiteY7"/>
-              </a:cxn>
-              <a:cxn ang="0">
-                <a:pos x="connsiteX8" y="connsiteY8"/>
-              </a:cxn>
-            </a:cxnLst>
-            <a:rect l="l" t="t" r="r" b="b"/>
-            <a:pathLst>
-              <a:path w="5588000" h="5477163">
-                <a:moveTo>
-                  <a:pt x="0" y="0"/>
-                </a:moveTo>
-                <a:lnTo>
-                  <a:pt x="2586182" y="9236"/>
-                </a:lnTo>
-                <a:lnTo>
-                  <a:pt x="2604654" y="2918691"/>
-                </a:lnTo>
-                <a:lnTo>
-                  <a:pt x="4424218" y="2927927"/>
-                </a:lnTo>
-                <a:lnTo>
-                  <a:pt x="4479636" y="4276436"/>
-                </a:lnTo>
-                <a:lnTo>
-                  <a:pt x="5578764" y="4294909"/>
-                </a:lnTo>
-                <a:cubicBezTo>
-                  <a:pt x="5581843" y="4679757"/>
-                  <a:pt x="5584921" y="5064606"/>
-                  <a:pt x="5588000" y="5449454"/>
-                </a:cubicBezTo>
-                <a:lnTo>
-                  <a:pt x="138545" y="5477163"/>
-                </a:lnTo>
-                <a:lnTo>
-                  <a:pt x="0" y="0"/>
-                </a:lnTo>
-                <a:close/>
-              </a:path>
-            </a:pathLst>
-          </a:custGeom>
-          <a:noFill/>
-          <a:ln w="28575">
-            <a:solidFill>
-              <a:srgbClr val="FF0000"/>
-            </a:solidFill>
-          </a:ln>
-        </p:spPr>
-        <p:style>
-          <a:lnRef idx="2">
-            <a:schemeClr val="accent1">
-              <a:shade val="50000"/>
-            </a:schemeClr>
-          </a:lnRef>
-          <a:fillRef idx="1">
-            <a:schemeClr val="accent1"/>
-          </a:fillRef>
-          <a:effectRef idx="0">
-            <a:schemeClr val="accent1"/>
-          </a:effectRef>
-          <a:fontRef idx="minor">
-            <a:schemeClr val="lt1"/>
-          </a:fontRef>
-        </p:style>
-        <p:txBody>
-          <a:bodyPr rtlCol="0" anchor="ctr"/>
-          <a:lstStyle/>
-          <a:p>
-            <a:pPr algn="ctr"/>
-            <a:endParaRPr lang="fr-FR"/>
-          </a:p>
-        </p:txBody>
-      </p:sp>
-      <p:sp>
-        <p:nvSpPr>
-          <p:cNvPr id="7" name="Forme libre : forme 6"/>
-          <p:cNvSpPr/>
-          <p:nvPr/>
-        </p:nvSpPr>
-        <p:spPr>
-          <a:xfrm>
-            <a:off x="7068312" y="1755648"/>
-            <a:ext cx="3246120" cy="3209544"/>
-          </a:xfrm>
-          <a:custGeom>
-            <a:avLst/>
-            <a:gdLst>
-              <a:gd name="connsiteX0" fmla="*/ 9144 w 3246120"/>
-              <a:gd name="connsiteY0" fmla="*/ 0 h 3209544"/>
-              <a:gd name="connsiteX1" fmla="*/ 0 w 3246120"/>
-              <a:gd name="connsiteY1" fmla="*/ 1664208 h 3209544"/>
-              <a:gd name="connsiteX2" fmla="*/ 1746504 w 3246120"/>
-              <a:gd name="connsiteY2" fmla="*/ 1700784 h 3209544"/>
-              <a:gd name="connsiteX3" fmla="*/ 1783080 w 3246120"/>
-              <a:gd name="connsiteY3" fmla="*/ 3209544 h 3209544"/>
-              <a:gd name="connsiteX4" fmla="*/ 3246120 w 3246120"/>
-              <a:gd name="connsiteY4" fmla="*/ 3209544 h 3209544"/>
-              <a:gd name="connsiteX5" fmla="*/ 3246120 w 3246120"/>
-              <a:gd name="connsiteY5" fmla="*/ 1536192 h 3209544"/>
-              <a:gd name="connsiteX6" fmla="*/ 2596896 w 3246120"/>
-              <a:gd name="connsiteY6" fmla="*/ 1545336 h 3209544"/>
-              <a:gd name="connsiteX7" fmla="*/ 2587752 w 3246120"/>
-              <a:gd name="connsiteY7" fmla="*/ 54864 h 3209544"/>
-              <a:gd name="connsiteX8" fmla="*/ 45720 w 3246120"/>
-              <a:gd name="connsiteY8" fmla="*/ 54864 h 3209544"/>
-              <a:gd name="connsiteX9" fmla="*/ 18288 w 3246120"/>
-              <a:gd name="connsiteY9" fmla="*/ 64008 h 3209544"/>
-              <a:gd name="connsiteX10" fmla="*/ 9144 w 3246120"/>
-              <a:gd name="connsiteY10" fmla="*/ 0 h 3209544"/>
-            </a:gdLst>
-            <a:ahLst/>
-            <a:cxnLst>
-              <a:cxn ang="0">
-                <a:pos x="connsiteX0" y="connsiteY0"/>
-              </a:cxn>
-              <a:cxn ang="0">
-                <a:pos x="connsiteX1" y="connsiteY1"/>
-              </a:cxn>
-              <a:cxn ang="0">
-                <a:pos x="connsiteX2" y="connsiteY2"/>
-              </a:cxn>
-              <a:cxn ang="0">
-                <a:pos x="connsiteX3" y="connsiteY3"/>
-              </a:cxn>
-              <a:cxn ang="0">
-                <a:pos x="connsiteX4" y="connsiteY4"/>
-              </a:cxn>
-              <a:cxn ang="0">
-                <a:pos x="connsiteX5" y="connsiteY5"/>
-              </a:cxn>
-              <a:cxn ang="0">
-                <a:pos x="connsiteX6" y="connsiteY6"/>
-              </a:cxn>
-              <a:cxn ang="0">
-                <a:pos x="connsiteX7" y="connsiteY7"/>
-              </a:cxn>
-              <a:cxn ang="0">
-                <a:pos x="connsiteX8" y="connsiteY8"/>
-              </a:cxn>
-              <a:cxn ang="0">
-                <a:pos x="connsiteX9" y="connsiteY9"/>
-              </a:cxn>
-              <a:cxn ang="0">
-                <a:pos x="connsiteX10" y="connsiteY10"/>
-              </a:cxn>
-            </a:cxnLst>
-            <a:rect l="l" t="t" r="r" b="b"/>
-            <a:pathLst>
-              <a:path w="3246120" h="3209544">
-                <a:moveTo>
-                  <a:pt x="9144" y="0"/>
-                </a:moveTo>
-                <a:lnTo>
-                  <a:pt x="0" y="1664208"/>
-                </a:lnTo>
-                <a:lnTo>
-                  <a:pt x="1746504" y="1700784"/>
-                </a:lnTo>
-                <a:lnTo>
-                  <a:pt x="1783080" y="3209544"/>
-                </a:lnTo>
-                <a:lnTo>
-                  <a:pt x="3246120" y="3209544"/>
-                </a:lnTo>
-                <a:lnTo>
-                  <a:pt x="3246120" y="1536192"/>
-                </a:lnTo>
-                <a:lnTo>
-                  <a:pt x="2596896" y="1545336"/>
-                </a:lnTo>
-                <a:lnTo>
-                  <a:pt x="2587752" y="54864"/>
-                </a:lnTo>
-                <a:lnTo>
-                  <a:pt x="45720" y="54864"/>
-                </a:lnTo>
-                <a:lnTo>
-                  <a:pt x="18288" y="64008"/>
-                </a:lnTo>
-                <a:lnTo>
-                  <a:pt x="9144" y="0"/>
-                </a:lnTo>
-                <a:close/>
-              </a:path>
-            </a:pathLst>
-          </a:custGeom>
-          <a:noFill/>
-          <a:ln w="28575">
-            <a:solidFill>
-              <a:srgbClr val="00B050"/>
-            </a:solidFill>
-          </a:ln>
-        </p:spPr>
-        <p:style>
-          <a:lnRef idx="2">
-            <a:schemeClr val="accent1">
-              <a:shade val="50000"/>
-            </a:schemeClr>
-          </a:lnRef>
-          <a:fillRef idx="1">
-            <a:schemeClr val="accent1"/>
-          </a:fillRef>
-          <a:effectRef idx="0">
-            <a:schemeClr val="accent1"/>
-          </a:effectRef>
-          <a:fontRef idx="minor">
-            <a:schemeClr val="lt1"/>
-          </a:fontRef>
-        </p:style>
-        <p:txBody>
-          <a:bodyPr rtlCol="0" anchor="ctr"/>
-          <a:lstStyle/>
-          <a:p>
-            <a:pPr algn="ctr"/>
-            <a:endParaRPr lang="fr-FR"/>
-          </a:p>
-        </p:txBody>
-      </p:sp>
+        </p:nvGraphicFramePr>
+        <p:xfrm>
+          <a:off x="5334974" y="1528614"/>
+          <a:ext cx="5505915" cy="3821047"/>
+        </p:xfrm>
+        <a:graphic>
+          <a:graphicData uri="http://schemas.openxmlformats.org/drawingml/2006/diagram">
+            <dgm:relIds xmlns:dgm="http://schemas.openxmlformats.org/drawingml/2006/diagram" xmlns:r="http://schemas.openxmlformats.org/officeDocument/2006/relationships" r:dm="rId2" r:lo="rId3" r:qs="rId4" r:cs="rId5"/>
+          </a:graphicData>
+        </a:graphic>
+      </p:graphicFrame>
     </p:spTree>
   </p:cSld>
   <p:clrMapOvr>
@@ -15239,7 +15412,7 @@
 </p:sld>
 </file>
 
-<file path=ppt/slides/slide7.xml><?xml version="1.0" encoding="utf-8"?>
+<file path=ppt/slides/slide6.xml><?xml version="1.0" encoding="utf-8"?>
 <p:sld xmlns:a="http://schemas.openxmlformats.org/drawingml/2006/main" xmlns:r="http://schemas.openxmlformats.org/officeDocument/2006/relationships" xmlns:p="http://schemas.openxmlformats.org/presentationml/2006/main">
   <p:cSld>
     <p:bg>
@@ -15993,8 +16166,8 @@
         </p:nvSpPr>
         <p:spPr>
           <a:xfrm>
-            <a:off x="197963" y="586855"/>
-            <a:ext cx="3703009" cy="2278893"/>
+            <a:off x="466722" y="586855"/>
+            <a:ext cx="3201366" cy="3387497"/>
           </a:xfrm>
         </p:spPr>
         <p:txBody>
@@ -16010,7 +16183,7 @@
                   <a:srgbClr val="FFFFFF"/>
                 </a:solidFill>
               </a:rPr>
-              <a:t>Est-ce pertinent ?</a:t>
+              <a:t>Notre conception UML</a:t>
             </a:r>
             <a:endParaRPr lang="en-US" sz="3700">
               <a:solidFill>
@@ -16020,159 +16193,306 @@
           </a:p>
         </p:txBody>
       </p:sp>
-      <p:sp>
-        <p:nvSpPr>
-          <p:cNvPr id="17" name="Rectangle 6"/>
-          <p:cNvSpPr>
-            <a:spLocks noChangeArrowheads="1"/>
-          </p:cNvSpPr>
-          <p:nvPr/>
-        </p:nvSpPr>
-        <p:spPr bwMode="auto">
-          <a:xfrm>
-            <a:off x="152400" y="152400"/>
-            <a:ext cx="12192000" cy="0"/>
-          </a:xfrm>
-          <a:prstGeom prst="rect">
-            <a:avLst/>
-          </a:prstGeom>
-          <a:solidFill>
-            <a:srgbClr val="36393F"/>
-          </a:solidFill>
-          <a:ln>
-            <a:noFill/>
-          </a:ln>
-          <a:effectLst/>
-          <a:extLst>
-            <a:ext uri="{91240B29-F687-4F45-9708-019B960494DF}">
-              <a14:hiddenLine xmlns:a14="http://schemas.microsoft.com/office/drawing/2010/main" w="9525">
-                <a:solidFill>
-                  <a:schemeClr val="tx1"/>
-                </a:solidFill>
-                <a:miter lim="800000"/>
-                <a:headEnd/>
-                <a:tailEnd/>
-              </a14:hiddenLine>
-            </a:ext>
-            <a:ext uri="{AF507438-7753-43E0-B8FC-AC1667EBCBE1}">
-              <a14:hiddenEffects xmlns:a14="http://schemas.microsoft.com/office/drawing/2010/main">
-                <a:effectLst>
-                  <a:outerShdw dist="35921" dir="2700000" algn="ctr" rotWithShape="0">
-                    <a:schemeClr val="bg2"/>
-                  </a:outerShdw>
-                </a:effectLst>
-              </a14:hiddenEffects>
-            </a:ext>
-          </a:extLst>
-        </p:spPr>
-        <p:txBody>
-          <a:bodyPr vert="horz" wrap="none" lIns="0" tIns="0" rIns="0" bIns="0" numCol="1" anchor="ctr" anchorCtr="0" compatLnSpc="1">
-            <a:spAutoFit/>
-          </a:bodyPr>
-          <a:lstStyle/>
-          <a:p>
-            <a:pPr marL="0" marR="0" lvl="0" indent="0" algn="l" defTabSz="914400" rtl="0" eaLnBrk="0" fontAlgn="base" latinLnBrk="0" hangingPunct="0">
-              <a:lnSpc>
-                <a:spcPct val="100000"/>
-              </a:lnSpc>
-              <a:spcBef>
-                <a:spcPct val="0"/>
-              </a:spcBef>
-              <a:spcAft>
-                <a:spcPct val="0"/>
-              </a:spcAft>
-              <a:buClrTx/>
-              <a:buSzTx/>
-              <a:buFontTx/>
-              <a:buNone/>
-            </a:pPr>
-            <a:endParaRPr kumimoji="0" lang="fr-FR" altLang="fr-FR" sz="1800" b="0" i="0" u="none" strike="noStrike" cap="none" normalizeH="0" baseline="0">
-              <a:ln>
-                <a:noFill/>
-              </a:ln>
-              <a:solidFill>
-                <a:schemeClr val="tx1"/>
-              </a:solidFill>
-              <a:effectLst/>
-              <a:latin typeface="Arial" panose="020B0604020202020204" pitchFamily="34" charset="0"/>
-            </a:endParaRPr>
-          </a:p>
-        </p:txBody>
-      </p:sp>
-      <p:sp>
-        <p:nvSpPr>
-          <p:cNvPr id="19" name="ZoneTexte 18"/>
-          <p:cNvSpPr txBox="1"/>
-          <p:nvPr/>
-        </p:nvSpPr>
-        <p:spPr>
-          <a:xfrm>
-            <a:off x="5006308" y="738641"/>
-            <a:ext cx="6341396" cy="1200329"/>
-          </a:xfrm>
-          <a:prstGeom prst="rect">
-            <a:avLst/>
-          </a:prstGeom>
-          <a:noFill/>
-        </p:spPr>
-        <p:txBody>
-          <a:bodyPr wrap="square" rtlCol="0">
-            <a:spAutoFit/>
-          </a:bodyPr>
-          <a:lstStyle/>
-          <a:p>
-            <a:r>
-              <a:rPr lang="fr-FR"/>
-              <a:t>La classe </a:t>
-            </a:r>
-            <a:r>
-              <a:rPr lang="fr-FR" err="1"/>
-              <a:t>Query</a:t>
-            </a:r>
-            <a:r>
-              <a:rPr lang="fr-FR"/>
-              <a:t> permet une implémentation de la base des requêtes SQL.</a:t>
-            </a:r>
-            <a:endParaRPr lang="fr-FR"/>
-          </a:p>
-          <a:p>
-            <a:r>
-              <a:rPr lang="fr-FR"/>
-              <a:t>Les requêtes sont séparées en classes distinctes, nous évitons de créer ainsi un </a:t>
-            </a:r>
-            <a:r>
-              <a:rPr lang="fr-FR" u="sng"/>
-              <a:t>objet divin </a:t>
-            </a:r>
-            <a:endParaRPr lang="fr-FR" u="sng"/>
-          </a:p>
-        </p:txBody>
-      </p:sp>
       <p:pic>
         <p:nvPicPr>
-          <p:cNvPr id="15" name="Image 14"/>
+          <p:cNvPr id="4" name="Image 3"/>
           <p:cNvPicPr>
             <a:picLocks noChangeAspect="1"/>
           </p:cNvPicPr>
           <p:nvPr/>
         </p:nvPicPr>
-        <p:blipFill rotWithShape="1">
-          <a:blip r:embed="rId1"/>
-          <a:srcRect t="285" r="20989"/>
+        <p:blipFill>
+          <a:blip r:embed="rId2"/>
           <a:stretch>
             <a:fillRect/>
           </a:stretch>
         </p:blipFill>
         <p:spPr>
           <a:xfrm>
-            <a:off x="5715746" y="2142779"/>
-            <a:ext cx="4922520" cy="4264210"/>
+            <a:off x="4442354" y="871051"/>
+            <a:ext cx="7423628" cy="5095618"/>
           </a:xfrm>
           <a:prstGeom prst="rect">
             <a:avLst/>
           </a:prstGeom>
         </p:spPr>
       </p:pic>
+      <p:sp>
+        <p:nvSpPr>
+          <p:cNvPr id="6" name="Forme libre : forme 5"/>
+          <p:cNvSpPr/>
+          <p:nvPr/>
+        </p:nvSpPr>
+        <p:spPr>
+          <a:xfrm>
+            <a:off x="4134810" y="700556"/>
+            <a:ext cx="5588000" cy="5477163"/>
+          </a:xfrm>
+          <a:custGeom>
+            <a:avLst/>
+            <a:gdLst>
+              <a:gd name="connsiteX0" fmla="*/ 0 w 5588000"/>
+              <a:gd name="connsiteY0" fmla="*/ 0 h 5477163"/>
+              <a:gd name="connsiteX1" fmla="*/ 2586182 w 5588000"/>
+              <a:gd name="connsiteY1" fmla="*/ 9236 h 5477163"/>
+              <a:gd name="connsiteX2" fmla="*/ 2604654 w 5588000"/>
+              <a:gd name="connsiteY2" fmla="*/ 2918691 h 5477163"/>
+              <a:gd name="connsiteX3" fmla="*/ 4424218 w 5588000"/>
+              <a:gd name="connsiteY3" fmla="*/ 2927927 h 5477163"/>
+              <a:gd name="connsiteX4" fmla="*/ 4479636 w 5588000"/>
+              <a:gd name="connsiteY4" fmla="*/ 4276436 h 5477163"/>
+              <a:gd name="connsiteX5" fmla="*/ 5578764 w 5588000"/>
+              <a:gd name="connsiteY5" fmla="*/ 4294909 h 5477163"/>
+              <a:gd name="connsiteX6" fmla="*/ 5588000 w 5588000"/>
+              <a:gd name="connsiteY6" fmla="*/ 5449454 h 5477163"/>
+              <a:gd name="connsiteX7" fmla="*/ 138545 w 5588000"/>
+              <a:gd name="connsiteY7" fmla="*/ 5477163 h 5477163"/>
+              <a:gd name="connsiteX8" fmla="*/ 0 w 5588000"/>
+              <a:gd name="connsiteY8" fmla="*/ 0 h 5477163"/>
+            </a:gdLst>
+            <a:ahLst/>
+            <a:cxnLst>
+              <a:cxn ang="0">
+                <a:pos x="connsiteX0" y="connsiteY0"/>
+              </a:cxn>
+              <a:cxn ang="0">
+                <a:pos x="connsiteX1" y="connsiteY1"/>
+              </a:cxn>
+              <a:cxn ang="0">
+                <a:pos x="connsiteX2" y="connsiteY2"/>
+              </a:cxn>
+              <a:cxn ang="0">
+                <a:pos x="connsiteX3" y="connsiteY3"/>
+              </a:cxn>
+              <a:cxn ang="0">
+                <a:pos x="connsiteX4" y="connsiteY4"/>
+              </a:cxn>
+              <a:cxn ang="0">
+                <a:pos x="connsiteX5" y="connsiteY5"/>
+              </a:cxn>
+              <a:cxn ang="0">
+                <a:pos x="connsiteX6" y="connsiteY6"/>
+              </a:cxn>
+              <a:cxn ang="0">
+                <a:pos x="connsiteX7" y="connsiteY7"/>
+              </a:cxn>
+              <a:cxn ang="0">
+                <a:pos x="connsiteX8" y="connsiteY8"/>
+              </a:cxn>
+            </a:cxnLst>
+            <a:rect l="l" t="t" r="r" b="b"/>
+            <a:pathLst>
+              <a:path w="5588000" h="5477163">
+                <a:moveTo>
+                  <a:pt x="0" y="0"/>
+                </a:moveTo>
+                <a:lnTo>
+                  <a:pt x="2586182" y="9236"/>
+                </a:lnTo>
+                <a:lnTo>
+                  <a:pt x="2604654" y="2918691"/>
+                </a:lnTo>
+                <a:lnTo>
+                  <a:pt x="4424218" y="2927927"/>
+                </a:lnTo>
+                <a:lnTo>
+                  <a:pt x="4479636" y="4276436"/>
+                </a:lnTo>
+                <a:lnTo>
+                  <a:pt x="5578764" y="4294909"/>
+                </a:lnTo>
+                <a:cubicBezTo>
+                  <a:pt x="5581843" y="4679757"/>
+                  <a:pt x="5584921" y="5064606"/>
+                  <a:pt x="5588000" y="5449454"/>
+                </a:cubicBezTo>
+                <a:lnTo>
+                  <a:pt x="138545" y="5477163"/>
+                </a:lnTo>
+                <a:lnTo>
+                  <a:pt x="0" y="0"/>
+                </a:lnTo>
+                <a:close/>
+              </a:path>
+            </a:pathLst>
+          </a:custGeom>
+          <a:noFill/>
+          <a:ln w="28575">
+            <a:solidFill>
+              <a:srgbClr val="FF0000"/>
+            </a:solidFill>
+          </a:ln>
+        </p:spPr>
+        <p:style>
+          <a:lnRef idx="2">
+            <a:schemeClr val="accent1">
+              <a:shade val="50000"/>
+            </a:schemeClr>
+          </a:lnRef>
+          <a:fillRef idx="1">
+            <a:schemeClr val="accent1"/>
+          </a:fillRef>
+          <a:effectRef idx="0">
+            <a:schemeClr val="accent1"/>
+          </a:effectRef>
+          <a:fontRef idx="minor">
+            <a:schemeClr val="lt1"/>
+          </a:fontRef>
+        </p:style>
+        <p:txBody>
+          <a:bodyPr rtlCol="0" anchor="ctr"/>
+          <a:lstStyle/>
+          <a:p>
+            <a:pPr algn="ctr"/>
+            <a:endParaRPr lang="fr-FR"/>
+          </a:p>
+        </p:txBody>
+      </p:sp>
+      <p:sp>
+        <p:nvSpPr>
+          <p:cNvPr id="7" name="Forme libre : forme 6"/>
+          <p:cNvSpPr/>
+          <p:nvPr/>
+        </p:nvSpPr>
+        <p:spPr>
+          <a:xfrm>
+            <a:off x="7068312" y="1755648"/>
+            <a:ext cx="3246120" cy="3209544"/>
+          </a:xfrm>
+          <a:custGeom>
+            <a:avLst/>
+            <a:gdLst>
+              <a:gd name="connsiteX0" fmla="*/ 9144 w 3246120"/>
+              <a:gd name="connsiteY0" fmla="*/ 0 h 3209544"/>
+              <a:gd name="connsiteX1" fmla="*/ 0 w 3246120"/>
+              <a:gd name="connsiteY1" fmla="*/ 1664208 h 3209544"/>
+              <a:gd name="connsiteX2" fmla="*/ 1746504 w 3246120"/>
+              <a:gd name="connsiteY2" fmla="*/ 1700784 h 3209544"/>
+              <a:gd name="connsiteX3" fmla="*/ 1783080 w 3246120"/>
+              <a:gd name="connsiteY3" fmla="*/ 3209544 h 3209544"/>
+              <a:gd name="connsiteX4" fmla="*/ 3246120 w 3246120"/>
+              <a:gd name="connsiteY4" fmla="*/ 3209544 h 3209544"/>
+              <a:gd name="connsiteX5" fmla="*/ 3246120 w 3246120"/>
+              <a:gd name="connsiteY5" fmla="*/ 1536192 h 3209544"/>
+              <a:gd name="connsiteX6" fmla="*/ 2596896 w 3246120"/>
+              <a:gd name="connsiteY6" fmla="*/ 1545336 h 3209544"/>
+              <a:gd name="connsiteX7" fmla="*/ 2587752 w 3246120"/>
+              <a:gd name="connsiteY7" fmla="*/ 54864 h 3209544"/>
+              <a:gd name="connsiteX8" fmla="*/ 45720 w 3246120"/>
+              <a:gd name="connsiteY8" fmla="*/ 54864 h 3209544"/>
+              <a:gd name="connsiteX9" fmla="*/ 18288 w 3246120"/>
+              <a:gd name="connsiteY9" fmla="*/ 64008 h 3209544"/>
+              <a:gd name="connsiteX10" fmla="*/ 9144 w 3246120"/>
+              <a:gd name="connsiteY10" fmla="*/ 0 h 3209544"/>
+            </a:gdLst>
+            <a:ahLst/>
+            <a:cxnLst>
+              <a:cxn ang="0">
+                <a:pos x="connsiteX0" y="connsiteY0"/>
+              </a:cxn>
+              <a:cxn ang="0">
+                <a:pos x="connsiteX1" y="connsiteY1"/>
+              </a:cxn>
+              <a:cxn ang="0">
+                <a:pos x="connsiteX2" y="connsiteY2"/>
+              </a:cxn>
+              <a:cxn ang="0">
+                <a:pos x="connsiteX3" y="connsiteY3"/>
+              </a:cxn>
+              <a:cxn ang="0">
+                <a:pos x="connsiteX4" y="connsiteY4"/>
+              </a:cxn>
+              <a:cxn ang="0">
+                <a:pos x="connsiteX5" y="connsiteY5"/>
+              </a:cxn>
+              <a:cxn ang="0">
+                <a:pos x="connsiteX6" y="connsiteY6"/>
+              </a:cxn>
+              <a:cxn ang="0">
+                <a:pos x="connsiteX7" y="connsiteY7"/>
+              </a:cxn>
+              <a:cxn ang="0">
+                <a:pos x="connsiteX8" y="connsiteY8"/>
+              </a:cxn>
+              <a:cxn ang="0">
+                <a:pos x="connsiteX9" y="connsiteY9"/>
+              </a:cxn>
+              <a:cxn ang="0">
+                <a:pos x="connsiteX10" y="connsiteY10"/>
+              </a:cxn>
+            </a:cxnLst>
+            <a:rect l="l" t="t" r="r" b="b"/>
+            <a:pathLst>
+              <a:path w="3246120" h="3209544">
+                <a:moveTo>
+                  <a:pt x="9144" y="0"/>
+                </a:moveTo>
+                <a:lnTo>
+                  <a:pt x="0" y="1664208"/>
+                </a:lnTo>
+                <a:lnTo>
+                  <a:pt x="1746504" y="1700784"/>
+                </a:lnTo>
+                <a:lnTo>
+                  <a:pt x="1783080" y="3209544"/>
+                </a:lnTo>
+                <a:lnTo>
+                  <a:pt x="3246120" y="3209544"/>
+                </a:lnTo>
+                <a:lnTo>
+                  <a:pt x="3246120" y="1536192"/>
+                </a:lnTo>
+                <a:lnTo>
+                  <a:pt x="2596896" y="1545336"/>
+                </a:lnTo>
+                <a:lnTo>
+                  <a:pt x="2587752" y="54864"/>
+                </a:lnTo>
+                <a:lnTo>
+                  <a:pt x="45720" y="54864"/>
+                </a:lnTo>
+                <a:lnTo>
+                  <a:pt x="18288" y="64008"/>
+                </a:lnTo>
+                <a:lnTo>
+                  <a:pt x="9144" y="0"/>
+                </a:lnTo>
+                <a:close/>
+              </a:path>
+            </a:pathLst>
+          </a:custGeom>
+          <a:noFill/>
+          <a:ln w="28575">
+            <a:solidFill>
+              <a:srgbClr val="00B050"/>
+            </a:solidFill>
+          </a:ln>
+        </p:spPr>
+        <p:style>
+          <a:lnRef idx="2">
+            <a:schemeClr val="accent1">
+              <a:shade val="50000"/>
+            </a:schemeClr>
+          </a:lnRef>
+          <a:fillRef idx="1">
+            <a:schemeClr val="accent1"/>
+          </a:fillRef>
+          <a:effectRef idx="0">
+            <a:schemeClr val="accent1"/>
+          </a:effectRef>
+          <a:fontRef idx="minor">
+            <a:schemeClr val="lt1"/>
+          </a:fontRef>
+        </p:style>
+        <p:txBody>
+          <a:bodyPr rtlCol="0" anchor="ctr"/>
+          <a:lstStyle/>
+          <a:p>
+            <a:pPr algn="ctr"/>
+            <a:endParaRPr lang="fr-FR"/>
+          </a:p>
+        </p:txBody>
+      </p:sp>
     </p:spTree>
   </p:cSld>
   <p:clrMapOvr>
@@ -16181,7 +16501,7 @@
 </p:sld>
 </file>
 
-<file path=ppt/slides/slide8.xml><?xml version="1.0" encoding="utf-8"?>
+<file path=ppt/slides/slide7.xml><?xml version="1.0" encoding="utf-8"?>
 <p:sld xmlns:a="http://schemas.openxmlformats.org/drawingml/2006/main" xmlns:r="http://schemas.openxmlformats.org/officeDocument/2006/relationships" xmlns:p="http://schemas.openxmlformats.org/presentationml/2006/main">
   <p:cSld>
     <p:bg>
@@ -16952,6 +17272,946 @@
                   <a:srgbClr val="FFFFFF"/>
                 </a:solidFill>
               </a:rPr>
+              <a:t>Est-ce pertinent ?</a:t>
+            </a:r>
+            <a:endParaRPr lang="en-US" sz="3700">
+              <a:solidFill>
+                <a:srgbClr val="FFFFFF"/>
+              </a:solidFill>
+            </a:endParaRPr>
+          </a:p>
+        </p:txBody>
+      </p:sp>
+      <p:sp>
+        <p:nvSpPr>
+          <p:cNvPr id="17" name="Rectangle 6"/>
+          <p:cNvSpPr>
+            <a:spLocks noChangeArrowheads="1"/>
+          </p:cNvSpPr>
+          <p:nvPr/>
+        </p:nvSpPr>
+        <p:spPr bwMode="auto">
+          <a:xfrm>
+            <a:off x="152400" y="152400"/>
+            <a:ext cx="12192000" cy="0"/>
+          </a:xfrm>
+          <a:prstGeom prst="rect">
+            <a:avLst/>
+          </a:prstGeom>
+          <a:solidFill>
+            <a:srgbClr val="36393F"/>
+          </a:solidFill>
+          <a:ln>
+            <a:noFill/>
+          </a:ln>
+          <a:effectLst/>
+          <a:extLst>
+            <a:ext uri="{91240B29-F687-4F45-9708-019B960494DF}">
+              <a14:hiddenLine xmlns:a14="http://schemas.microsoft.com/office/drawing/2010/main" w="9525">
+                <a:solidFill>
+                  <a:schemeClr val="tx1"/>
+                </a:solidFill>
+                <a:miter lim="800000"/>
+                <a:headEnd/>
+                <a:tailEnd/>
+              </a14:hiddenLine>
+            </a:ext>
+            <a:ext uri="{AF507438-7753-43E0-B8FC-AC1667EBCBE1}">
+              <a14:hiddenEffects xmlns:a14="http://schemas.microsoft.com/office/drawing/2010/main">
+                <a:effectLst>
+                  <a:outerShdw dist="35921" dir="2700000" algn="ctr" rotWithShape="0">
+                    <a:schemeClr val="bg2"/>
+                  </a:outerShdw>
+                </a:effectLst>
+              </a14:hiddenEffects>
+            </a:ext>
+          </a:extLst>
+        </p:spPr>
+        <p:txBody>
+          <a:bodyPr vert="horz" wrap="none" lIns="0" tIns="0" rIns="0" bIns="0" numCol="1" anchor="ctr" anchorCtr="0" compatLnSpc="1">
+            <a:spAutoFit/>
+          </a:bodyPr>
+          <a:lstStyle/>
+          <a:p>
+            <a:pPr marL="0" marR="0" lvl="0" indent="0" algn="l" defTabSz="914400" rtl="0" eaLnBrk="0" fontAlgn="base" latinLnBrk="0" hangingPunct="0">
+              <a:lnSpc>
+                <a:spcPct val="100000"/>
+              </a:lnSpc>
+              <a:spcBef>
+                <a:spcPct val="0"/>
+              </a:spcBef>
+              <a:spcAft>
+                <a:spcPct val="0"/>
+              </a:spcAft>
+              <a:buClrTx/>
+              <a:buSzTx/>
+              <a:buFontTx/>
+              <a:buNone/>
+            </a:pPr>
+            <a:endParaRPr kumimoji="0" lang="fr-FR" altLang="fr-FR" sz="1800" b="0" i="0" u="none" strike="noStrike" cap="none" normalizeH="0" baseline="0">
+              <a:ln>
+                <a:noFill/>
+              </a:ln>
+              <a:solidFill>
+                <a:schemeClr val="tx1"/>
+              </a:solidFill>
+              <a:effectLst/>
+              <a:latin typeface="Arial" panose="020B0604020202020204" pitchFamily="34" charset="0"/>
+            </a:endParaRPr>
+          </a:p>
+        </p:txBody>
+      </p:sp>
+      <p:sp>
+        <p:nvSpPr>
+          <p:cNvPr id="19" name="ZoneTexte 18"/>
+          <p:cNvSpPr txBox="1"/>
+          <p:nvPr/>
+        </p:nvSpPr>
+        <p:spPr>
+          <a:xfrm>
+            <a:off x="5006308" y="738641"/>
+            <a:ext cx="6341396" cy="1200329"/>
+          </a:xfrm>
+          <a:prstGeom prst="rect">
+            <a:avLst/>
+          </a:prstGeom>
+          <a:noFill/>
+        </p:spPr>
+        <p:txBody>
+          <a:bodyPr wrap="square" rtlCol="0">
+            <a:spAutoFit/>
+          </a:bodyPr>
+          <a:lstStyle/>
+          <a:p>
+            <a:r>
+              <a:rPr lang="fr-FR"/>
+              <a:t>La classe </a:t>
+            </a:r>
+            <a:r>
+              <a:rPr lang="fr-FR" err="1"/>
+              <a:t>Query</a:t>
+            </a:r>
+            <a:r>
+              <a:rPr lang="fr-FR"/>
+              <a:t> permet une implémentation de la base des requêtes SQL.</a:t>
+            </a:r>
+          </a:p>
+          <a:p>
+            <a:r>
+              <a:rPr lang="fr-FR"/>
+              <a:t>Les requêtes sont séparées en classes distinctes, nous évitons de créer ainsi un </a:t>
+            </a:r>
+            <a:r>
+              <a:rPr lang="fr-FR" u="sng"/>
+              <a:t>objet divin </a:t>
+            </a:r>
+          </a:p>
+        </p:txBody>
+      </p:sp>
+      <p:pic>
+        <p:nvPicPr>
+          <p:cNvPr id="15" name="Image 14"/>
+          <p:cNvPicPr>
+            <a:picLocks noChangeAspect="1"/>
+          </p:cNvPicPr>
+          <p:nvPr/>
+        </p:nvPicPr>
+        <p:blipFill rotWithShape="1">
+          <a:blip r:embed="rId2"/>
+          <a:srcRect t="285" r="20989"/>
+          <a:stretch>
+            <a:fillRect/>
+          </a:stretch>
+        </p:blipFill>
+        <p:spPr>
+          <a:xfrm>
+            <a:off x="5715746" y="2142779"/>
+            <a:ext cx="4922520" cy="4264210"/>
+          </a:xfrm>
+          <a:prstGeom prst="rect">
+            <a:avLst/>
+          </a:prstGeom>
+        </p:spPr>
+      </p:pic>
+    </p:spTree>
+  </p:cSld>
+  <p:clrMapOvr>
+    <a:masterClrMapping/>
+  </p:clrMapOvr>
+</p:sld>
+</file>
+
+<file path=ppt/slides/slide8.xml><?xml version="1.0" encoding="utf-8"?>
+<p:sld xmlns:a="http://schemas.openxmlformats.org/drawingml/2006/main" xmlns:r="http://schemas.openxmlformats.org/officeDocument/2006/relationships" xmlns:p="http://schemas.openxmlformats.org/presentationml/2006/main">
+  <p:cSld>
+    <p:bg>
+      <p:bgPr>
+        <a:solidFill>
+          <a:schemeClr val="bg1"/>
+        </a:solidFill>
+        <a:effectLst/>
+      </p:bgPr>
+    </p:bg>
+    <p:spTree>
+      <p:nvGrpSpPr>
+        <p:cNvPr id="1" name=""/>
+        <p:cNvGrpSpPr/>
+        <p:nvPr/>
+      </p:nvGrpSpPr>
+      <p:grpSpPr>
+        <a:xfrm>
+          <a:off x="0" y="0"/>
+          <a:ext cx="0" cy="0"/>
+          <a:chOff x="0" y="0"/>
+          <a:chExt cx="0" cy="0"/>
+        </a:xfrm>
+      </p:grpSpPr>
+      <p:sp useBgFill="1">
+        <p:nvSpPr>
+          <p:cNvPr id="8" name="Rectangle 7"/>
+          <p:cNvSpPr>
+            <a:spLocks noGrp="1" noRot="1" noChangeAspect="1" noMove="1" noResize="1" noEditPoints="1" noAdjustHandles="1" noChangeArrowheads="1" noChangeShapeType="1" noTextEdit="1"/>
+          </p:cNvSpPr>
+          <p:nvPr/>
+        </p:nvSpPr>
+        <p:spPr>
+          <a:xfrm>
+            <a:off x="0" y="0"/>
+            <a:ext cx="12192000" cy="6858000"/>
+          </a:xfrm>
+          <a:prstGeom prst="rect">
+            <a:avLst/>
+          </a:prstGeom>
+          <a:ln w="12700" cap="flat" cmpd="sng" algn="ctr">
+            <a:noFill/>
+            <a:prstDash val="solid"/>
+            <a:miter lim="800000"/>
+          </a:ln>
+          <a:effectLst/>
+          <a:extLst>
+            <a:ext uri="{91240B29-F687-4F45-9708-019B960494DF}">
+              <a14:hiddenLine xmlns:a14="http://schemas.microsoft.com/office/drawing/2010/main" w="12700">
+                <a:solidFill>
+                  <a:schemeClr val="accent1">
+                    <a:shade val="50000"/>
+                  </a:schemeClr>
+                </a:solidFill>
+                <a:prstDash val="solid"/>
+                <a:miter lim="800000"/>
+                <a:headEnd/>
+                <a:tailEnd/>
+              </a14:hiddenLine>
+            </a:ext>
+          </a:extLst>
+        </p:spPr>
+        <p:style>
+          <a:lnRef idx="2">
+            <a:schemeClr val="accent1">
+              <a:shade val="50000"/>
+            </a:schemeClr>
+          </a:lnRef>
+          <a:fillRef idx="1">
+            <a:schemeClr val="accent1"/>
+          </a:fillRef>
+          <a:effectRef idx="0">
+            <a:schemeClr val="accent1"/>
+          </a:effectRef>
+          <a:fontRef idx="minor">
+            <a:schemeClr val="lt1"/>
+          </a:fontRef>
+        </p:style>
+        <p:txBody>
+          <a:bodyPr rtlCol="0" anchor="ctr"/>
+          <a:lstStyle/>
+          <a:p>
+            <a:pPr marL="0" marR="0" lvl="0" indent="0" algn="ctr" defTabSz="914400" rtl="0" eaLnBrk="1" fontAlgn="auto" latinLnBrk="0" hangingPunct="1">
+              <a:lnSpc>
+                <a:spcPct val="100000"/>
+              </a:lnSpc>
+              <a:spcBef>
+                <a:spcPts val="0"/>
+              </a:spcBef>
+              <a:spcAft>
+                <a:spcPts val="0"/>
+              </a:spcAft>
+              <a:buClrTx/>
+              <a:buSzTx/>
+              <a:buFontTx/>
+              <a:buNone/>
+              <a:defRPr/>
+            </a:pPr>
+            <a:endParaRPr kumimoji="0" lang="en-US" sz="1800" b="0" i="0" u="none" strike="noStrike" kern="1200" cap="none" spc="0" normalizeH="0" baseline="0" noProof="0">
+              <a:ln>
+                <a:noFill/>
+              </a:ln>
+              <a:solidFill>
+                <a:prstClr val="white"/>
+              </a:solidFill>
+              <a:effectLst/>
+              <a:uLnTx/>
+              <a:uFillTx/>
+              <a:latin typeface="Calibri" panose="020F0502020204030204"/>
+              <a:ea typeface="+mn-ea"/>
+              <a:cs typeface="+mn-cs"/>
+            </a:endParaRPr>
+          </a:p>
+        </p:txBody>
+      </p:sp>
+      <p:sp useBgFill="1">
+        <p:nvSpPr>
+          <p:cNvPr id="10" name="Rectangle 9"/>
+          <p:cNvSpPr>
+            <a:spLocks noGrp="1" noRot="1" noChangeAspect="1" noMove="1" noResize="1" noEditPoints="1" noAdjustHandles="1" noChangeArrowheads="1" noChangeShapeType="1" noTextEdit="1"/>
+          </p:cNvSpPr>
+          <p:nvPr/>
+        </p:nvSpPr>
+        <p:spPr>
+          <a:xfrm>
+            <a:off x="0" y="0"/>
+            <a:ext cx="12188952" cy="6858000"/>
+          </a:xfrm>
+          <a:prstGeom prst="rect">
+            <a:avLst/>
+          </a:prstGeom>
+          <a:ln w="12700" cap="flat" cmpd="sng" algn="ctr">
+            <a:noFill/>
+            <a:prstDash val="solid"/>
+            <a:miter lim="800000"/>
+          </a:ln>
+          <a:effectLst/>
+          <a:extLst>
+            <a:ext uri="{91240B29-F687-4F45-9708-019B960494DF}">
+              <a14:hiddenLine xmlns:a14="http://schemas.microsoft.com/office/drawing/2010/main" w="12700">
+                <a:solidFill>
+                  <a:schemeClr val="accent1">
+                    <a:shade val="50000"/>
+                  </a:schemeClr>
+                </a:solidFill>
+                <a:prstDash val="solid"/>
+                <a:miter lim="800000"/>
+                <a:headEnd/>
+                <a:tailEnd/>
+              </a14:hiddenLine>
+            </a:ext>
+          </a:extLst>
+        </p:spPr>
+        <p:style>
+          <a:lnRef idx="2">
+            <a:schemeClr val="accent1">
+              <a:shade val="50000"/>
+            </a:schemeClr>
+          </a:lnRef>
+          <a:fillRef idx="1">
+            <a:schemeClr val="accent1"/>
+          </a:fillRef>
+          <a:effectRef idx="0">
+            <a:schemeClr val="accent1"/>
+          </a:effectRef>
+          <a:fontRef idx="minor">
+            <a:schemeClr val="lt1"/>
+          </a:fontRef>
+        </p:style>
+        <p:txBody>
+          <a:bodyPr rtlCol="0" anchor="ctr"/>
+          <a:lstStyle/>
+          <a:p>
+            <a:pPr marL="0" marR="0" lvl="0" indent="0" algn="ctr" defTabSz="914400" rtl="0" eaLnBrk="1" fontAlgn="auto" latinLnBrk="0" hangingPunct="1">
+              <a:lnSpc>
+                <a:spcPct val="100000"/>
+              </a:lnSpc>
+              <a:spcBef>
+                <a:spcPts val="0"/>
+              </a:spcBef>
+              <a:spcAft>
+                <a:spcPts val="0"/>
+              </a:spcAft>
+              <a:buClrTx/>
+              <a:buSzTx/>
+              <a:buFontTx/>
+              <a:buNone/>
+              <a:defRPr/>
+            </a:pPr>
+            <a:endParaRPr kumimoji="0" lang="en-US" sz="1800" b="0" i="0" u="none" strike="noStrike" kern="1200" cap="none" spc="0" normalizeH="0" baseline="0" noProof="0">
+              <a:ln>
+                <a:noFill/>
+              </a:ln>
+              <a:solidFill>
+                <a:prstClr val="white"/>
+              </a:solidFill>
+              <a:effectLst/>
+              <a:uLnTx/>
+              <a:uFillTx/>
+              <a:latin typeface="Calibri" panose="020F0502020204030204"/>
+              <a:ea typeface="+mn-ea"/>
+              <a:cs typeface="+mn-cs"/>
+            </a:endParaRPr>
+          </a:p>
+        </p:txBody>
+      </p:sp>
+      <p:sp>
+        <p:nvSpPr>
+          <p:cNvPr id="12" name="Rectangle 11"/>
+          <p:cNvSpPr>
+            <a:spLocks noGrp="1" noRot="1" noChangeAspect="1" noMove="1" noResize="1" noEditPoints="1" noAdjustHandles="1" noChangeArrowheads="1" noChangeShapeType="1" noTextEdit="1"/>
+          </p:cNvSpPr>
+          <p:nvPr/>
+        </p:nvSpPr>
+        <p:spPr>
+          <a:xfrm rot="5400000" flipH="1">
+            <a:off x="-1410084" y="1410082"/>
+            <a:ext cx="6858000" cy="4037836"/>
+          </a:xfrm>
+          <a:prstGeom prst="rect">
+            <a:avLst/>
+          </a:prstGeom>
+          <a:gradFill>
+            <a:gsLst>
+              <a:gs pos="8000">
+                <a:srgbClr val="000000"/>
+              </a:gs>
+              <a:gs pos="100000">
+                <a:schemeClr val="accent1">
+                  <a:lumMod val="75000"/>
+                </a:schemeClr>
+              </a:gs>
+            </a:gsLst>
+            <a:lin ang="3000000" scaled="0"/>
+          </a:gradFill>
+          <a:ln>
+            <a:noFill/>
+          </a:ln>
+        </p:spPr>
+        <p:style>
+          <a:lnRef idx="2">
+            <a:schemeClr val="accent1">
+              <a:shade val="50000"/>
+            </a:schemeClr>
+          </a:lnRef>
+          <a:fillRef idx="1">
+            <a:schemeClr val="accent1"/>
+          </a:fillRef>
+          <a:effectRef idx="0">
+            <a:schemeClr val="accent1"/>
+          </a:effectRef>
+          <a:fontRef idx="minor">
+            <a:schemeClr val="lt1"/>
+          </a:fontRef>
+        </p:style>
+        <p:txBody>
+          <a:bodyPr rtlCol="0" anchor="ctr"/>
+          <a:lstStyle/>
+          <a:p>
+            <a:pPr marL="0" marR="0" lvl="0" indent="0" algn="ctr" defTabSz="914400" rtl="0" eaLnBrk="1" fontAlgn="auto" latinLnBrk="0" hangingPunct="1">
+              <a:lnSpc>
+                <a:spcPct val="100000"/>
+              </a:lnSpc>
+              <a:spcBef>
+                <a:spcPts val="0"/>
+              </a:spcBef>
+              <a:spcAft>
+                <a:spcPts val="0"/>
+              </a:spcAft>
+              <a:buClrTx/>
+              <a:buSzTx/>
+              <a:buFontTx/>
+              <a:buNone/>
+              <a:defRPr/>
+            </a:pPr>
+            <a:endParaRPr kumimoji="0" lang="en-US" sz="1800" b="0" i="0" u="none" strike="noStrike" kern="1200" cap="none" spc="0" normalizeH="0" baseline="0" noProof="0">
+              <a:ln>
+                <a:noFill/>
+              </a:ln>
+              <a:solidFill>
+                <a:prstClr val="white"/>
+              </a:solidFill>
+              <a:effectLst/>
+              <a:uLnTx/>
+              <a:uFillTx/>
+              <a:latin typeface="Calibri" panose="020F0502020204030204"/>
+              <a:ea typeface="+mn-ea"/>
+              <a:cs typeface="+mn-cs"/>
+            </a:endParaRPr>
+          </a:p>
+        </p:txBody>
+      </p:sp>
+      <p:sp>
+        <p:nvSpPr>
+          <p:cNvPr id="14" name="Rectangle 13"/>
+          <p:cNvSpPr>
+            <a:spLocks noGrp="1" noRot="1" noChangeAspect="1" noMove="1" noResize="1" noEditPoints="1" noAdjustHandles="1" noChangeArrowheads="1" noChangeShapeType="1" noTextEdit="1"/>
+          </p:cNvSpPr>
+          <p:nvPr/>
+        </p:nvSpPr>
+        <p:spPr>
+          <a:xfrm rot="5400000" flipH="1">
+            <a:off x="-1410085" y="1420219"/>
+            <a:ext cx="6857999" cy="4037839"/>
+          </a:xfrm>
+          <a:prstGeom prst="rect">
+            <a:avLst/>
+          </a:prstGeom>
+          <a:gradFill>
+            <a:gsLst>
+              <a:gs pos="0">
+                <a:srgbClr val="000000">
+                  <a:alpha val="0"/>
+                </a:srgbClr>
+              </a:gs>
+              <a:gs pos="99000">
+                <a:schemeClr val="accent1">
+                  <a:alpha val="46000"/>
+                </a:schemeClr>
+              </a:gs>
+            </a:gsLst>
+            <a:lin ang="1800000" scaled="0"/>
+          </a:gradFill>
+          <a:ln>
+            <a:noFill/>
+          </a:ln>
+        </p:spPr>
+        <p:style>
+          <a:lnRef idx="2">
+            <a:schemeClr val="accent1">
+              <a:shade val="50000"/>
+            </a:schemeClr>
+          </a:lnRef>
+          <a:fillRef idx="1">
+            <a:schemeClr val="accent1"/>
+          </a:fillRef>
+          <a:effectRef idx="0">
+            <a:schemeClr val="accent1"/>
+          </a:effectRef>
+          <a:fontRef idx="minor">
+            <a:schemeClr val="lt1"/>
+          </a:fontRef>
+        </p:style>
+        <p:txBody>
+          <a:bodyPr rtlCol="0" anchor="ctr"/>
+          <a:lstStyle/>
+          <a:p>
+            <a:pPr marL="0" marR="0" lvl="0" indent="0" algn="ctr" defTabSz="914400" rtl="0" eaLnBrk="1" fontAlgn="auto" latinLnBrk="0" hangingPunct="1">
+              <a:lnSpc>
+                <a:spcPct val="100000"/>
+              </a:lnSpc>
+              <a:spcBef>
+                <a:spcPts val="0"/>
+              </a:spcBef>
+              <a:spcAft>
+                <a:spcPts val="0"/>
+              </a:spcAft>
+              <a:buClrTx/>
+              <a:buSzTx/>
+              <a:buFontTx/>
+              <a:buNone/>
+              <a:defRPr/>
+            </a:pPr>
+            <a:endParaRPr kumimoji="0" lang="en-US" sz="1800" b="0" i="0" u="none" strike="noStrike" kern="1200" cap="none" spc="0" normalizeH="0" baseline="0" noProof="0">
+              <a:ln>
+                <a:noFill/>
+              </a:ln>
+              <a:solidFill>
+                <a:prstClr val="white"/>
+              </a:solidFill>
+              <a:effectLst/>
+              <a:uLnTx/>
+              <a:uFillTx/>
+              <a:latin typeface="Calibri" panose="020F0502020204030204"/>
+              <a:ea typeface="+mn-ea"/>
+              <a:cs typeface="+mn-cs"/>
+            </a:endParaRPr>
+          </a:p>
+        </p:txBody>
+      </p:sp>
+      <p:sp>
+        <p:nvSpPr>
+          <p:cNvPr id="16" name="Rectangle 15"/>
+          <p:cNvSpPr>
+            <a:spLocks noGrp="1" noRot="1" noChangeAspect="1" noMove="1" noResize="1" noEditPoints="1" noAdjustHandles="1" noChangeArrowheads="1" noChangeShapeType="1" noTextEdit="1"/>
+          </p:cNvSpPr>
+          <p:nvPr/>
+        </p:nvSpPr>
+        <p:spPr>
+          <a:xfrm rot="5400000" flipH="1">
+            <a:off x="767923" y="3588085"/>
+            <a:ext cx="2501979" cy="4037841"/>
+          </a:xfrm>
+          <a:prstGeom prst="rect">
+            <a:avLst/>
+          </a:prstGeom>
+          <a:gradFill>
+            <a:gsLst>
+              <a:gs pos="2000">
+                <a:schemeClr val="accent1">
+                  <a:alpha val="29000"/>
+                </a:schemeClr>
+              </a:gs>
+              <a:gs pos="100000">
+                <a:srgbClr val="000000">
+                  <a:alpha val="30000"/>
+                </a:srgbClr>
+              </a:gs>
+            </a:gsLst>
+            <a:lin ang="7800000" scaled="0"/>
+          </a:gradFill>
+          <a:ln>
+            <a:noFill/>
+          </a:ln>
+        </p:spPr>
+        <p:style>
+          <a:lnRef idx="2">
+            <a:schemeClr val="accent1">
+              <a:shade val="50000"/>
+            </a:schemeClr>
+          </a:lnRef>
+          <a:fillRef idx="1">
+            <a:schemeClr val="accent1"/>
+          </a:fillRef>
+          <a:effectRef idx="0">
+            <a:schemeClr val="accent1"/>
+          </a:effectRef>
+          <a:fontRef idx="minor">
+            <a:schemeClr val="lt1"/>
+          </a:fontRef>
+        </p:style>
+        <p:txBody>
+          <a:bodyPr rtlCol="0" anchor="ctr"/>
+          <a:lstStyle/>
+          <a:p>
+            <a:pPr marL="0" marR="0" lvl="0" indent="0" algn="ctr" defTabSz="914400" rtl="0" eaLnBrk="1" fontAlgn="auto" latinLnBrk="0" hangingPunct="1">
+              <a:lnSpc>
+                <a:spcPct val="100000"/>
+              </a:lnSpc>
+              <a:spcBef>
+                <a:spcPts val="0"/>
+              </a:spcBef>
+              <a:spcAft>
+                <a:spcPts val="0"/>
+              </a:spcAft>
+              <a:buClrTx/>
+              <a:buSzTx/>
+              <a:buFontTx/>
+              <a:buNone/>
+              <a:defRPr/>
+            </a:pPr>
+            <a:endParaRPr kumimoji="0" lang="en-US" sz="1800" b="0" i="0" u="none" strike="noStrike" kern="1200" cap="none" spc="0" normalizeH="0" baseline="0" noProof="0">
+              <a:ln>
+                <a:noFill/>
+              </a:ln>
+              <a:solidFill>
+                <a:prstClr val="white"/>
+              </a:solidFill>
+              <a:effectLst/>
+              <a:uLnTx/>
+              <a:uFillTx/>
+              <a:latin typeface="Calibri" panose="020F0502020204030204"/>
+              <a:ea typeface="+mn-ea"/>
+              <a:cs typeface="+mn-cs"/>
+            </a:endParaRPr>
+          </a:p>
+        </p:txBody>
+      </p:sp>
+      <p:sp>
+        <p:nvSpPr>
+          <p:cNvPr id="18" name="Freeform: Shape 17"/>
+          <p:cNvSpPr>
+            <a:spLocks noGrp="1" noRot="1" noChangeAspect="1" noMove="1" noResize="1" noEditPoints="1" noAdjustHandles="1" noChangeArrowheads="1" noChangeShapeType="1" noTextEdit="1"/>
+          </p:cNvSpPr>
+          <p:nvPr/>
+        </p:nvSpPr>
+        <p:spPr>
+          <a:xfrm rot="20635413">
+            <a:off x="-501737" y="969718"/>
+            <a:ext cx="3900357" cy="4178958"/>
+          </a:xfrm>
+          <a:custGeom>
+            <a:avLst/>
+            <a:gdLst>
+              <a:gd name="connsiteX0" fmla="*/ 2432225 w 3900357"/>
+              <a:gd name="connsiteY0" fmla="*/ 93939 h 4178958"/>
+              <a:gd name="connsiteX1" fmla="*/ 3900357 w 3900357"/>
+              <a:gd name="connsiteY1" fmla="*/ 2089479 h 4178958"/>
+              <a:gd name="connsiteX2" fmla="*/ 1810878 w 3900357"/>
+              <a:gd name="connsiteY2" fmla="*/ 4178958 h 4178958"/>
+              <a:gd name="connsiteX3" fmla="*/ 78249 w 3900357"/>
+              <a:gd name="connsiteY3" fmla="*/ 3257727 h 4178958"/>
+              <a:gd name="connsiteX4" fmla="*/ 0 w 3900357"/>
+              <a:gd name="connsiteY4" fmla="*/ 3128923 h 4178958"/>
+              <a:gd name="connsiteX5" fmla="*/ 831324 w 3900357"/>
+              <a:gd name="connsiteY5" fmla="*/ 244281 h 4178958"/>
+              <a:gd name="connsiteX6" fmla="*/ 997559 w 3900357"/>
+              <a:gd name="connsiteY6" fmla="*/ 164202 h 4178958"/>
+              <a:gd name="connsiteX7" fmla="*/ 1810878 w 3900357"/>
+              <a:gd name="connsiteY7" fmla="*/ 0 h 4178958"/>
+              <a:gd name="connsiteX8" fmla="*/ 2432225 w 3900357"/>
+              <a:gd name="connsiteY8" fmla="*/ 93939 h 4178958"/>
+            </a:gdLst>
+            <a:ahLst/>
+            <a:cxnLst>
+              <a:cxn ang="0">
+                <a:pos x="connsiteX0" y="connsiteY0"/>
+              </a:cxn>
+              <a:cxn ang="0">
+                <a:pos x="connsiteX1" y="connsiteY1"/>
+              </a:cxn>
+              <a:cxn ang="0">
+                <a:pos x="connsiteX2" y="connsiteY2"/>
+              </a:cxn>
+              <a:cxn ang="0">
+                <a:pos x="connsiteX3" y="connsiteY3"/>
+              </a:cxn>
+              <a:cxn ang="0">
+                <a:pos x="connsiteX4" y="connsiteY4"/>
+              </a:cxn>
+              <a:cxn ang="0">
+                <a:pos x="connsiteX5" y="connsiteY5"/>
+              </a:cxn>
+              <a:cxn ang="0">
+                <a:pos x="connsiteX6" y="connsiteY6"/>
+              </a:cxn>
+              <a:cxn ang="0">
+                <a:pos x="connsiteX7" y="connsiteY7"/>
+              </a:cxn>
+              <a:cxn ang="0">
+                <a:pos x="connsiteX8" y="connsiteY8"/>
+              </a:cxn>
+            </a:cxnLst>
+            <a:rect l="l" t="t" r="r" b="b"/>
+            <a:pathLst>
+              <a:path w="3900357" h="4178958">
+                <a:moveTo>
+                  <a:pt x="2432225" y="93939"/>
+                </a:moveTo>
+                <a:cubicBezTo>
+                  <a:pt x="3282786" y="358491"/>
+                  <a:pt x="3900357" y="1151865"/>
+                  <a:pt x="3900357" y="2089479"/>
+                </a:cubicBezTo>
+                <a:cubicBezTo>
+                  <a:pt x="3900357" y="3243466"/>
+                  <a:pt x="2964865" y="4178958"/>
+                  <a:pt x="1810878" y="4178958"/>
+                </a:cubicBezTo>
+                <a:cubicBezTo>
+                  <a:pt x="1089636" y="4178958"/>
+                  <a:pt x="453744" y="3813531"/>
+                  <a:pt x="78249" y="3257727"/>
+                </a:cubicBezTo>
+                <a:lnTo>
+                  <a:pt x="0" y="3128923"/>
+                </a:lnTo>
+                <a:lnTo>
+                  <a:pt x="831324" y="244281"/>
+                </a:lnTo>
+                <a:lnTo>
+                  <a:pt x="997559" y="164202"/>
+                </a:lnTo>
+                <a:cubicBezTo>
+                  <a:pt x="1247540" y="58468"/>
+                  <a:pt x="1522381" y="0"/>
+                  <a:pt x="1810878" y="0"/>
+                </a:cubicBezTo>
+                <a:cubicBezTo>
+                  <a:pt x="2027251" y="0"/>
+                  <a:pt x="2235942" y="32888"/>
+                  <a:pt x="2432225" y="93939"/>
+                </a:cubicBezTo>
+                <a:close/>
+              </a:path>
+            </a:pathLst>
+          </a:custGeom>
+          <a:gradFill>
+            <a:gsLst>
+              <a:gs pos="29000">
+                <a:srgbClr val="000000">
+                  <a:alpha val="0"/>
+                </a:srgbClr>
+              </a:gs>
+              <a:gs pos="100000">
+                <a:schemeClr val="accent1">
+                  <a:alpha val="43000"/>
+                </a:schemeClr>
+              </a:gs>
+            </a:gsLst>
+            <a:lin ang="1800000" scaled="0"/>
+          </a:gradFill>
+          <a:ln>
+            <a:noFill/>
+          </a:ln>
+        </p:spPr>
+        <p:style>
+          <a:lnRef idx="2">
+            <a:schemeClr val="accent1">
+              <a:shade val="50000"/>
+            </a:schemeClr>
+          </a:lnRef>
+          <a:fillRef idx="1">
+            <a:schemeClr val="accent1"/>
+          </a:fillRef>
+          <a:effectRef idx="0">
+            <a:schemeClr val="accent1"/>
+          </a:effectRef>
+          <a:fontRef idx="minor">
+            <a:schemeClr val="lt1"/>
+          </a:fontRef>
+        </p:style>
+        <p:txBody>
+          <a:bodyPr wrap="square" rtlCol="0" anchor="ctr">
+            <a:noAutofit/>
+          </a:bodyPr>
+          <a:lstStyle/>
+          <a:p>
+            <a:pPr marL="0" marR="0" lvl="0" indent="0" algn="ctr" defTabSz="914400" rtl="0" eaLnBrk="1" fontAlgn="auto" latinLnBrk="0" hangingPunct="1">
+              <a:lnSpc>
+                <a:spcPct val="100000"/>
+              </a:lnSpc>
+              <a:spcBef>
+                <a:spcPts val="0"/>
+              </a:spcBef>
+              <a:spcAft>
+                <a:spcPts val="0"/>
+              </a:spcAft>
+              <a:buClrTx/>
+              <a:buSzTx/>
+              <a:buFontTx/>
+              <a:buNone/>
+              <a:defRPr/>
+            </a:pPr>
+            <a:endParaRPr kumimoji="0" lang="en-US" sz="1800" b="0" i="0" u="none" strike="noStrike" kern="1200" cap="none" spc="0" normalizeH="0" baseline="0" noProof="0">
+              <a:ln>
+                <a:noFill/>
+              </a:ln>
+              <a:solidFill>
+                <a:prstClr val="white"/>
+              </a:solidFill>
+              <a:effectLst/>
+              <a:uLnTx/>
+              <a:uFillTx/>
+              <a:latin typeface="Calibri" panose="020F0502020204030204"/>
+              <a:ea typeface="+mn-ea"/>
+              <a:cs typeface="+mn-cs"/>
+            </a:endParaRPr>
+          </a:p>
+        </p:txBody>
+      </p:sp>
+      <p:sp>
+        <p:nvSpPr>
+          <p:cNvPr id="20" name="Rectangle 19"/>
+          <p:cNvSpPr>
+            <a:spLocks noGrp="1" noRot="1" noChangeAspect="1" noMove="1" noResize="1" noEditPoints="1" noAdjustHandles="1" noChangeArrowheads="1" noChangeShapeType="1" noTextEdit="1"/>
+          </p:cNvSpPr>
+          <p:nvPr/>
+        </p:nvSpPr>
+        <p:spPr>
+          <a:xfrm rot="5400000" flipH="1">
+            <a:off x="-1410093" y="1399943"/>
+            <a:ext cx="6858003" cy="4037835"/>
+          </a:xfrm>
+          <a:prstGeom prst="rect">
+            <a:avLst/>
+          </a:prstGeom>
+          <a:gradFill>
+            <a:gsLst>
+              <a:gs pos="0">
+                <a:srgbClr val="000000">
+                  <a:alpha val="0"/>
+                </a:srgbClr>
+              </a:gs>
+              <a:gs pos="99000">
+                <a:schemeClr val="accent1">
+                  <a:lumMod val="60000"/>
+                  <a:lumOff val="40000"/>
+                  <a:alpha val="11000"/>
+                </a:schemeClr>
+              </a:gs>
+            </a:gsLst>
+            <a:lin ang="7200000" scaled="0"/>
+          </a:gradFill>
+          <a:ln>
+            <a:noFill/>
+          </a:ln>
+        </p:spPr>
+        <p:style>
+          <a:lnRef idx="2">
+            <a:schemeClr val="accent1">
+              <a:shade val="50000"/>
+            </a:schemeClr>
+          </a:lnRef>
+          <a:fillRef idx="1">
+            <a:schemeClr val="accent1"/>
+          </a:fillRef>
+          <a:effectRef idx="0">
+            <a:schemeClr val="accent1"/>
+          </a:effectRef>
+          <a:fontRef idx="minor">
+            <a:schemeClr val="lt1"/>
+          </a:fontRef>
+        </p:style>
+        <p:txBody>
+          <a:bodyPr rtlCol="0" anchor="ctr"/>
+          <a:lstStyle/>
+          <a:p>
+            <a:pPr marL="0" marR="0" lvl="0" indent="0" algn="ctr" defTabSz="914400" rtl="0" eaLnBrk="1" fontAlgn="auto" latinLnBrk="0" hangingPunct="1">
+              <a:lnSpc>
+                <a:spcPct val="100000"/>
+              </a:lnSpc>
+              <a:spcBef>
+                <a:spcPts val="0"/>
+              </a:spcBef>
+              <a:spcAft>
+                <a:spcPts val="0"/>
+              </a:spcAft>
+              <a:buClrTx/>
+              <a:buSzTx/>
+              <a:buFontTx/>
+              <a:buNone/>
+              <a:defRPr/>
+            </a:pPr>
+            <a:endParaRPr kumimoji="0" lang="en-US" sz="1800" b="0" i="0" u="none" strike="noStrike" kern="1200" cap="none" spc="0" normalizeH="0" baseline="0" noProof="0">
+              <a:ln>
+                <a:noFill/>
+              </a:ln>
+              <a:solidFill>
+                <a:prstClr val="white"/>
+              </a:solidFill>
+              <a:effectLst/>
+              <a:uLnTx/>
+              <a:uFillTx/>
+              <a:latin typeface="Calibri" panose="020F0502020204030204"/>
+              <a:ea typeface="+mn-ea"/>
+              <a:cs typeface="+mn-cs"/>
+            </a:endParaRPr>
+          </a:p>
+        </p:txBody>
+      </p:sp>
+      <p:sp>
+        <p:nvSpPr>
+          <p:cNvPr id="2" name="Titre 1"/>
+          <p:cNvSpPr>
+            <a:spLocks noGrp="1"/>
+          </p:cNvSpPr>
+          <p:nvPr>
+            <p:ph type="title"/>
+          </p:nvPr>
+        </p:nvSpPr>
+        <p:spPr>
+          <a:xfrm>
+            <a:off x="197963" y="586855"/>
+            <a:ext cx="3703009" cy="2278893"/>
+          </a:xfrm>
+        </p:spPr>
+        <p:txBody>
+          <a:bodyPr anchor="b">
+            <a:normAutofit/>
+          </a:bodyPr>
+          <a:lstStyle/>
+          <a:p>
+            <a:pPr algn="r"/>
+            <a:r>
+              <a:rPr lang="fr-CA" sz="3700">
+                <a:solidFill>
+                  <a:srgbClr val="FFFFFF"/>
+                </a:solidFill>
+              </a:rPr>
               <a:t>Conclusion</a:t>
             </a:r>
             <a:endParaRPr lang="en-US" sz="3700">
@@ -16991,7 +18251,7 @@
             </a:r>
             <a:r>
               <a:rPr lang="fr-FR">
-                <a:hlinkClick r:id="rId1"/>
+                <a:hlinkClick r:id="rId2"/>
               </a:rPr>
               <a:t>GitHub</a:t>
             </a:r>
@@ -16999,7 +18259,6 @@
               <a:rPr lang="fr-FR"/>
               <a:t> :</a:t>
             </a:r>
-            <a:endParaRPr lang="fr-FR"/>
           </a:p>
           <a:p>
             <a:pPr algn="ctr"/>
@@ -17011,14 +18270,13 @@
               <a:rPr lang="fr-FR"/>
               <a:t>Code source + UML</a:t>
             </a:r>
-            <a:endParaRPr lang="fr-FR"/>
           </a:p>
         </p:txBody>
       </p:sp>
       <p:pic>
         <p:nvPicPr>
           <p:cNvPr id="5" name="Image 4">
-            <a:hlinkClick r:id="rId1"/>
+            <a:hlinkClick r:id="rId2"/>
           </p:cNvPr>
           <p:cNvPicPr>
             <a:picLocks noChangeAspect="1"/>
@@ -17026,7 +18284,7 @@
           <p:nvPr/>
         </p:nvPicPr>
         <p:blipFill>
-          <a:blip r:embed="rId2"/>
+          <a:blip r:embed="rId3"/>
           <a:stretch>
             <a:fillRect/>
           </a:stretch>
@@ -17067,11 +18325,831 @@
               <a:rPr lang="fr-FR"/>
               <a:t>Merci de nous avoir écouté</a:t>
             </a:r>
-            <a:endParaRPr lang="fr-FR"/>
           </a:p>
         </p:txBody>
       </p:sp>
     </p:spTree>
+  </p:cSld>
+  <p:clrMapOvr>
+    <a:masterClrMapping/>
+  </p:clrMapOvr>
+</p:sld>
+</file>
+
+<file path=ppt/slides/slide9.xml><?xml version="1.0" encoding="utf-8"?>
+<p:sld xmlns:a="http://schemas.openxmlformats.org/drawingml/2006/main" xmlns:r="http://schemas.openxmlformats.org/officeDocument/2006/relationships" xmlns:p="http://schemas.openxmlformats.org/presentationml/2006/main">
+  <p:cSld>
+    <p:bg>
+      <p:bgPr>
+        <a:solidFill>
+          <a:schemeClr val="bg1"/>
+        </a:solidFill>
+        <a:effectLst/>
+      </p:bgPr>
+    </p:bg>
+    <p:spTree>
+      <p:nvGrpSpPr>
+        <p:cNvPr id="1" name=""/>
+        <p:cNvGrpSpPr/>
+        <p:nvPr/>
+      </p:nvGrpSpPr>
+      <p:grpSpPr>
+        <a:xfrm>
+          <a:off x="0" y="0"/>
+          <a:ext cx="0" cy="0"/>
+          <a:chOff x="0" y="0"/>
+          <a:chExt cx="0" cy="0"/>
+        </a:xfrm>
+      </p:grpSpPr>
+      <p:sp useBgFill="1">
+        <p:nvSpPr>
+          <p:cNvPr id="8" name="Rectangle 7">
+            <a:extLst>
+              <a:ext uri="{FF2B5EF4-FFF2-40B4-BE49-F238E27FC236}">
+                <a16:creationId xmlns:a16="http://schemas.microsoft.com/office/drawing/2014/main" id="{6F5A5072-7B47-4D32-B52A-4EBBF590B8A5}"/>
+              </a:ext>
+              <a:ext uri="{C183D7F6-B498-43B3-948B-1728B52AA6E4}">
+                <adec:decorative xmlns:adec="http://schemas.microsoft.com/office/drawing/2017/decorative" val="1"/>
+              </a:ext>
+            </a:extLst>
+          </p:cNvPr>
+          <p:cNvSpPr>
+            <a:spLocks noGrp="1" noRot="1" noChangeAspect="1" noMove="1" noResize="1" noEditPoints="1" noAdjustHandles="1" noChangeArrowheads="1" noChangeShapeType="1" noTextEdit="1"/>
+          </p:cNvSpPr>
+          <p:nvPr>
+            <p:extLst>
+              <p:ext uri="{386F3935-93C4-4BCD-93E2-E3B085C9AB24}">
+                <p16:designElem xmlns:p16="http://schemas.microsoft.com/office/powerpoint/2015/main" val="1"/>
+              </p:ext>
+            </p:extLst>
+          </p:nvPr>
+        </p:nvSpPr>
+        <p:spPr>
+          <a:xfrm>
+            <a:off x="0" y="0"/>
+            <a:ext cx="12192000" cy="6858000"/>
+          </a:xfrm>
+          <a:prstGeom prst="rect">
+            <a:avLst/>
+          </a:prstGeom>
+          <a:ln w="12700" cap="flat" cmpd="sng" algn="ctr">
+            <a:noFill/>
+            <a:prstDash val="solid"/>
+            <a:miter lim="800000"/>
+          </a:ln>
+          <a:effectLst/>
+          <a:extLst>
+            <a:ext uri="{91240B29-F687-4F45-9708-019B960494DF}">
+              <a14:hiddenLine xmlns:a14="http://schemas.microsoft.com/office/drawing/2010/main" w="12700" cap="flat" cmpd="sng" algn="ctr">
+                <a:solidFill>
+                  <a:schemeClr val="accent1">
+                    <a:shade val="50000"/>
+                  </a:schemeClr>
+                </a:solidFill>
+                <a:prstDash val="solid"/>
+                <a:miter lim="800000"/>
+              </a14:hiddenLine>
+            </a:ext>
+          </a:extLst>
+        </p:spPr>
+        <p:style>
+          <a:lnRef idx="2">
+            <a:schemeClr val="accent1">
+              <a:shade val="50000"/>
+            </a:schemeClr>
+          </a:lnRef>
+          <a:fillRef idx="1">
+            <a:schemeClr val="accent1"/>
+          </a:fillRef>
+          <a:effectRef idx="0">
+            <a:schemeClr val="accent1"/>
+          </a:effectRef>
+          <a:fontRef idx="minor">
+            <a:schemeClr val="lt1"/>
+          </a:fontRef>
+        </p:style>
+        <p:txBody>
+          <a:bodyPr rtlCol="0" anchor="ctr"/>
+          <a:lstStyle/>
+          <a:p>
+            <a:pPr algn="ctr"/>
+            <a:endParaRPr lang="en-US"/>
+          </a:p>
+        </p:txBody>
+      </p:sp>
+      <p:sp>
+        <p:nvSpPr>
+          <p:cNvPr id="10" name="Rectangle 9">
+            <a:extLst>
+              <a:ext uri="{FF2B5EF4-FFF2-40B4-BE49-F238E27FC236}">
+                <a16:creationId xmlns:a16="http://schemas.microsoft.com/office/drawing/2014/main" id="{9715DAF0-AE1B-46C9-8A6B-DB2AA05AB91D}"/>
+              </a:ext>
+              <a:ext uri="{C183D7F6-B498-43B3-948B-1728B52AA6E4}">
+                <adec:decorative xmlns:adec="http://schemas.microsoft.com/office/drawing/2017/decorative" val="1"/>
+              </a:ext>
+            </a:extLst>
+          </p:cNvPr>
+          <p:cNvSpPr>
+            <a:spLocks noGrp="1" noRot="1" noChangeAspect="1" noMove="1" noResize="1" noEditPoints="1" noAdjustHandles="1" noChangeArrowheads="1" noChangeShapeType="1" noTextEdit="1"/>
+          </p:cNvSpPr>
+          <p:nvPr>
+            <p:extLst>
+              <p:ext uri="{386F3935-93C4-4BCD-93E2-E3B085C9AB24}">
+                <p16:designElem xmlns:p16="http://schemas.microsoft.com/office/powerpoint/2015/main" val="1"/>
+              </p:ext>
+            </p:extLst>
+          </p:nvPr>
+        </p:nvSpPr>
+        <p:spPr>
+          <a:xfrm rot="10800000">
+            <a:off x="-2" y="-22693"/>
+            <a:ext cx="12191999" cy="4374129"/>
+          </a:xfrm>
+          <a:prstGeom prst="rect">
+            <a:avLst/>
+          </a:prstGeom>
+          <a:gradFill>
+            <a:gsLst>
+              <a:gs pos="0">
+                <a:schemeClr val="accent1">
+                  <a:lumMod val="75000"/>
+                </a:schemeClr>
+              </a:gs>
+              <a:gs pos="100000">
+                <a:srgbClr val="000000"/>
+              </a:gs>
+            </a:gsLst>
+            <a:lin ang="15000000" scaled="0"/>
+          </a:gradFill>
+          <a:ln>
+            <a:noFill/>
+          </a:ln>
+        </p:spPr>
+        <p:style>
+          <a:lnRef idx="2">
+            <a:schemeClr val="accent1">
+              <a:shade val="50000"/>
+            </a:schemeClr>
+          </a:lnRef>
+          <a:fillRef idx="1">
+            <a:schemeClr val="accent1"/>
+          </a:fillRef>
+          <a:effectRef idx="0">
+            <a:schemeClr val="accent1"/>
+          </a:effectRef>
+          <a:fontRef idx="minor">
+            <a:schemeClr val="lt1"/>
+          </a:fontRef>
+        </p:style>
+        <p:txBody>
+          <a:bodyPr rtlCol="0" anchor="ctr"/>
+          <a:lstStyle/>
+          <a:p>
+            <a:pPr algn="ctr"/>
+            <a:endParaRPr lang="en-US"/>
+          </a:p>
+        </p:txBody>
+      </p:sp>
+      <p:sp>
+        <p:nvSpPr>
+          <p:cNvPr id="12" name="Rectangle 11">
+            <a:extLst>
+              <a:ext uri="{FF2B5EF4-FFF2-40B4-BE49-F238E27FC236}">
+                <a16:creationId xmlns:a16="http://schemas.microsoft.com/office/drawing/2014/main" id="{6016219D-510E-4184-9090-6D5578A87BD1}"/>
+              </a:ext>
+              <a:ext uri="{C183D7F6-B498-43B3-948B-1728B52AA6E4}">
+                <adec:decorative xmlns:adec="http://schemas.microsoft.com/office/drawing/2017/decorative" val="1"/>
+              </a:ext>
+            </a:extLst>
+          </p:cNvPr>
+          <p:cNvSpPr>
+            <a:spLocks noGrp="1" noRot="1" noChangeAspect="1" noMove="1" noResize="1" noEditPoints="1" noAdjustHandles="1" noChangeArrowheads="1" noChangeShapeType="1" noTextEdit="1"/>
+          </p:cNvSpPr>
+          <p:nvPr>
+            <p:extLst>
+              <p:ext uri="{386F3935-93C4-4BCD-93E2-E3B085C9AB24}">
+                <p16:designElem xmlns:p16="http://schemas.microsoft.com/office/powerpoint/2015/main" val="1"/>
+              </p:ext>
+            </p:extLst>
+          </p:nvPr>
+        </p:nvSpPr>
+        <p:spPr>
+          <a:xfrm rot="5400000">
+            <a:off x="3908719" y="-3931841"/>
+            <a:ext cx="4374557" cy="12192000"/>
+          </a:xfrm>
+          <a:prstGeom prst="rect">
+            <a:avLst/>
+          </a:prstGeom>
+          <a:gradFill>
+            <a:gsLst>
+              <a:gs pos="40000">
+                <a:schemeClr val="accent1">
+                  <a:alpha val="0"/>
+                </a:schemeClr>
+              </a:gs>
+              <a:gs pos="100000">
+                <a:schemeClr val="accent1">
+                  <a:lumMod val="75000"/>
+                  <a:alpha val="52000"/>
+                </a:schemeClr>
+              </a:gs>
+            </a:gsLst>
+            <a:lin ang="2400000" scaled="0"/>
+          </a:gradFill>
+          <a:ln>
+            <a:noFill/>
+          </a:ln>
+        </p:spPr>
+        <p:style>
+          <a:lnRef idx="2">
+            <a:schemeClr val="accent1">
+              <a:shade val="50000"/>
+            </a:schemeClr>
+          </a:lnRef>
+          <a:fillRef idx="1">
+            <a:schemeClr val="accent1"/>
+          </a:fillRef>
+          <a:effectRef idx="0">
+            <a:schemeClr val="accent1"/>
+          </a:effectRef>
+          <a:fontRef idx="minor">
+            <a:schemeClr val="lt1"/>
+          </a:fontRef>
+        </p:style>
+        <p:txBody>
+          <a:bodyPr rtlCol="0" anchor="ctr"/>
+          <a:lstStyle/>
+          <a:p>
+            <a:pPr algn="ctr"/>
+            <a:endParaRPr lang="en-US"/>
+          </a:p>
+        </p:txBody>
+      </p:sp>
+      <p:sp>
+        <p:nvSpPr>
+          <p:cNvPr id="14" name="Rectangle 13">
+            <a:extLst>
+              <a:ext uri="{FF2B5EF4-FFF2-40B4-BE49-F238E27FC236}">
+                <a16:creationId xmlns:a16="http://schemas.microsoft.com/office/drawing/2014/main" id="{AFF4A713-7B75-4B21-90D7-5AB19547C728}"/>
+              </a:ext>
+              <a:ext uri="{C183D7F6-B498-43B3-948B-1728B52AA6E4}">
+                <adec:decorative xmlns:adec="http://schemas.microsoft.com/office/drawing/2017/decorative" val="1"/>
+              </a:ext>
+            </a:extLst>
+          </p:cNvPr>
+          <p:cNvSpPr>
+            <a:spLocks noGrp="1" noRot="1" noChangeAspect="1" noMove="1" noResize="1" noEditPoints="1" noAdjustHandles="1" noChangeArrowheads="1" noChangeShapeType="1" noTextEdit="1"/>
+          </p:cNvSpPr>
+          <p:nvPr>
+            <p:extLst>
+              <p:ext uri="{386F3935-93C4-4BCD-93E2-E3B085C9AB24}">
+                <p16:designElem xmlns:p16="http://schemas.microsoft.com/office/powerpoint/2015/main" val="1"/>
+              </p:ext>
+            </p:extLst>
+          </p:nvPr>
+        </p:nvSpPr>
+        <p:spPr>
+          <a:xfrm rot="5400000">
+            <a:off x="4136696" y="-3703868"/>
+            <a:ext cx="4374128" cy="11736479"/>
+          </a:xfrm>
+          <a:prstGeom prst="rect">
+            <a:avLst/>
+          </a:prstGeom>
+          <a:gradFill>
+            <a:gsLst>
+              <a:gs pos="17000">
+                <a:schemeClr val="accent1">
+                  <a:alpha val="0"/>
+                </a:schemeClr>
+              </a:gs>
+              <a:gs pos="100000">
+                <a:srgbClr val="000000">
+                  <a:alpha val="37000"/>
+                </a:srgbClr>
+              </a:gs>
+            </a:gsLst>
+            <a:lin ang="7800000" scaled="0"/>
+          </a:gradFill>
+          <a:ln>
+            <a:noFill/>
+          </a:ln>
+        </p:spPr>
+        <p:style>
+          <a:lnRef idx="2">
+            <a:schemeClr val="accent1">
+              <a:shade val="50000"/>
+            </a:schemeClr>
+          </a:lnRef>
+          <a:fillRef idx="1">
+            <a:schemeClr val="accent1"/>
+          </a:fillRef>
+          <a:effectRef idx="0">
+            <a:schemeClr val="accent1"/>
+          </a:effectRef>
+          <a:fontRef idx="minor">
+            <a:schemeClr val="lt1"/>
+          </a:fontRef>
+        </p:style>
+        <p:txBody>
+          <a:bodyPr rtlCol="0" anchor="ctr"/>
+          <a:lstStyle/>
+          <a:p>
+            <a:pPr algn="ctr"/>
+            <a:endParaRPr lang="en-US"/>
+          </a:p>
+        </p:txBody>
+      </p:sp>
+      <p:sp>
+        <p:nvSpPr>
+          <p:cNvPr id="16" name="Rectangle 15">
+            <a:extLst>
+              <a:ext uri="{FF2B5EF4-FFF2-40B4-BE49-F238E27FC236}">
+                <a16:creationId xmlns:a16="http://schemas.microsoft.com/office/drawing/2014/main" id="{DC631C0B-6DA6-4E57-8231-CE32B3434A7E}"/>
+              </a:ext>
+              <a:ext uri="{C183D7F6-B498-43B3-948B-1728B52AA6E4}">
+                <adec:decorative xmlns:adec="http://schemas.microsoft.com/office/drawing/2017/decorative" val="1"/>
+              </a:ext>
+            </a:extLst>
+          </p:cNvPr>
+          <p:cNvSpPr>
+            <a:spLocks noGrp="1" noRot="1" noChangeAspect="1" noMove="1" noResize="1" noEditPoints="1" noAdjustHandles="1" noChangeArrowheads="1" noChangeShapeType="1" noTextEdit="1"/>
+          </p:cNvSpPr>
+          <p:nvPr>
+            <p:extLst>
+              <p:ext uri="{386F3935-93C4-4BCD-93E2-E3B085C9AB24}">
+                <p16:designElem xmlns:p16="http://schemas.microsoft.com/office/powerpoint/2015/main" val="1"/>
+              </p:ext>
+            </p:extLst>
+          </p:nvPr>
+        </p:nvSpPr>
+        <p:spPr>
+          <a:xfrm>
+            <a:off x="-5" y="-22690"/>
+            <a:ext cx="8542485" cy="4374126"/>
+          </a:xfrm>
+          <a:prstGeom prst="rect">
+            <a:avLst/>
+          </a:prstGeom>
+          <a:gradFill>
+            <a:gsLst>
+              <a:gs pos="0">
+                <a:schemeClr val="accent1">
+                  <a:lumMod val="50000"/>
+                  <a:alpha val="0"/>
+                </a:schemeClr>
+              </a:gs>
+              <a:gs pos="100000">
+                <a:srgbClr val="000000">
+                  <a:alpha val="25000"/>
+                </a:srgbClr>
+              </a:gs>
+            </a:gsLst>
+            <a:lin ang="18600000" scaled="0"/>
+          </a:gradFill>
+          <a:ln>
+            <a:noFill/>
+          </a:ln>
+        </p:spPr>
+        <p:style>
+          <a:lnRef idx="2">
+            <a:schemeClr val="accent1">
+              <a:shade val="50000"/>
+            </a:schemeClr>
+          </a:lnRef>
+          <a:fillRef idx="1">
+            <a:schemeClr val="accent1"/>
+          </a:fillRef>
+          <a:effectRef idx="0">
+            <a:schemeClr val="accent1"/>
+          </a:effectRef>
+          <a:fontRef idx="minor">
+            <a:schemeClr val="lt1"/>
+          </a:fontRef>
+        </p:style>
+        <p:txBody>
+          <a:bodyPr rtlCol="0" anchor="ctr"/>
+          <a:lstStyle/>
+          <a:p>
+            <a:pPr algn="ctr"/>
+            <a:endParaRPr lang="en-US"/>
+          </a:p>
+        </p:txBody>
+      </p:sp>
+      <p:sp>
+        <p:nvSpPr>
+          <p:cNvPr id="18" name="Freeform: Shape 17">
+            <a:extLst>
+              <a:ext uri="{FF2B5EF4-FFF2-40B4-BE49-F238E27FC236}">
+                <a16:creationId xmlns:a16="http://schemas.microsoft.com/office/drawing/2014/main" id="{C29501E6-A978-4A61-9689-9085AF97A53A}"/>
+              </a:ext>
+              <a:ext uri="{C183D7F6-B498-43B3-948B-1728B52AA6E4}">
+                <adec:decorative xmlns:adec="http://schemas.microsoft.com/office/drawing/2017/decorative" val="1"/>
+              </a:ext>
+            </a:extLst>
+          </p:cNvPr>
+          <p:cNvSpPr>
+            <a:spLocks noGrp="1" noRot="1" noChangeAspect="1" noMove="1" noResize="1" noEditPoints="1" noAdjustHandles="1" noChangeArrowheads="1" noChangeShapeType="1" noTextEdit="1"/>
+          </p:cNvSpPr>
+          <p:nvPr>
+            <p:extLst>
+              <p:ext uri="{386F3935-93C4-4BCD-93E2-E3B085C9AB24}">
+                <p16:designElem xmlns:p16="http://schemas.microsoft.com/office/powerpoint/2015/main" val="1"/>
+              </p:ext>
+            </p:extLst>
+          </p:nvPr>
+        </p:nvSpPr>
+        <p:spPr>
+          <a:xfrm rot="12508972">
+            <a:off x="5945431" y="-1032053"/>
+            <a:ext cx="4990147" cy="4439131"/>
+          </a:xfrm>
+          <a:custGeom>
+            <a:avLst/>
+            <a:gdLst>
+              <a:gd name="connsiteX0" fmla="*/ 4990147 w 4990147"/>
+              <a:gd name="connsiteY0" fmla="*/ 2229378 h 4439131"/>
+              <a:gd name="connsiteX1" fmla="*/ 917384 w 4990147"/>
+              <a:gd name="connsiteY1" fmla="*/ 4439131 h 4439131"/>
+              <a:gd name="connsiteX2" fmla="*/ 910814 w 4990147"/>
+              <a:gd name="connsiteY2" fmla="*/ 4434219 h 4439131"/>
+              <a:gd name="connsiteX3" fmla="*/ 0 w 4990147"/>
+              <a:gd name="connsiteY3" fmla="*/ 2502877 h 4439131"/>
+              <a:gd name="connsiteX4" fmla="*/ 2502877 w 4990147"/>
+              <a:gd name="connsiteY4" fmla="*/ 0 h 4439131"/>
+              <a:gd name="connsiteX5" fmla="*/ 4954904 w 4990147"/>
+              <a:gd name="connsiteY5" fmla="*/ 1998460 h 4439131"/>
+            </a:gdLst>
+            <a:ahLst/>
+            <a:cxnLst>
+              <a:cxn ang="0">
+                <a:pos x="connsiteX0" y="connsiteY0"/>
+              </a:cxn>
+              <a:cxn ang="0">
+                <a:pos x="connsiteX1" y="connsiteY1"/>
+              </a:cxn>
+              <a:cxn ang="0">
+                <a:pos x="connsiteX2" y="connsiteY2"/>
+              </a:cxn>
+              <a:cxn ang="0">
+                <a:pos x="connsiteX3" y="connsiteY3"/>
+              </a:cxn>
+              <a:cxn ang="0">
+                <a:pos x="connsiteX4" y="connsiteY4"/>
+              </a:cxn>
+              <a:cxn ang="0">
+                <a:pos x="connsiteX5" y="connsiteY5"/>
+              </a:cxn>
+            </a:cxnLst>
+            <a:rect l="l" t="t" r="r" b="b"/>
+            <a:pathLst>
+              <a:path w="4990147" h="4439131">
+                <a:moveTo>
+                  <a:pt x="4990147" y="2229378"/>
+                </a:moveTo>
+                <a:lnTo>
+                  <a:pt x="917384" y="4439131"/>
+                </a:lnTo>
+                <a:lnTo>
+                  <a:pt x="910814" y="4434219"/>
+                </a:lnTo>
+                <a:cubicBezTo>
+                  <a:pt x="354557" y="3975154"/>
+                  <a:pt x="0" y="3280421"/>
+                  <a:pt x="0" y="2502877"/>
+                </a:cubicBezTo>
+                <a:cubicBezTo>
+                  <a:pt x="0" y="1120576"/>
+                  <a:pt x="1120576" y="0"/>
+                  <a:pt x="2502877" y="0"/>
+                </a:cubicBezTo>
+                <a:cubicBezTo>
+                  <a:pt x="3712390" y="0"/>
+                  <a:pt x="4721520" y="857941"/>
+                  <a:pt x="4954904" y="1998460"/>
+                </a:cubicBezTo>
+                <a:close/>
+              </a:path>
+            </a:pathLst>
+          </a:custGeom>
+          <a:gradFill>
+            <a:gsLst>
+              <a:gs pos="0">
+                <a:schemeClr val="accent1">
+                  <a:alpha val="22000"/>
+                </a:schemeClr>
+              </a:gs>
+              <a:gs pos="87000">
+                <a:schemeClr val="accent1">
+                  <a:lumMod val="60000"/>
+                  <a:lumOff val="40000"/>
+                  <a:alpha val="2000"/>
+                </a:schemeClr>
+              </a:gs>
+            </a:gsLst>
+            <a:lin ang="8400000" scaled="0"/>
+          </a:gradFill>
+          <a:ln>
+            <a:noFill/>
+          </a:ln>
+        </p:spPr>
+        <p:style>
+          <a:lnRef idx="2">
+            <a:schemeClr val="accent1">
+              <a:shade val="50000"/>
+            </a:schemeClr>
+          </a:lnRef>
+          <a:fillRef idx="1">
+            <a:schemeClr val="accent1"/>
+          </a:fillRef>
+          <a:effectRef idx="0">
+            <a:schemeClr val="accent1"/>
+          </a:effectRef>
+          <a:fontRef idx="minor">
+            <a:schemeClr val="lt1"/>
+          </a:fontRef>
+        </p:style>
+        <p:txBody>
+          <a:bodyPr wrap="square" rtlCol="0" anchor="ctr">
+            <a:noAutofit/>
+          </a:bodyPr>
+          <a:lstStyle/>
+          <a:p>
+            <a:pPr algn="ctr"/>
+            <a:endParaRPr lang="en-US" dirty="0"/>
+          </a:p>
+        </p:txBody>
+      </p:sp>
+      <p:sp>
+        <p:nvSpPr>
+          <p:cNvPr id="2" name="Titre 1">
+            <a:extLst>
+              <a:ext uri="{FF2B5EF4-FFF2-40B4-BE49-F238E27FC236}">
+                <a16:creationId xmlns:a16="http://schemas.microsoft.com/office/drawing/2014/main" id="{47344C76-799A-4F73-8CCC-A7769F7C3125}"/>
+              </a:ext>
+            </a:extLst>
+          </p:cNvPr>
+          <p:cNvSpPr>
+            <a:spLocks noGrp="1"/>
+          </p:cNvSpPr>
+          <p:nvPr>
+            <p:ph type="title"/>
+          </p:nvPr>
+        </p:nvSpPr>
+        <p:spPr>
+          <a:xfrm>
+            <a:off x="1314824" y="735106"/>
+            <a:ext cx="10053763" cy="2928470"/>
+          </a:xfrm>
+        </p:spPr>
+        <p:txBody>
+          <a:bodyPr vert="horz" lIns="91440" tIns="45720" rIns="91440" bIns="45720" rtlCol="0" anchor="b">
+            <a:normAutofit/>
+          </a:bodyPr>
+          <a:lstStyle/>
+          <a:p>
+            <a:r>
+              <a:rPr lang="en-US" sz="4800" kern="1200">
+                <a:solidFill>
+                  <a:srgbClr val="FFFFFF"/>
+                </a:solidFill>
+                <a:latin typeface="+mj-lt"/>
+                <a:ea typeface="+mj-ea"/>
+                <a:cs typeface="+mj-cs"/>
+              </a:rPr>
+              <a:t>Réponse au commentaires</a:t>
+            </a:r>
+          </a:p>
+        </p:txBody>
+      </p:sp>
+      <p:sp>
+        <p:nvSpPr>
+          <p:cNvPr id="3" name="Espace réservé du contenu 2">
+            <a:extLst>
+              <a:ext uri="{FF2B5EF4-FFF2-40B4-BE49-F238E27FC236}">
+                <a16:creationId xmlns:a16="http://schemas.microsoft.com/office/drawing/2014/main" id="{CB3AA3F5-8CC5-4820-88AC-6A73F975AF7C}"/>
+              </a:ext>
+            </a:extLst>
+          </p:cNvPr>
+          <p:cNvSpPr>
+            <a:spLocks noGrp="1"/>
+          </p:cNvSpPr>
+          <p:nvPr>
+            <p:ph idx="1"/>
+          </p:nvPr>
+        </p:nvSpPr>
+        <p:spPr>
+          <a:xfrm>
+            <a:off x="1350682" y="4870824"/>
+            <a:ext cx="10005951" cy="1458258"/>
+          </a:xfrm>
+        </p:spPr>
+        <p:txBody>
+          <a:bodyPr vert="horz" lIns="91440" tIns="45720" rIns="91440" bIns="45720" rtlCol="0" anchor="ctr">
+            <a:normAutofit/>
+          </a:bodyPr>
+          <a:lstStyle/>
+          <a:p>
+            <a:pPr marL="0" indent="0">
+              <a:buNone/>
+            </a:pPr>
+            <a:r>
+              <a:rPr lang="en-US" sz="2400" kern="1200" dirty="0">
+                <a:solidFill>
+                  <a:schemeClr val="tx1"/>
+                </a:solidFill>
+                <a:latin typeface="+mn-lt"/>
+                <a:ea typeface="+mn-ea"/>
+                <a:cs typeface="+mn-cs"/>
+              </a:rPr>
+              <a:t>Nous </a:t>
+            </a:r>
+            <a:r>
+              <a:rPr lang="en-US" sz="2400" kern="1200" dirty="0" err="1">
+                <a:solidFill>
+                  <a:schemeClr val="tx1"/>
+                </a:solidFill>
+                <a:latin typeface="+mn-lt"/>
+                <a:ea typeface="+mn-ea"/>
+                <a:cs typeface="+mn-cs"/>
+              </a:rPr>
+              <a:t>n'avions</a:t>
+            </a:r>
+            <a:r>
+              <a:rPr lang="en-US" sz="2400" kern="1200" dirty="0">
+                <a:solidFill>
+                  <a:schemeClr val="tx1"/>
+                </a:solidFill>
+                <a:latin typeface="+mn-lt"/>
+                <a:ea typeface="+mn-ea"/>
+                <a:cs typeface="+mn-cs"/>
+              </a:rPr>
+              <a:t> </a:t>
+            </a:r>
+            <a:r>
+              <a:rPr lang="en-US" sz="2400" kern="1200" dirty="0" err="1">
+                <a:solidFill>
+                  <a:schemeClr val="tx1"/>
+                </a:solidFill>
+                <a:latin typeface="+mn-lt"/>
+                <a:ea typeface="+mn-ea"/>
+                <a:cs typeface="+mn-cs"/>
+              </a:rPr>
+              <a:t>eu</a:t>
+            </a:r>
+            <a:r>
+              <a:rPr lang="en-US" sz="2400" kern="1200" dirty="0">
+                <a:solidFill>
+                  <a:schemeClr val="tx1"/>
+                </a:solidFill>
+                <a:latin typeface="+mn-lt"/>
+                <a:ea typeface="+mn-ea"/>
+                <a:cs typeface="+mn-cs"/>
+              </a:rPr>
+              <a:t> </a:t>
+            </a:r>
+            <a:r>
+              <a:rPr lang="en-US" sz="2400" kern="1200" dirty="0" err="1">
+                <a:solidFill>
+                  <a:schemeClr val="tx1"/>
+                </a:solidFill>
+                <a:latin typeface="+mn-lt"/>
+                <a:ea typeface="+mn-ea"/>
+                <a:cs typeface="+mn-cs"/>
+              </a:rPr>
+              <a:t>aucun</a:t>
+            </a:r>
+            <a:r>
+              <a:rPr lang="en-US" sz="2400" kern="1200" dirty="0">
+                <a:solidFill>
+                  <a:schemeClr val="tx1"/>
+                </a:solidFill>
+                <a:latin typeface="+mn-lt"/>
+                <a:ea typeface="+mn-ea"/>
+                <a:cs typeface="+mn-cs"/>
+              </a:rPr>
+              <a:t> </a:t>
+            </a:r>
+            <a:r>
+              <a:rPr lang="en-US" sz="2400" kern="1200" dirty="0" err="1">
+                <a:solidFill>
+                  <a:schemeClr val="tx1"/>
+                </a:solidFill>
+                <a:latin typeface="+mn-lt"/>
+                <a:ea typeface="+mn-ea"/>
+                <a:cs typeface="+mn-cs"/>
+              </a:rPr>
+              <a:t>commentaire</a:t>
+            </a:r>
+            <a:r>
+              <a:rPr lang="en-US" sz="2400" kern="1200" dirty="0">
+                <a:solidFill>
+                  <a:schemeClr val="tx1"/>
+                </a:solidFill>
+                <a:latin typeface="+mn-lt"/>
+                <a:ea typeface="+mn-ea"/>
+                <a:cs typeface="+mn-cs"/>
+              </a:rPr>
+              <a:t> </a:t>
+            </a:r>
+            <a:r>
+              <a:rPr lang="en-US" sz="2400" kern="1200" dirty="0" err="1">
+                <a:solidFill>
+                  <a:schemeClr val="tx1"/>
+                </a:solidFill>
+                <a:latin typeface="+mn-lt"/>
+                <a:ea typeface="+mn-ea"/>
+                <a:cs typeface="+mn-cs"/>
+              </a:rPr>
+              <a:t>ou</a:t>
+            </a:r>
+            <a:r>
+              <a:rPr lang="en-US" sz="2400" kern="1200" dirty="0">
+                <a:solidFill>
+                  <a:schemeClr val="tx1"/>
+                </a:solidFill>
+                <a:latin typeface="+mn-lt"/>
+                <a:ea typeface="+mn-ea"/>
+                <a:cs typeface="+mn-cs"/>
+              </a:rPr>
+              <a:t> questions </a:t>
+            </a:r>
+            <a:r>
+              <a:rPr lang="en-US" sz="2400" kern="1200" dirty="0" err="1">
+                <a:solidFill>
+                  <a:schemeClr val="tx1"/>
+                </a:solidFill>
+                <a:latin typeface="+mn-lt"/>
+                <a:ea typeface="+mn-ea"/>
+                <a:cs typeface="+mn-cs"/>
+              </a:rPr>
+              <a:t>lors</a:t>
+            </a:r>
+            <a:r>
+              <a:rPr lang="en-US" sz="2400" kern="1200" dirty="0">
+                <a:solidFill>
+                  <a:schemeClr val="tx1"/>
+                </a:solidFill>
+                <a:latin typeface="+mn-lt"/>
+                <a:ea typeface="+mn-ea"/>
+                <a:cs typeface="+mn-cs"/>
+              </a:rPr>
+              <a:t> de </a:t>
+            </a:r>
+            <a:r>
+              <a:rPr lang="en-US" sz="2400" kern="1200" dirty="0" err="1">
+                <a:solidFill>
+                  <a:schemeClr val="tx1"/>
+                </a:solidFill>
+                <a:latin typeface="+mn-lt"/>
+                <a:ea typeface="+mn-ea"/>
+                <a:cs typeface="+mn-cs"/>
+              </a:rPr>
+              <a:t>notre</a:t>
+            </a:r>
+            <a:r>
+              <a:rPr lang="en-US" sz="2400" kern="1200" dirty="0">
+                <a:solidFill>
+                  <a:schemeClr val="tx1"/>
+                </a:solidFill>
+                <a:latin typeface="+mn-lt"/>
+                <a:ea typeface="+mn-ea"/>
+                <a:cs typeface="+mn-cs"/>
+              </a:rPr>
+              <a:t> première </a:t>
+            </a:r>
+            <a:r>
+              <a:rPr lang="en-US" sz="2400" kern="1200" dirty="0" err="1">
+                <a:solidFill>
+                  <a:schemeClr val="tx1"/>
+                </a:solidFill>
+                <a:latin typeface="+mn-lt"/>
+                <a:ea typeface="+mn-ea"/>
+                <a:cs typeface="+mn-cs"/>
+              </a:rPr>
+              <a:t>présentation</a:t>
+            </a:r>
+            <a:r>
+              <a:rPr lang="en-US" sz="2400" kern="1200" dirty="0">
+                <a:solidFill>
+                  <a:schemeClr val="tx1"/>
+                </a:solidFill>
+                <a:latin typeface="+mn-lt"/>
+                <a:ea typeface="+mn-ea"/>
+                <a:cs typeface="+mn-cs"/>
+              </a:rPr>
+              <a:t>.</a:t>
+            </a:r>
+          </a:p>
+        </p:txBody>
+      </p:sp>
+    </p:spTree>
+    <p:extLst>
+      <p:ext uri="{BB962C8B-B14F-4D97-AF65-F5344CB8AC3E}">
+        <p14:creationId xmlns:p14="http://schemas.microsoft.com/office/powerpoint/2010/main" val="291446575"/>
+      </p:ext>
+    </p:extLst>
   </p:cSld>
   <p:clrMapOvr>
     <a:masterClrMapping/>
@@ -17330,6 +19408,8 @@
       </a:bgFillStyleLst>
     </a:fmtScheme>
   </a:themeElements>
+  <a:objectDefaults/>
+  <a:extraClrSchemeLst/>
   <a:extLst>
     <a:ext uri="{05A4C25C-085E-4340-85A3-A5531E510DB2}">
       <thm15:themeFamily xmlns:thm15="http://schemas.microsoft.com/office/thememl/2012/main" name="Office Theme" id="{62F939B6-93AF-4DB8-9C6B-D6C7DFDC589F}" vid="{4A3C46E8-61CC-4603-A589-7422A47A8E4A}"/>
@@ -17589,6 +19669,8 @@
       </a:bgFillStyleLst>
     </a:fmtScheme>
   </a:themeElements>
+  <a:objectDefaults/>
+  <a:extraClrSchemeLst/>
   <a:extLst>
     <a:ext uri="{05A4C25C-085E-4340-85A3-A5531E510DB2}">
       <thm15:themeFamily xmlns:thm15="http://schemas.microsoft.com/office/thememl/2012/main" name="Office Theme" id="{62F939B6-93AF-4DB8-9C6B-D6C7DFDC589F}" vid="{4A3C46E8-61CC-4603-A589-7422A47A8E4A}"/>
